--- a/GP_week5/finalPPT.pptx
+++ b/GP_week5/finalPPT.pptx
@@ -1,36 +1,132 @@
 
 <file path=ppt/presentation.xml><?xml version="1.0" encoding="utf-8"?>
-<p:presentation xmlns:a="http://schemas.openxmlformats.org/drawingml/2006/main" xmlns:p="http://schemas.openxmlformats.org/presentationml/2006/main" xmlns:r="http://schemas.openxmlformats.org/officeDocument/2006/relationships" xmlns:p14="http://schemas.microsoft.com/office/powerpoint/2010/main" xmlns:p15="http://schemas.microsoft.com/office/powerpoint/2012/main" xmlns:mc="http://schemas.openxmlformats.org/markup-compatibility/2006">
+<p:presentation xmlns:a="http://schemas.openxmlformats.org/drawingml/2006/main" xmlns:r="http://schemas.openxmlformats.org/officeDocument/2006/relationships" xmlns:p="http://schemas.openxmlformats.org/presentationml/2006/main">
   <p:sldMasterIdLst>
-    <p:sldMasterId id="2147483648" r:id="rId2"/>
-    <p:sldMasterId id="2147483661" r:id="rId3"/>
+    <p:sldMasterId id="2147483648" r:id="rId1"/>
+    <p:sldMasterId id="2147483661" r:id="rId2"/>
   </p:sldMasterIdLst>
   <p:sldIdLst>
-    <p:sldId id="256" r:id="rId4"/>
-    <p:sldId id="257" r:id="rId5"/>
-    <p:sldId id="258" r:id="rId6"/>
-    <p:sldId id="259" r:id="rId7"/>
-    <p:sldId id="260" r:id="rId8"/>
-    <p:sldId id="261" r:id="rId9"/>
-    <p:sldId id="262" r:id="rId10"/>
-    <p:sldId id="263" r:id="rId11"/>
-    <p:sldId id="264" r:id="rId12"/>
-    <p:sldId id="265" r:id="rId13"/>
-    <p:sldId id="266" r:id="rId14"/>
-    <p:sldId id="267" r:id="rId15"/>
-    <p:sldId id="268" r:id="rId16"/>
-    <p:sldId id="269" r:id="rId17"/>
-    <p:sldId id="270" r:id="rId18"/>
-    <p:sldId id="271" r:id="rId19"/>
+    <p:sldId id="256" r:id="rId3"/>
+    <p:sldId id="257" r:id="rId4"/>
+    <p:sldId id="258" r:id="rId5"/>
+    <p:sldId id="259" r:id="rId6"/>
+    <p:sldId id="260" r:id="rId7"/>
+    <p:sldId id="261" r:id="rId8"/>
+    <p:sldId id="262" r:id="rId9"/>
+    <p:sldId id="263" r:id="rId10"/>
+    <p:sldId id="264" r:id="rId11"/>
+    <p:sldId id="265" r:id="rId12"/>
+    <p:sldId id="266" r:id="rId13"/>
+    <p:sldId id="267" r:id="rId14"/>
+    <p:sldId id="268" r:id="rId15"/>
+    <p:sldId id="269" r:id="rId16"/>
+    <p:sldId id="270" r:id="rId17"/>
+    <p:sldId id="271" r:id="rId18"/>
+    <p:sldId id="273" r:id="rId19"/>
     <p:sldId id="272" r:id="rId20"/>
   </p:sldIdLst>
-  <p:sldSz cx="9144000" cy="5143500"/>
+  <p:sldSz cx="9144000" cy="5143500" type="screen16x9"/>
   <p:notesSz cx="6858000" cy="9144000"/>
+  <p:defaultTextStyle>
+    <a:defPPr>
+      <a:defRPr lang="ko-KR"/>
+    </a:defPPr>
+    <a:lvl1pPr marL="0" algn="l" defTabSz="914400" rtl="0" eaLnBrk="1" latinLnBrk="1" hangingPunct="1">
+      <a:defRPr sz="1800" kern="1200">
+        <a:solidFill>
+          <a:schemeClr val="tx1"/>
+        </a:solidFill>
+        <a:latin typeface="+mn-lt"/>
+        <a:ea typeface="+mn-ea"/>
+        <a:cs typeface="+mn-cs"/>
+      </a:defRPr>
+    </a:lvl1pPr>
+    <a:lvl2pPr marL="457200" algn="l" defTabSz="914400" rtl="0" eaLnBrk="1" latinLnBrk="1" hangingPunct="1">
+      <a:defRPr sz="1800" kern="1200">
+        <a:solidFill>
+          <a:schemeClr val="tx1"/>
+        </a:solidFill>
+        <a:latin typeface="+mn-lt"/>
+        <a:ea typeface="+mn-ea"/>
+        <a:cs typeface="+mn-cs"/>
+      </a:defRPr>
+    </a:lvl2pPr>
+    <a:lvl3pPr marL="914400" algn="l" defTabSz="914400" rtl="0" eaLnBrk="1" latinLnBrk="1" hangingPunct="1">
+      <a:defRPr sz="1800" kern="1200">
+        <a:solidFill>
+          <a:schemeClr val="tx1"/>
+        </a:solidFill>
+        <a:latin typeface="+mn-lt"/>
+        <a:ea typeface="+mn-ea"/>
+        <a:cs typeface="+mn-cs"/>
+      </a:defRPr>
+    </a:lvl3pPr>
+    <a:lvl4pPr marL="1371600" algn="l" defTabSz="914400" rtl="0" eaLnBrk="1" latinLnBrk="1" hangingPunct="1">
+      <a:defRPr sz="1800" kern="1200">
+        <a:solidFill>
+          <a:schemeClr val="tx1"/>
+        </a:solidFill>
+        <a:latin typeface="+mn-lt"/>
+        <a:ea typeface="+mn-ea"/>
+        <a:cs typeface="+mn-cs"/>
+      </a:defRPr>
+    </a:lvl4pPr>
+    <a:lvl5pPr marL="1828800" algn="l" defTabSz="914400" rtl="0" eaLnBrk="1" latinLnBrk="1" hangingPunct="1">
+      <a:defRPr sz="1800" kern="1200">
+        <a:solidFill>
+          <a:schemeClr val="tx1"/>
+        </a:solidFill>
+        <a:latin typeface="+mn-lt"/>
+        <a:ea typeface="+mn-ea"/>
+        <a:cs typeface="+mn-cs"/>
+      </a:defRPr>
+    </a:lvl5pPr>
+    <a:lvl6pPr marL="2286000" algn="l" defTabSz="914400" rtl="0" eaLnBrk="1" latinLnBrk="1" hangingPunct="1">
+      <a:defRPr sz="1800" kern="1200">
+        <a:solidFill>
+          <a:schemeClr val="tx1"/>
+        </a:solidFill>
+        <a:latin typeface="+mn-lt"/>
+        <a:ea typeface="+mn-ea"/>
+        <a:cs typeface="+mn-cs"/>
+      </a:defRPr>
+    </a:lvl6pPr>
+    <a:lvl7pPr marL="2743200" algn="l" defTabSz="914400" rtl="0" eaLnBrk="1" latinLnBrk="1" hangingPunct="1">
+      <a:defRPr sz="1800" kern="1200">
+        <a:solidFill>
+          <a:schemeClr val="tx1"/>
+        </a:solidFill>
+        <a:latin typeface="+mn-lt"/>
+        <a:ea typeface="+mn-ea"/>
+        <a:cs typeface="+mn-cs"/>
+      </a:defRPr>
+    </a:lvl7pPr>
+    <a:lvl8pPr marL="3200400" algn="l" defTabSz="914400" rtl="0" eaLnBrk="1" latinLnBrk="1" hangingPunct="1">
+      <a:defRPr sz="1800" kern="1200">
+        <a:solidFill>
+          <a:schemeClr val="tx1"/>
+        </a:solidFill>
+        <a:latin typeface="+mn-lt"/>
+        <a:ea typeface="+mn-ea"/>
+        <a:cs typeface="+mn-cs"/>
+      </a:defRPr>
+    </a:lvl8pPr>
+    <a:lvl9pPr marL="3657600" algn="l" defTabSz="914400" rtl="0" eaLnBrk="1" latinLnBrk="1" hangingPunct="1">
+      <a:defRPr sz="1800" kern="1200">
+        <a:solidFill>
+          <a:schemeClr val="tx1"/>
+        </a:solidFill>
+        <a:latin typeface="+mn-lt"/>
+        <a:ea typeface="+mn-ea"/>
+        <a:cs typeface="+mn-cs"/>
+      </a:defRPr>
+    </a:lvl9pPr>
+  </p:defaultTextStyle>
 </p:presentation>
 </file>
 
 <file path=ppt/slideLayouts/slideLayout1.xml><?xml version="1.0" encoding="utf-8"?>
-<p:sldLayout xmlns:a="http://schemas.openxmlformats.org/drawingml/2006/main" xmlns:p="http://schemas.openxmlformats.org/presentationml/2006/main" xmlns:r="http://schemas.openxmlformats.org/officeDocument/2006/relationships" xmlns:p14="http://schemas.microsoft.com/office/powerpoint/2010/main" xmlns:p15="http://schemas.microsoft.com/office/powerpoint/2012/main" xmlns:mc="http://schemas.openxmlformats.org/markup-compatibility/2006" type="blank" preserve="1">
+<p:sldLayout xmlns:a="http://schemas.openxmlformats.org/drawingml/2006/main" xmlns:r="http://schemas.openxmlformats.org/officeDocument/2006/relationships" xmlns:p="http://schemas.openxmlformats.org/presentationml/2006/main" type="blank" preserve="1">
   <p:cSld name="Blank Slide">
     <p:spTree>
       <p:nvGrpSpPr>
@@ -48,11 +144,14 @@
       </p:grpSpPr>
     </p:spTree>
   </p:cSld>
+  <p:clrMapOvr>
+    <a:masterClrMapping/>
+  </p:clrMapOvr>
 </p:sldLayout>
 </file>
 
 <file path=ppt/slideLayouts/slideLayout10.xml><?xml version="1.0" encoding="utf-8"?>
-<p:sldLayout xmlns:a="http://schemas.openxmlformats.org/drawingml/2006/main" xmlns:p="http://schemas.openxmlformats.org/presentationml/2006/main" xmlns:r="http://schemas.openxmlformats.org/officeDocument/2006/relationships" xmlns:p14="http://schemas.microsoft.com/office/powerpoint/2010/main" xmlns:p15="http://schemas.microsoft.com/office/powerpoint/2012/main" xmlns:mc="http://schemas.openxmlformats.org/markup-compatibility/2006" type="objOverTx" preserve="1">
+<p:sldLayout xmlns:a="http://schemas.openxmlformats.org/drawingml/2006/main" xmlns:r="http://schemas.openxmlformats.org/officeDocument/2006/relationships" xmlns:p="http://schemas.openxmlformats.org/presentationml/2006/main" type="objOverTx" preserve="1">
   <p:cSld name="Title, Content over Content">
     <p:spTree>
       <p:nvGrpSpPr>
@@ -88,11 +187,12 @@
           </a:prstGeom>
         </p:spPr>
         <p:txBody>
-          <a:bodyPr lIns="0" rIns="0" tIns="0" bIns="0" anchor="ctr">
+          <a:bodyPr lIns="0" tIns="0" rIns="0" bIns="0" anchor="ctr">
             <a:noAutofit/>
           </a:bodyPr>
-          <a:p>
-            <a:endParaRPr b="0" lang="en-US" sz="1400" spc="-1" strike="noStrike">
+          <a:lstStyle/>
+          <a:p>
+            <a:endParaRPr lang="en-US" sz="1400" b="0" strike="noStrike" spc="-1">
               <a:solidFill>
                 <a:srgbClr val="000000"/>
               </a:solidFill>
@@ -121,11 +221,12 @@
           </a:prstGeom>
         </p:spPr>
         <p:txBody>
-          <a:bodyPr lIns="0" rIns="0" tIns="0" bIns="0">
+          <a:bodyPr lIns="0" tIns="0" rIns="0" bIns="0">
             <a:normAutofit/>
           </a:bodyPr>
-          <a:p>
-            <a:endParaRPr b="0" lang="en-US" sz="1400" spc="-1" strike="noStrike">
+          <a:lstStyle/>
+          <a:p>
+            <a:endParaRPr lang="en-US" sz="1400" b="0" strike="noStrike" spc="-1">
               <a:solidFill>
                 <a:srgbClr val="000000"/>
               </a:solidFill>
@@ -154,11 +255,12 @@
           </a:prstGeom>
         </p:spPr>
         <p:txBody>
-          <a:bodyPr lIns="0" rIns="0" tIns="0" bIns="0">
+          <a:bodyPr lIns="0" tIns="0" rIns="0" bIns="0">
             <a:normAutofit/>
           </a:bodyPr>
-          <a:p>
-            <a:endParaRPr b="0" lang="en-US" sz="1400" spc="-1" strike="noStrike">
+          <a:lstStyle/>
+          <a:p>
+            <a:endParaRPr lang="en-US" sz="1400" b="0" strike="noStrike" spc="-1">
               <a:solidFill>
                 <a:srgbClr val="000000"/>
               </a:solidFill>
@@ -169,11 +271,14 @@
       </p:sp>
     </p:spTree>
   </p:cSld>
+  <p:clrMapOvr>
+    <a:masterClrMapping/>
+  </p:clrMapOvr>
 </p:sldLayout>
 </file>
 
 <file path=ppt/slideLayouts/slideLayout11.xml><?xml version="1.0" encoding="utf-8"?>
-<p:sldLayout xmlns:a="http://schemas.openxmlformats.org/drawingml/2006/main" xmlns:p="http://schemas.openxmlformats.org/presentationml/2006/main" xmlns:r="http://schemas.openxmlformats.org/officeDocument/2006/relationships" xmlns:p14="http://schemas.microsoft.com/office/powerpoint/2010/main" xmlns:p15="http://schemas.microsoft.com/office/powerpoint/2012/main" xmlns:mc="http://schemas.openxmlformats.org/markup-compatibility/2006" type="fourObj" preserve="1">
+<p:sldLayout xmlns:a="http://schemas.openxmlformats.org/drawingml/2006/main" xmlns:r="http://schemas.openxmlformats.org/officeDocument/2006/relationships" xmlns:p="http://schemas.openxmlformats.org/presentationml/2006/main" type="fourObj" preserve="1">
   <p:cSld name="Title, 4 Content">
     <p:spTree>
       <p:nvGrpSpPr>
@@ -209,11 +314,12 @@
           </a:prstGeom>
         </p:spPr>
         <p:txBody>
-          <a:bodyPr lIns="0" rIns="0" tIns="0" bIns="0" anchor="ctr">
+          <a:bodyPr lIns="0" tIns="0" rIns="0" bIns="0" anchor="ctr">
             <a:noAutofit/>
           </a:bodyPr>
-          <a:p>
-            <a:endParaRPr b="0" lang="en-US" sz="1400" spc="-1" strike="noStrike">
+          <a:lstStyle/>
+          <a:p>
+            <a:endParaRPr lang="en-US" sz="1400" b="0" strike="noStrike" spc="-1">
               <a:solidFill>
                 <a:srgbClr val="000000"/>
               </a:solidFill>
@@ -242,11 +348,12 @@
           </a:prstGeom>
         </p:spPr>
         <p:txBody>
-          <a:bodyPr lIns="0" rIns="0" tIns="0" bIns="0">
+          <a:bodyPr lIns="0" tIns="0" rIns="0" bIns="0">
             <a:normAutofit/>
           </a:bodyPr>
-          <a:p>
-            <a:endParaRPr b="0" lang="en-US" sz="1400" spc="-1" strike="noStrike">
+          <a:lstStyle/>
+          <a:p>
+            <a:endParaRPr lang="en-US" sz="1400" b="0" strike="noStrike" spc="-1">
               <a:solidFill>
                 <a:srgbClr val="000000"/>
               </a:solidFill>
@@ -275,11 +382,12 @@
           </a:prstGeom>
         </p:spPr>
         <p:txBody>
-          <a:bodyPr lIns="0" rIns="0" tIns="0" bIns="0">
+          <a:bodyPr lIns="0" tIns="0" rIns="0" bIns="0">
             <a:normAutofit/>
           </a:bodyPr>
-          <a:p>
-            <a:endParaRPr b="0" lang="en-US" sz="1400" spc="-1" strike="noStrike">
+          <a:lstStyle/>
+          <a:p>
+            <a:endParaRPr lang="en-US" sz="1400" b="0" strike="noStrike" spc="-1">
               <a:solidFill>
                 <a:srgbClr val="000000"/>
               </a:solidFill>
@@ -308,11 +416,12 @@
           </a:prstGeom>
         </p:spPr>
         <p:txBody>
-          <a:bodyPr lIns="0" rIns="0" tIns="0" bIns="0">
+          <a:bodyPr lIns="0" tIns="0" rIns="0" bIns="0">
             <a:normAutofit/>
           </a:bodyPr>
-          <a:p>
-            <a:endParaRPr b="0" lang="en-US" sz="1400" spc="-1" strike="noStrike">
+          <a:lstStyle/>
+          <a:p>
+            <a:endParaRPr lang="en-US" sz="1400" b="0" strike="noStrike" spc="-1">
               <a:solidFill>
                 <a:srgbClr val="000000"/>
               </a:solidFill>
@@ -341,11 +450,12 @@
           </a:prstGeom>
         </p:spPr>
         <p:txBody>
-          <a:bodyPr lIns="0" rIns="0" tIns="0" bIns="0">
+          <a:bodyPr lIns="0" tIns="0" rIns="0" bIns="0">
             <a:normAutofit/>
           </a:bodyPr>
-          <a:p>
-            <a:endParaRPr b="0" lang="en-US" sz="1400" spc="-1" strike="noStrike">
+          <a:lstStyle/>
+          <a:p>
+            <a:endParaRPr lang="en-US" sz="1400" b="0" strike="noStrike" spc="-1">
               <a:solidFill>
                 <a:srgbClr val="000000"/>
               </a:solidFill>
@@ -356,11 +466,14 @@
       </p:sp>
     </p:spTree>
   </p:cSld>
+  <p:clrMapOvr>
+    <a:masterClrMapping/>
+  </p:clrMapOvr>
 </p:sldLayout>
 </file>
 
 <file path=ppt/slideLayouts/slideLayout12.xml><?xml version="1.0" encoding="utf-8"?>
-<p:sldLayout xmlns:a="http://schemas.openxmlformats.org/drawingml/2006/main" xmlns:p="http://schemas.openxmlformats.org/presentationml/2006/main" xmlns:r="http://schemas.openxmlformats.org/officeDocument/2006/relationships" xmlns:p14="http://schemas.microsoft.com/office/powerpoint/2010/main" xmlns:p15="http://schemas.microsoft.com/office/powerpoint/2012/main" xmlns:mc="http://schemas.openxmlformats.org/markup-compatibility/2006" type="blank" preserve="1">
+<p:sldLayout xmlns:a="http://schemas.openxmlformats.org/drawingml/2006/main" xmlns:r="http://schemas.openxmlformats.org/officeDocument/2006/relationships" xmlns:p="http://schemas.openxmlformats.org/presentationml/2006/main" type="blank" preserve="1">
   <p:cSld name="Title, 6 Content">
     <p:spTree>
       <p:nvGrpSpPr>
@@ -396,11 +509,12 @@
           </a:prstGeom>
         </p:spPr>
         <p:txBody>
-          <a:bodyPr lIns="0" rIns="0" tIns="0" bIns="0" anchor="ctr">
+          <a:bodyPr lIns="0" tIns="0" rIns="0" bIns="0" anchor="ctr">
             <a:noAutofit/>
           </a:bodyPr>
-          <a:p>
-            <a:endParaRPr b="0" lang="en-US" sz="1400" spc="-1" strike="noStrike">
+          <a:lstStyle/>
+          <a:p>
+            <a:endParaRPr lang="en-US" sz="1400" b="0" strike="noStrike" spc="-1">
               <a:solidFill>
                 <a:srgbClr val="000000"/>
               </a:solidFill>
@@ -429,11 +543,12 @@
           </a:prstGeom>
         </p:spPr>
         <p:txBody>
-          <a:bodyPr lIns="0" rIns="0" tIns="0" bIns="0">
+          <a:bodyPr lIns="0" tIns="0" rIns="0" bIns="0">
             <a:normAutofit/>
           </a:bodyPr>
-          <a:p>
-            <a:endParaRPr b="0" lang="en-US" sz="1400" spc="-1" strike="noStrike">
+          <a:lstStyle/>
+          <a:p>
+            <a:endParaRPr lang="en-US" sz="1400" b="0" strike="noStrike" spc="-1">
               <a:solidFill>
                 <a:srgbClr val="000000"/>
               </a:solidFill>
@@ -462,11 +577,12 @@
           </a:prstGeom>
         </p:spPr>
         <p:txBody>
-          <a:bodyPr lIns="0" rIns="0" tIns="0" bIns="0">
+          <a:bodyPr lIns="0" tIns="0" rIns="0" bIns="0">
             <a:normAutofit/>
           </a:bodyPr>
-          <a:p>
-            <a:endParaRPr b="0" lang="en-US" sz="1400" spc="-1" strike="noStrike">
+          <a:lstStyle/>
+          <a:p>
+            <a:endParaRPr lang="en-US" sz="1400" b="0" strike="noStrike" spc="-1">
               <a:solidFill>
                 <a:srgbClr val="000000"/>
               </a:solidFill>
@@ -495,11 +611,12 @@
           </a:prstGeom>
         </p:spPr>
         <p:txBody>
-          <a:bodyPr lIns="0" rIns="0" tIns="0" bIns="0">
+          <a:bodyPr lIns="0" tIns="0" rIns="0" bIns="0">
             <a:normAutofit/>
           </a:bodyPr>
-          <a:p>
-            <a:endParaRPr b="0" lang="en-US" sz="1400" spc="-1" strike="noStrike">
+          <a:lstStyle/>
+          <a:p>
+            <a:endParaRPr lang="en-US" sz="1400" b="0" strike="noStrike" spc="-1">
               <a:solidFill>
                 <a:srgbClr val="000000"/>
               </a:solidFill>
@@ -528,11 +645,12 @@
           </a:prstGeom>
         </p:spPr>
         <p:txBody>
-          <a:bodyPr lIns="0" rIns="0" tIns="0" bIns="0">
+          <a:bodyPr lIns="0" tIns="0" rIns="0" bIns="0">
             <a:normAutofit/>
           </a:bodyPr>
-          <a:p>
-            <a:endParaRPr b="0" lang="en-US" sz="1400" spc="-1" strike="noStrike">
+          <a:lstStyle/>
+          <a:p>
+            <a:endParaRPr lang="en-US" sz="1400" b="0" strike="noStrike" spc="-1">
               <a:solidFill>
                 <a:srgbClr val="000000"/>
               </a:solidFill>
@@ -561,11 +679,12 @@
           </a:prstGeom>
         </p:spPr>
         <p:txBody>
-          <a:bodyPr lIns="0" rIns="0" tIns="0" bIns="0">
+          <a:bodyPr lIns="0" tIns="0" rIns="0" bIns="0">
             <a:normAutofit/>
           </a:bodyPr>
-          <a:p>
-            <a:endParaRPr b="0" lang="en-US" sz="1400" spc="-1" strike="noStrike">
+          <a:lstStyle/>
+          <a:p>
+            <a:endParaRPr lang="en-US" sz="1400" b="0" strike="noStrike" spc="-1">
               <a:solidFill>
                 <a:srgbClr val="000000"/>
               </a:solidFill>
@@ -594,11 +713,12 @@
           </a:prstGeom>
         </p:spPr>
         <p:txBody>
-          <a:bodyPr lIns="0" rIns="0" tIns="0" bIns="0">
+          <a:bodyPr lIns="0" tIns="0" rIns="0" bIns="0">
             <a:normAutofit/>
           </a:bodyPr>
-          <a:p>
-            <a:endParaRPr b="0" lang="en-US" sz="1400" spc="-1" strike="noStrike">
+          <a:lstStyle/>
+          <a:p>
+            <a:endParaRPr lang="en-US" sz="1400" b="0" strike="noStrike" spc="-1">
               <a:solidFill>
                 <a:srgbClr val="000000"/>
               </a:solidFill>
@@ -609,11 +729,14 @@
       </p:sp>
     </p:spTree>
   </p:cSld>
+  <p:clrMapOvr>
+    <a:masterClrMapping/>
+  </p:clrMapOvr>
 </p:sldLayout>
 </file>
 
 <file path=ppt/slideLayouts/slideLayout13.xml><?xml version="1.0" encoding="utf-8"?>
-<p:sldLayout xmlns:a="http://schemas.openxmlformats.org/drawingml/2006/main" xmlns:p="http://schemas.openxmlformats.org/presentationml/2006/main" xmlns:r="http://schemas.openxmlformats.org/officeDocument/2006/relationships" xmlns:p14="http://schemas.microsoft.com/office/powerpoint/2010/main" xmlns:p15="http://schemas.microsoft.com/office/powerpoint/2012/main" xmlns:mc="http://schemas.openxmlformats.org/markup-compatibility/2006" type="blank" preserve="1">
+<p:sldLayout xmlns:a="http://schemas.openxmlformats.org/drawingml/2006/main" xmlns:r="http://schemas.openxmlformats.org/officeDocument/2006/relationships" xmlns:p="http://schemas.openxmlformats.org/presentationml/2006/main" type="blank" preserve="1">
   <p:cSld name="Blank Slide">
     <p:spTree>
       <p:nvGrpSpPr>
@@ -631,11 +754,14 @@
       </p:grpSpPr>
     </p:spTree>
   </p:cSld>
+  <p:clrMapOvr>
+    <a:masterClrMapping/>
+  </p:clrMapOvr>
 </p:sldLayout>
 </file>
 
 <file path=ppt/slideLayouts/slideLayout14.xml><?xml version="1.0" encoding="utf-8"?>
-<p:sldLayout xmlns:a="http://schemas.openxmlformats.org/drawingml/2006/main" xmlns:p="http://schemas.openxmlformats.org/presentationml/2006/main" xmlns:r="http://schemas.openxmlformats.org/officeDocument/2006/relationships" xmlns:p14="http://schemas.microsoft.com/office/powerpoint/2010/main" xmlns:p15="http://schemas.microsoft.com/office/powerpoint/2012/main" xmlns:mc="http://schemas.openxmlformats.org/markup-compatibility/2006" type="tx" preserve="1">
+<p:sldLayout xmlns:a="http://schemas.openxmlformats.org/drawingml/2006/main" xmlns:r="http://schemas.openxmlformats.org/officeDocument/2006/relationships" xmlns:p="http://schemas.openxmlformats.org/presentationml/2006/main" type="tx" preserve="1">
   <p:cSld name="Title Slide">
     <p:spTree>
       <p:nvGrpSpPr>
@@ -671,11 +797,12 @@
           </a:prstGeom>
         </p:spPr>
         <p:txBody>
-          <a:bodyPr lIns="0" rIns="0" tIns="0" bIns="0" anchor="ctr">
+          <a:bodyPr lIns="0" tIns="0" rIns="0" bIns="0" anchor="ctr">
             <a:noAutofit/>
           </a:bodyPr>
-          <a:p>
-            <a:endParaRPr b="0" lang="en-US" sz="1400" spc="-1" strike="noStrike">
+          <a:lstStyle/>
+          <a:p>
+            <a:endParaRPr lang="en-US" sz="1400" b="0" strike="noStrike" spc="-1">
               <a:solidFill>
                 <a:srgbClr val="000000"/>
               </a:solidFill>
@@ -704,12 +831,13 @@
           </a:prstGeom>
         </p:spPr>
         <p:txBody>
-          <a:bodyPr lIns="0" rIns="0" tIns="0" bIns="0" anchor="ctr">
+          <a:bodyPr lIns="0" tIns="0" rIns="0" bIns="0" anchor="ctr">
             <a:noAutofit/>
           </a:bodyPr>
+          <a:lstStyle/>
           <a:p>
             <a:pPr algn="ctr"/>
-            <a:endParaRPr b="0" lang="en-US" sz="3200" spc="-1" strike="noStrike">
+            <a:endParaRPr lang="en-US" sz="3200" b="0" strike="noStrike" spc="-1">
               <a:latin typeface="Arial"/>
             </a:endParaRPr>
           </a:p>
@@ -717,11 +845,14 @@
       </p:sp>
     </p:spTree>
   </p:cSld>
+  <p:clrMapOvr>
+    <a:masterClrMapping/>
+  </p:clrMapOvr>
 </p:sldLayout>
 </file>
 
 <file path=ppt/slideLayouts/slideLayout15.xml><?xml version="1.0" encoding="utf-8"?>
-<p:sldLayout xmlns:a="http://schemas.openxmlformats.org/drawingml/2006/main" xmlns:p="http://schemas.openxmlformats.org/presentationml/2006/main" xmlns:r="http://schemas.openxmlformats.org/officeDocument/2006/relationships" xmlns:p14="http://schemas.microsoft.com/office/powerpoint/2010/main" xmlns:p15="http://schemas.microsoft.com/office/powerpoint/2012/main" xmlns:mc="http://schemas.openxmlformats.org/markup-compatibility/2006" type="obj" preserve="1">
+<p:sldLayout xmlns:a="http://schemas.openxmlformats.org/drawingml/2006/main" xmlns:r="http://schemas.openxmlformats.org/officeDocument/2006/relationships" xmlns:p="http://schemas.openxmlformats.org/presentationml/2006/main" type="obj" preserve="1">
   <p:cSld name="Title, Content">
     <p:spTree>
       <p:nvGrpSpPr>
@@ -757,11 +888,12 @@
           </a:prstGeom>
         </p:spPr>
         <p:txBody>
-          <a:bodyPr lIns="0" rIns="0" tIns="0" bIns="0" anchor="ctr">
+          <a:bodyPr lIns="0" tIns="0" rIns="0" bIns="0" anchor="ctr">
             <a:noAutofit/>
           </a:bodyPr>
-          <a:p>
-            <a:endParaRPr b="0" lang="en-US" sz="1400" spc="-1" strike="noStrike">
+          <a:lstStyle/>
+          <a:p>
+            <a:endParaRPr lang="en-US" sz="1400" b="0" strike="noStrike" spc="-1">
               <a:solidFill>
                 <a:srgbClr val="000000"/>
               </a:solidFill>
@@ -790,11 +922,12 @@
           </a:prstGeom>
         </p:spPr>
         <p:txBody>
-          <a:bodyPr lIns="0" rIns="0" tIns="0" bIns="0">
+          <a:bodyPr lIns="0" tIns="0" rIns="0" bIns="0">
             <a:normAutofit/>
           </a:bodyPr>
-          <a:p>
-            <a:endParaRPr b="0" lang="en-US" sz="1400" spc="-1" strike="noStrike">
+          <a:lstStyle/>
+          <a:p>
+            <a:endParaRPr lang="en-US" sz="1400" b="0" strike="noStrike" spc="-1">
               <a:solidFill>
                 <a:srgbClr val="000000"/>
               </a:solidFill>
@@ -805,11 +938,14 @@
       </p:sp>
     </p:spTree>
   </p:cSld>
+  <p:clrMapOvr>
+    <a:masterClrMapping/>
+  </p:clrMapOvr>
 </p:sldLayout>
 </file>
 
 <file path=ppt/slideLayouts/slideLayout16.xml><?xml version="1.0" encoding="utf-8"?>
-<p:sldLayout xmlns:a="http://schemas.openxmlformats.org/drawingml/2006/main" xmlns:p="http://schemas.openxmlformats.org/presentationml/2006/main" xmlns:r="http://schemas.openxmlformats.org/officeDocument/2006/relationships" xmlns:p14="http://schemas.microsoft.com/office/powerpoint/2010/main" xmlns:p15="http://schemas.microsoft.com/office/powerpoint/2012/main" xmlns:mc="http://schemas.openxmlformats.org/markup-compatibility/2006" type="twoObj" preserve="1">
+<p:sldLayout xmlns:a="http://schemas.openxmlformats.org/drawingml/2006/main" xmlns:r="http://schemas.openxmlformats.org/officeDocument/2006/relationships" xmlns:p="http://schemas.openxmlformats.org/presentationml/2006/main" type="twoObj" preserve="1">
   <p:cSld name="Title, 2 Content">
     <p:spTree>
       <p:nvGrpSpPr>
@@ -845,11 +981,12 @@
           </a:prstGeom>
         </p:spPr>
         <p:txBody>
-          <a:bodyPr lIns="0" rIns="0" tIns="0" bIns="0" anchor="ctr">
+          <a:bodyPr lIns="0" tIns="0" rIns="0" bIns="0" anchor="ctr">
             <a:noAutofit/>
           </a:bodyPr>
-          <a:p>
-            <a:endParaRPr b="0" lang="en-US" sz="1400" spc="-1" strike="noStrike">
+          <a:lstStyle/>
+          <a:p>
+            <a:endParaRPr lang="en-US" sz="1400" b="0" strike="noStrike" spc="-1">
               <a:solidFill>
                 <a:srgbClr val="000000"/>
               </a:solidFill>
@@ -878,11 +1015,12 @@
           </a:prstGeom>
         </p:spPr>
         <p:txBody>
-          <a:bodyPr lIns="0" rIns="0" tIns="0" bIns="0">
+          <a:bodyPr lIns="0" tIns="0" rIns="0" bIns="0">
             <a:normAutofit/>
           </a:bodyPr>
-          <a:p>
-            <a:endParaRPr b="0" lang="en-US" sz="1400" spc="-1" strike="noStrike">
+          <a:lstStyle/>
+          <a:p>
+            <a:endParaRPr lang="en-US" sz="1400" b="0" strike="noStrike" spc="-1">
               <a:solidFill>
                 <a:srgbClr val="000000"/>
               </a:solidFill>
@@ -911,11 +1049,12 @@
           </a:prstGeom>
         </p:spPr>
         <p:txBody>
-          <a:bodyPr lIns="0" rIns="0" tIns="0" bIns="0">
+          <a:bodyPr lIns="0" tIns="0" rIns="0" bIns="0">
             <a:normAutofit/>
           </a:bodyPr>
-          <a:p>
-            <a:endParaRPr b="0" lang="en-US" sz="1400" spc="-1" strike="noStrike">
+          <a:lstStyle/>
+          <a:p>
+            <a:endParaRPr lang="en-US" sz="1400" b="0" strike="noStrike" spc="-1">
               <a:solidFill>
                 <a:srgbClr val="000000"/>
               </a:solidFill>
@@ -926,11 +1065,14 @@
       </p:sp>
     </p:spTree>
   </p:cSld>
+  <p:clrMapOvr>
+    <a:masterClrMapping/>
+  </p:clrMapOvr>
 </p:sldLayout>
 </file>
 
 <file path=ppt/slideLayouts/slideLayout17.xml><?xml version="1.0" encoding="utf-8"?>
-<p:sldLayout xmlns:a="http://schemas.openxmlformats.org/drawingml/2006/main" xmlns:p="http://schemas.openxmlformats.org/presentationml/2006/main" xmlns:r="http://schemas.openxmlformats.org/officeDocument/2006/relationships" xmlns:p14="http://schemas.microsoft.com/office/powerpoint/2010/main" xmlns:p15="http://schemas.microsoft.com/office/powerpoint/2012/main" xmlns:mc="http://schemas.openxmlformats.org/markup-compatibility/2006" type="titleOnly" preserve="1">
+<p:sldLayout xmlns:a="http://schemas.openxmlformats.org/drawingml/2006/main" xmlns:r="http://schemas.openxmlformats.org/officeDocument/2006/relationships" xmlns:p="http://schemas.openxmlformats.org/presentationml/2006/main" type="titleOnly" preserve="1">
   <p:cSld name="Title Only">
     <p:spTree>
       <p:nvGrpSpPr>
@@ -966,11 +1108,12 @@
           </a:prstGeom>
         </p:spPr>
         <p:txBody>
-          <a:bodyPr lIns="0" rIns="0" tIns="0" bIns="0" anchor="ctr">
+          <a:bodyPr lIns="0" tIns="0" rIns="0" bIns="0" anchor="ctr">
             <a:noAutofit/>
           </a:bodyPr>
-          <a:p>
-            <a:endParaRPr b="0" lang="en-US" sz="1400" spc="-1" strike="noStrike">
+          <a:lstStyle/>
+          <a:p>
+            <a:endParaRPr lang="en-US" sz="1400" b="0" strike="noStrike" spc="-1">
               <a:solidFill>
                 <a:srgbClr val="000000"/>
               </a:solidFill>
@@ -981,11 +1124,14 @@
       </p:sp>
     </p:spTree>
   </p:cSld>
+  <p:clrMapOvr>
+    <a:masterClrMapping/>
+  </p:clrMapOvr>
 </p:sldLayout>
 </file>
 
 <file path=ppt/slideLayouts/slideLayout18.xml><?xml version="1.0" encoding="utf-8"?>
-<p:sldLayout xmlns:a="http://schemas.openxmlformats.org/drawingml/2006/main" xmlns:p="http://schemas.openxmlformats.org/presentationml/2006/main" xmlns:r="http://schemas.openxmlformats.org/officeDocument/2006/relationships" xmlns:p14="http://schemas.microsoft.com/office/powerpoint/2010/main" xmlns:p15="http://schemas.microsoft.com/office/powerpoint/2012/main" xmlns:mc="http://schemas.openxmlformats.org/markup-compatibility/2006" type="objOnly" preserve="1">
+<p:sldLayout xmlns:a="http://schemas.openxmlformats.org/drawingml/2006/main" xmlns:r="http://schemas.openxmlformats.org/officeDocument/2006/relationships" xmlns:p="http://schemas.openxmlformats.org/presentationml/2006/main" type="objOnly" preserve="1">
   <p:cSld name="Centered Text">
     <p:spTree>
       <p:nvGrpSpPr>
@@ -1021,12 +1167,13 @@
           </a:prstGeom>
         </p:spPr>
         <p:txBody>
-          <a:bodyPr lIns="0" rIns="0" tIns="0" bIns="0" anchor="ctr">
+          <a:bodyPr lIns="0" tIns="0" rIns="0" bIns="0" anchor="ctr">
             <a:noAutofit/>
           </a:bodyPr>
+          <a:lstStyle/>
           <a:p>
             <a:pPr algn="ctr"/>
-            <a:endParaRPr b="0" lang="en-US" sz="3200" spc="-1" strike="noStrike">
+            <a:endParaRPr lang="en-US" sz="3200" b="0" strike="noStrike" spc="-1">
               <a:latin typeface="Arial"/>
             </a:endParaRPr>
           </a:p>
@@ -1034,11 +1181,14 @@
       </p:sp>
     </p:spTree>
   </p:cSld>
+  <p:clrMapOvr>
+    <a:masterClrMapping/>
+  </p:clrMapOvr>
 </p:sldLayout>
 </file>
 
 <file path=ppt/slideLayouts/slideLayout19.xml><?xml version="1.0" encoding="utf-8"?>
-<p:sldLayout xmlns:a="http://schemas.openxmlformats.org/drawingml/2006/main" xmlns:p="http://schemas.openxmlformats.org/presentationml/2006/main" xmlns:r="http://schemas.openxmlformats.org/officeDocument/2006/relationships" xmlns:p14="http://schemas.microsoft.com/office/powerpoint/2010/main" xmlns:p15="http://schemas.microsoft.com/office/powerpoint/2012/main" xmlns:mc="http://schemas.openxmlformats.org/markup-compatibility/2006" type="twoObjAndObj" preserve="1">
+<p:sldLayout xmlns:a="http://schemas.openxmlformats.org/drawingml/2006/main" xmlns:r="http://schemas.openxmlformats.org/officeDocument/2006/relationships" xmlns:p="http://schemas.openxmlformats.org/presentationml/2006/main" type="twoObjAndObj" preserve="1">
   <p:cSld name="Title, 2 Content and Content">
     <p:spTree>
       <p:nvGrpSpPr>
@@ -1074,11 +1224,12 @@
           </a:prstGeom>
         </p:spPr>
         <p:txBody>
-          <a:bodyPr lIns="0" rIns="0" tIns="0" bIns="0" anchor="ctr">
+          <a:bodyPr lIns="0" tIns="0" rIns="0" bIns="0" anchor="ctr">
             <a:noAutofit/>
           </a:bodyPr>
-          <a:p>
-            <a:endParaRPr b="0" lang="en-US" sz="1400" spc="-1" strike="noStrike">
+          <a:lstStyle/>
+          <a:p>
+            <a:endParaRPr lang="en-US" sz="1400" b="0" strike="noStrike" spc="-1">
               <a:solidFill>
                 <a:srgbClr val="000000"/>
               </a:solidFill>
@@ -1107,11 +1258,12 @@
           </a:prstGeom>
         </p:spPr>
         <p:txBody>
-          <a:bodyPr lIns="0" rIns="0" tIns="0" bIns="0">
+          <a:bodyPr lIns="0" tIns="0" rIns="0" bIns="0">
             <a:normAutofit/>
           </a:bodyPr>
-          <a:p>
-            <a:endParaRPr b="0" lang="en-US" sz="1400" spc="-1" strike="noStrike">
+          <a:lstStyle/>
+          <a:p>
+            <a:endParaRPr lang="en-US" sz="1400" b="0" strike="noStrike" spc="-1">
               <a:solidFill>
                 <a:srgbClr val="000000"/>
               </a:solidFill>
@@ -1140,11 +1292,12 @@
           </a:prstGeom>
         </p:spPr>
         <p:txBody>
-          <a:bodyPr lIns="0" rIns="0" tIns="0" bIns="0">
+          <a:bodyPr lIns="0" tIns="0" rIns="0" bIns="0">
             <a:normAutofit/>
           </a:bodyPr>
-          <a:p>
-            <a:endParaRPr b="0" lang="en-US" sz="1400" spc="-1" strike="noStrike">
+          <a:lstStyle/>
+          <a:p>
+            <a:endParaRPr lang="en-US" sz="1400" b="0" strike="noStrike" spc="-1">
               <a:solidFill>
                 <a:srgbClr val="000000"/>
               </a:solidFill>
@@ -1173,11 +1326,12 @@
           </a:prstGeom>
         </p:spPr>
         <p:txBody>
-          <a:bodyPr lIns="0" rIns="0" tIns="0" bIns="0">
+          <a:bodyPr lIns="0" tIns="0" rIns="0" bIns="0">
             <a:normAutofit/>
           </a:bodyPr>
-          <a:p>
-            <a:endParaRPr b="0" lang="en-US" sz="1400" spc="-1" strike="noStrike">
+          <a:lstStyle/>
+          <a:p>
+            <a:endParaRPr lang="en-US" sz="1400" b="0" strike="noStrike" spc="-1">
               <a:solidFill>
                 <a:srgbClr val="000000"/>
               </a:solidFill>
@@ -1188,11 +1342,14 @@
       </p:sp>
     </p:spTree>
   </p:cSld>
+  <p:clrMapOvr>
+    <a:masterClrMapping/>
+  </p:clrMapOvr>
 </p:sldLayout>
 </file>
 
 <file path=ppt/slideLayouts/slideLayout2.xml><?xml version="1.0" encoding="utf-8"?>
-<p:sldLayout xmlns:a="http://schemas.openxmlformats.org/drawingml/2006/main" xmlns:p="http://schemas.openxmlformats.org/presentationml/2006/main" xmlns:r="http://schemas.openxmlformats.org/officeDocument/2006/relationships" xmlns:p14="http://schemas.microsoft.com/office/powerpoint/2010/main" xmlns:p15="http://schemas.microsoft.com/office/powerpoint/2012/main" xmlns:mc="http://schemas.openxmlformats.org/markup-compatibility/2006" type="tx" preserve="1">
+<p:sldLayout xmlns:a="http://schemas.openxmlformats.org/drawingml/2006/main" xmlns:r="http://schemas.openxmlformats.org/officeDocument/2006/relationships" xmlns:p="http://schemas.openxmlformats.org/presentationml/2006/main" type="tx" preserve="1">
   <p:cSld name="Title Slide">
     <p:spTree>
       <p:nvGrpSpPr>
@@ -1228,11 +1385,12 @@
           </a:prstGeom>
         </p:spPr>
         <p:txBody>
-          <a:bodyPr lIns="0" rIns="0" tIns="0" bIns="0" anchor="ctr">
+          <a:bodyPr lIns="0" tIns="0" rIns="0" bIns="0" anchor="ctr">
             <a:noAutofit/>
           </a:bodyPr>
-          <a:p>
-            <a:endParaRPr b="0" lang="en-US" sz="1400" spc="-1" strike="noStrike">
+          <a:lstStyle/>
+          <a:p>
+            <a:endParaRPr lang="en-US" sz="1400" b="0" strike="noStrike" spc="-1">
               <a:solidFill>
                 <a:srgbClr val="000000"/>
               </a:solidFill>
@@ -1261,12 +1419,13 @@
           </a:prstGeom>
         </p:spPr>
         <p:txBody>
-          <a:bodyPr lIns="0" rIns="0" tIns="0" bIns="0" anchor="ctr">
+          <a:bodyPr lIns="0" tIns="0" rIns="0" bIns="0" anchor="ctr">
             <a:noAutofit/>
           </a:bodyPr>
+          <a:lstStyle/>
           <a:p>
             <a:pPr algn="ctr"/>
-            <a:endParaRPr b="0" lang="en-US" sz="3200" spc="-1" strike="noStrike">
+            <a:endParaRPr lang="en-US" sz="3200" b="0" strike="noStrike" spc="-1">
               <a:latin typeface="Arial"/>
             </a:endParaRPr>
           </a:p>
@@ -1274,11 +1433,14 @@
       </p:sp>
     </p:spTree>
   </p:cSld>
+  <p:clrMapOvr>
+    <a:masterClrMapping/>
+  </p:clrMapOvr>
 </p:sldLayout>
 </file>
 
 <file path=ppt/slideLayouts/slideLayout20.xml><?xml version="1.0" encoding="utf-8"?>
-<p:sldLayout xmlns:a="http://schemas.openxmlformats.org/drawingml/2006/main" xmlns:p="http://schemas.openxmlformats.org/presentationml/2006/main" xmlns:r="http://schemas.openxmlformats.org/officeDocument/2006/relationships" xmlns:p14="http://schemas.microsoft.com/office/powerpoint/2010/main" xmlns:p15="http://schemas.microsoft.com/office/powerpoint/2012/main" xmlns:mc="http://schemas.openxmlformats.org/markup-compatibility/2006" type="objAndTwoObj" preserve="1">
+<p:sldLayout xmlns:a="http://schemas.openxmlformats.org/drawingml/2006/main" xmlns:r="http://schemas.openxmlformats.org/officeDocument/2006/relationships" xmlns:p="http://schemas.openxmlformats.org/presentationml/2006/main" type="objAndTwoObj" preserve="1">
   <p:cSld name="Title Content and 2 Content">
     <p:spTree>
       <p:nvGrpSpPr>
@@ -1314,11 +1476,12 @@
           </a:prstGeom>
         </p:spPr>
         <p:txBody>
-          <a:bodyPr lIns="0" rIns="0" tIns="0" bIns="0" anchor="ctr">
+          <a:bodyPr lIns="0" tIns="0" rIns="0" bIns="0" anchor="ctr">
             <a:noAutofit/>
           </a:bodyPr>
-          <a:p>
-            <a:endParaRPr b="0" lang="en-US" sz="1400" spc="-1" strike="noStrike">
+          <a:lstStyle/>
+          <a:p>
+            <a:endParaRPr lang="en-US" sz="1400" b="0" strike="noStrike" spc="-1">
               <a:solidFill>
                 <a:srgbClr val="000000"/>
               </a:solidFill>
@@ -1347,11 +1510,12 @@
           </a:prstGeom>
         </p:spPr>
         <p:txBody>
-          <a:bodyPr lIns="0" rIns="0" tIns="0" bIns="0">
+          <a:bodyPr lIns="0" tIns="0" rIns="0" bIns="0">
             <a:normAutofit/>
           </a:bodyPr>
-          <a:p>
-            <a:endParaRPr b="0" lang="en-US" sz="1400" spc="-1" strike="noStrike">
+          <a:lstStyle/>
+          <a:p>
+            <a:endParaRPr lang="en-US" sz="1400" b="0" strike="noStrike" spc="-1">
               <a:solidFill>
                 <a:srgbClr val="000000"/>
               </a:solidFill>
@@ -1380,11 +1544,12 @@
           </a:prstGeom>
         </p:spPr>
         <p:txBody>
-          <a:bodyPr lIns="0" rIns="0" tIns="0" bIns="0">
+          <a:bodyPr lIns="0" tIns="0" rIns="0" bIns="0">
             <a:normAutofit/>
           </a:bodyPr>
-          <a:p>
-            <a:endParaRPr b="0" lang="en-US" sz="1400" spc="-1" strike="noStrike">
+          <a:lstStyle/>
+          <a:p>
+            <a:endParaRPr lang="en-US" sz="1400" b="0" strike="noStrike" spc="-1">
               <a:solidFill>
                 <a:srgbClr val="000000"/>
               </a:solidFill>
@@ -1413,11 +1578,12 @@
           </a:prstGeom>
         </p:spPr>
         <p:txBody>
-          <a:bodyPr lIns="0" rIns="0" tIns="0" bIns="0">
+          <a:bodyPr lIns="0" tIns="0" rIns="0" bIns="0">
             <a:normAutofit/>
           </a:bodyPr>
-          <a:p>
-            <a:endParaRPr b="0" lang="en-US" sz="1400" spc="-1" strike="noStrike">
+          <a:lstStyle/>
+          <a:p>
+            <a:endParaRPr lang="en-US" sz="1400" b="0" strike="noStrike" spc="-1">
               <a:solidFill>
                 <a:srgbClr val="000000"/>
               </a:solidFill>
@@ -1428,11 +1594,14 @@
       </p:sp>
     </p:spTree>
   </p:cSld>
+  <p:clrMapOvr>
+    <a:masterClrMapping/>
+  </p:clrMapOvr>
 </p:sldLayout>
 </file>
 
 <file path=ppt/slideLayouts/slideLayout21.xml><?xml version="1.0" encoding="utf-8"?>
-<p:sldLayout xmlns:a="http://schemas.openxmlformats.org/drawingml/2006/main" xmlns:p="http://schemas.openxmlformats.org/presentationml/2006/main" xmlns:r="http://schemas.openxmlformats.org/officeDocument/2006/relationships" xmlns:p14="http://schemas.microsoft.com/office/powerpoint/2010/main" xmlns:p15="http://schemas.microsoft.com/office/powerpoint/2012/main" xmlns:mc="http://schemas.openxmlformats.org/markup-compatibility/2006" type="twoObjOverTx" preserve="1">
+<p:sldLayout xmlns:a="http://schemas.openxmlformats.org/drawingml/2006/main" xmlns:r="http://schemas.openxmlformats.org/officeDocument/2006/relationships" xmlns:p="http://schemas.openxmlformats.org/presentationml/2006/main" type="twoObjOverTx" preserve="1">
   <p:cSld name="Title, 2 Content over Content">
     <p:spTree>
       <p:nvGrpSpPr>
@@ -1468,11 +1637,12 @@
           </a:prstGeom>
         </p:spPr>
         <p:txBody>
-          <a:bodyPr lIns="0" rIns="0" tIns="0" bIns="0" anchor="ctr">
+          <a:bodyPr lIns="0" tIns="0" rIns="0" bIns="0" anchor="ctr">
             <a:noAutofit/>
           </a:bodyPr>
-          <a:p>
-            <a:endParaRPr b="0" lang="en-US" sz="1400" spc="-1" strike="noStrike">
+          <a:lstStyle/>
+          <a:p>
+            <a:endParaRPr lang="en-US" sz="1400" b="0" strike="noStrike" spc="-1">
               <a:solidFill>
                 <a:srgbClr val="000000"/>
               </a:solidFill>
@@ -1501,11 +1671,12 @@
           </a:prstGeom>
         </p:spPr>
         <p:txBody>
-          <a:bodyPr lIns="0" rIns="0" tIns="0" bIns="0">
+          <a:bodyPr lIns="0" tIns="0" rIns="0" bIns="0">
             <a:normAutofit/>
           </a:bodyPr>
-          <a:p>
-            <a:endParaRPr b="0" lang="en-US" sz="1400" spc="-1" strike="noStrike">
+          <a:lstStyle/>
+          <a:p>
+            <a:endParaRPr lang="en-US" sz="1400" b="0" strike="noStrike" spc="-1">
               <a:solidFill>
                 <a:srgbClr val="000000"/>
               </a:solidFill>
@@ -1534,11 +1705,12 @@
           </a:prstGeom>
         </p:spPr>
         <p:txBody>
-          <a:bodyPr lIns="0" rIns="0" tIns="0" bIns="0">
+          <a:bodyPr lIns="0" tIns="0" rIns="0" bIns="0">
             <a:normAutofit/>
           </a:bodyPr>
-          <a:p>
-            <a:endParaRPr b="0" lang="en-US" sz="1400" spc="-1" strike="noStrike">
+          <a:lstStyle/>
+          <a:p>
+            <a:endParaRPr lang="en-US" sz="1400" b="0" strike="noStrike" spc="-1">
               <a:solidFill>
                 <a:srgbClr val="000000"/>
               </a:solidFill>
@@ -1567,11 +1739,12 @@
           </a:prstGeom>
         </p:spPr>
         <p:txBody>
-          <a:bodyPr lIns="0" rIns="0" tIns="0" bIns="0">
+          <a:bodyPr lIns="0" tIns="0" rIns="0" bIns="0">
             <a:normAutofit/>
           </a:bodyPr>
-          <a:p>
-            <a:endParaRPr b="0" lang="en-US" sz="1400" spc="-1" strike="noStrike">
+          <a:lstStyle/>
+          <a:p>
+            <a:endParaRPr lang="en-US" sz="1400" b="0" strike="noStrike" spc="-1">
               <a:solidFill>
                 <a:srgbClr val="000000"/>
               </a:solidFill>
@@ -1582,11 +1755,14 @@
       </p:sp>
     </p:spTree>
   </p:cSld>
+  <p:clrMapOvr>
+    <a:masterClrMapping/>
+  </p:clrMapOvr>
 </p:sldLayout>
 </file>
 
 <file path=ppt/slideLayouts/slideLayout22.xml><?xml version="1.0" encoding="utf-8"?>
-<p:sldLayout xmlns:a="http://schemas.openxmlformats.org/drawingml/2006/main" xmlns:p="http://schemas.openxmlformats.org/presentationml/2006/main" xmlns:r="http://schemas.openxmlformats.org/officeDocument/2006/relationships" xmlns:p14="http://schemas.microsoft.com/office/powerpoint/2010/main" xmlns:p15="http://schemas.microsoft.com/office/powerpoint/2012/main" xmlns:mc="http://schemas.openxmlformats.org/markup-compatibility/2006" type="objOverTx" preserve="1">
+<p:sldLayout xmlns:a="http://schemas.openxmlformats.org/drawingml/2006/main" xmlns:r="http://schemas.openxmlformats.org/officeDocument/2006/relationships" xmlns:p="http://schemas.openxmlformats.org/presentationml/2006/main" type="objOverTx" preserve="1">
   <p:cSld name="Title, Content over Content">
     <p:spTree>
       <p:nvGrpSpPr>
@@ -1622,11 +1798,12 @@
           </a:prstGeom>
         </p:spPr>
         <p:txBody>
-          <a:bodyPr lIns="0" rIns="0" tIns="0" bIns="0" anchor="ctr">
+          <a:bodyPr lIns="0" tIns="0" rIns="0" bIns="0" anchor="ctr">
             <a:noAutofit/>
           </a:bodyPr>
-          <a:p>
-            <a:endParaRPr b="0" lang="en-US" sz="1400" spc="-1" strike="noStrike">
+          <a:lstStyle/>
+          <a:p>
+            <a:endParaRPr lang="en-US" sz="1400" b="0" strike="noStrike" spc="-1">
               <a:solidFill>
                 <a:srgbClr val="000000"/>
               </a:solidFill>
@@ -1655,11 +1832,12 @@
           </a:prstGeom>
         </p:spPr>
         <p:txBody>
-          <a:bodyPr lIns="0" rIns="0" tIns="0" bIns="0">
+          <a:bodyPr lIns="0" tIns="0" rIns="0" bIns="0">
             <a:normAutofit/>
           </a:bodyPr>
-          <a:p>
-            <a:endParaRPr b="0" lang="en-US" sz="1400" spc="-1" strike="noStrike">
+          <a:lstStyle/>
+          <a:p>
+            <a:endParaRPr lang="en-US" sz="1400" b="0" strike="noStrike" spc="-1">
               <a:solidFill>
                 <a:srgbClr val="000000"/>
               </a:solidFill>
@@ -1688,11 +1866,12 @@
           </a:prstGeom>
         </p:spPr>
         <p:txBody>
-          <a:bodyPr lIns="0" rIns="0" tIns="0" bIns="0">
+          <a:bodyPr lIns="0" tIns="0" rIns="0" bIns="0">
             <a:normAutofit/>
           </a:bodyPr>
-          <a:p>
-            <a:endParaRPr b="0" lang="en-US" sz="1400" spc="-1" strike="noStrike">
+          <a:lstStyle/>
+          <a:p>
+            <a:endParaRPr lang="en-US" sz="1400" b="0" strike="noStrike" spc="-1">
               <a:solidFill>
                 <a:srgbClr val="000000"/>
               </a:solidFill>
@@ -1703,11 +1882,14 @@
       </p:sp>
     </p:spTree>
   </p:cSld>
+  <p:clrMapOvr>
+    <a:masterClrMapping/>
+  </p:clrMapOvr>
 </p:sldLayout>
 </file>
 
 <file path=ppt/slideLayouts/slideLayout23.xml><?xml version="1.0" encoding="utf-8"?>
-<p:sldLayout xmlns:a="http://schemas.openxmlformats.org/drawingml/2006/main" xmlns:p="http://schemas.openxmlformats.org/presentationml/2006/main" xmlns:r="http://schemas.openxmlformats.org/officeDocument/2006/relationships" xmlns:p14="http://schemas.microsoft.com/office/powerpoint/2010/main" xmlns:p15="http://schemas.microsoft.com/office/powerpoint/2012/main" xmlns:mc="http://schemas.openxmlformats.org/markup-compatibility/2006" type="fourObj" preserve="1">
+<p:sldLayout xmlns:a="http://schemas.openxmlformats.org/drawingml/2006/main" xmlns:r="http://schemas.openxmlformats.org/officeDocument/2006/relationships" xmlns:p="http://schemas.openxmlformats.org/presentationml/2006/main" type="fourObj" preserve="1">
   <p:cSld name="Title, 4 Content">
     <p:spTree>
       <p:nvGrpSpPr>
@@ -1743,11 +1925,12 @@
           </a:prstGeom>
         </p:spPr>
         <p:txBody>
-          <a:bodyPr lIns="0" rIns="0" tIns="0" bIns="0" anchor="ctr">
+          <a:bodyPr lIns="0" tIns="0" rIns="0" bIns="0" anchor="ctr">
             <a:noAutofit/>
           </a:bodyPr>
-          <a:p>
-            <a:endParaRPr b="0" lang="en-US" sz="1400" spc="-1" strike="noStrike">
+          <a:lstStyle/>
+          <a:p>
+            <a:endParaRPr lang="en-US" sz="1400" b="0" strike="noStrike" spc="-1">
               <a:solidFill>
                 <a:srgbClr val="000000"/>
               </a:solidFill>
@@ -1776,11 +1959,12 @@
           </a:prstGeom>
         </p:spPr>
         <p:txBody>
-          <a:bodyPr lIns="0" rIns="0" tIns="0" bIns="0">
+          <a:bodyPr lIns="0" tIns="0" rIns="0" bIns="0">
             <a:normAutofit/>
           </a:bodyPr>
-          <a:p>
-            <a:endParaRPr b="0" lang="en-US" sz="1400" spc="-1" strike="noStrike">
+          <a:lstStyle/>
+          <a:p>
+            <a:endParaRPr lang="en-US" sz="1400" b="0" strike="noStrike" spc="-1">
               <a:solidFill>
                 <a:srgbClr val="000000"/>
               </a:solidFill>
@@ -1809,11 +1993,12 @@
           </a:prstGeom>
         </p:spPr>
         <p:txBody>
-          <a:bodyPr lIns="0" rIns="0" tIns="0" bIns="0">
+          <a:bodyPr lIns="0" tIns="0" rIns="0" bIns="0">
             <a:normAutofit/>
           </a:bodyPr>
-          <a:p>
-            <a:endParaRPr b="0" lang="en-US" sz="1400" spc="-1" strike="noStrike">
+          <a:lstStyle/>
+          <a:p>
+            <a:endParaRPr lang="en-US" sz="1400" b="0" strike="noStrike" spc="-1">
               <a:solidFill>
                 <a:srgbClr val="000000"/>
               </a:solidFill>
@@ -1842,11 +2027,12 @@
           </a:prstGeom>
         </p:spPr>
         <p:txBody>
-          <a:bodyPr lIns="0" rIns="0" tIns="0" bIns="0">
+          <a:bodyPr lIns="0" tIns="0" rIns="0" bIns="0">
             <a:normAutofit/>
           </a:bodyPr>
-          <a:p>
-            <a:endParaRPr b="0" lang="en-US" sz="1400" spc="-1" strike="noStrike">
+          <a:lstStyle/>
+          <a:p>
+            <a:endParaRPr lang="en-US" sz="1400" b="0" strike="noStrike" spc="-1">
               <a:solidFill>
                 <a:srgbClr val="000000"/>
               </a:solidFill>
@@ -1875,11 +2061,12 @@
           </a:prstGeom>
         </p:spPr>
         <p:txBody>
-          <a:bodyPr lIns="0" rIns="0" tIns="0" bIns="0">
+          <a:bodyPr lIns="0" tIns="0" rIns="0" bIns="0">
             <a:normAutofit/>
           </a:bodyPr>
-          <a:p>
-            <a:endParaRPr b="0" lang="en-US" sz="1400" spc="-1" strike="noStrike">
+          <a:lstStyle/>
+          <a:p>
+            <a:endParaRPr lang="en-US" sz="1400" b="0" strike="noStrike" spc="-1">
               <a:solidFill>
                 <a:srgbClr val="000000"/>
               </a:solidFill>
@@ -1890,11 +2077,14 @@
       </p:sp>
     </p:spTree>
   </p:cSld>
+  <p:clrMapOvr>
+    <a:masterClrMapping/>
+  </p:clrMapOvr>
 </p:sldLayout>
 </file>
 
 <file path=ppt/slideLayouts/slideLayout24.xml><?xml version="1.0" encoding="utf-8"?>
-<p:sldLayout xmlns:a="http://schemas.openxmlformats.org/drawingml/2006/main" xmlns:p="http://schemas.openxmlformats.org/presentationml/2006/main" xmlns:r="http://schemas.openxmlformats.org/officeDocument/2006/relationships" xmlns:p14="http://schemas.microsoft.com/office/powerpoint/2010/main" xmlns:p15="http://schemas.microsoft.com/office/powerpoint/2012/main" xmlns:mc="http://schemas.openxmlformats.org/markup-compatibility/2006" type="blank" preserve="1">
+<p:sldLayout xmlns:a="http://schemas.openxmlformats.org/drawingml/2006/main" xmlns:r="http://schemas.openxmlformats.org/officeDocument/2006/relationships" xmlns:p="http://schemas.openxmlformats.org/presentationml/2006/main" type="blank" preserve="1">
   <p:cSld name="Title, 6 Content">
     <p:spTree>
       <p:nvGrpSpPr>
@@ -1930,11 +2120,12 @@
           </a:prstGeom>
         </p:spPr>
         <p:txBody>
-          <a:bodyPr lIns="0" rIns="0" tIns="0" bIns="0" anchor="ctr">
+          <a:bodyPr lIns="0" tIns="0" rIns="0" bIns="0" anchor="ctr">
             <a:noAutofit/>
           </a:bodyPr>
-          <a:p>
-            <a:endParaRPr b="0" lang="en-US" sz="1400" spc="-1" strike="noStrike">
+          <a:lstStyle/>
+          <a:p>
+            <a:endParaRPr lang="en-US" sz="1400" b="0" strike="noStrike" spc="-1">
               <a:solidFill>
                 <a:srgbClr val="000000"/>
               </a:solidFill>
@@ -1963,11 +2154,12 @@
           </a:prstGeom>
         </p:spPr>
         <p:txBody>
-          <a:bodyPr lIns="0" rIns="0" tIns="0" bIns="0">
+          <a:bodyPr lIns="0" tIns="0" rIns="0" bIns="0">
             <a:normAutofit/>
           </a:bodyPr>
-          <a:p>
-            <a:endParaRPr b="0" lang="en-US" sz="1400" spc="-1" strike="noStrike">
+          <a:lstStyle/>
+          <a:p>
+            <a:endParaRPr lang="en-US" sz="1400" b="0" strike="noStrike" spc="-1">
               <a:solidFill>
                 <a:srgbClr val="000000"/>
               </a:solidFill>
@@ -1996,11 +2188,12 @@
           </a:prstGeom>
         </p:spPr>
         <p:txBody>
-          <a:bodyPr lIns="0" rIns="0" tIns="0" bIns="0">
+          <a:bodyPr lIns="0" tIns="0" rIns="0" bIns="0">
             <a:normAutofit/>
           </a:bodyPr>
-          <a:p>
-            <a:endParaRPr b="0" lang="en-US" sz="1400" spc="-1" strike="noStrike">
+          <a:lstStyle/>
+          <a:p>
+            <a:endParaRPr lang="en-US" sz="1400" b="0" strike="noStrike" spc="-1">
               <a:solidFill>
                 <a:srgbClr val="000000"/>
               </a:solidFill>
@@ -2029,11 +2222,12 @@
           </a:prstGeom>
         </p:spPr>
         <p:txBody>
-          <a:bodyPr lIns="0" rIns="0" tIns="0" bIns="0">
+          <a:bodyPr lIns="0" tIns="0" rIns="0" bIns="0">
             <a:normAutofit/>
           </a:bodyPr>
-          <a:p>
-            <a:endParaRPr b="0" lang="en-US" sz="1400" spc="-1" strike="noStrike">
+          <a:lstStyle/>
+          <a:p>
+            <a:endParaRPr lang="en-US" sz="1400" b="0" strike="noStrike" spc="-1">
               <a:solidFill>
                 <a:srgbClr val="000000"/>
               </a:solidFill>
@@ -2062,11 +2256,12 @@
           </a:prstGeom>
         </p:spPr>
         <p:txBody>
-          <a:bodyPr lIns="0" rIns="0" tIns="0" bIns="0">
+          <a:bodyPr lIns="0" tIns="0" rIns="0" bIns="0">
             <a:normAutofit/>
           </a:bodyPr>
-          <a:p>
-            <a:endParaRPr b="0" lang="en-US" sz="1400" spc="-1" strike="noStrike">
+          <a:lstStyle/>
+          <a:p>
+            <a:endParaRPr lang="en-US" sz="1400" b="0" strike="noStrike" spc="-1">
               <a:solidFill>
                 <a:srgbClr val="000000"/>
               </a:solidFill>
@@ -2095,11 +2290,12 @@
           </a:prstGeom>
         </p:spPr>
         <p:txBody>
-          <a:bodyPr lIns="0" rIns="0" tIns="0" bIns="0">
+          <a:bodyPr lIns="0" tIns="0" rIns="0" bIns="0">
             <a:normAutofit/>
           </a:bodyPr>
-          <a:p>
-            <a:endParaRPr b="0" lang="en-US" sz="1400" spc="-1" strike="noStrike">
+          <a:lstStyle/>
+          <a:p>
+            <a:endParaRPr lang="en-US" sz="1400" b="0" strike="noStrike" spc="-1">
               <a:solidFill>
                 <a:srgbClr val="000000"/>
               </a:solidFill>
@@ -2128,11 +2324,12 @@
           </a:prstGeom>
         </p:spPr>
         <p:txBody>
-          <a:bodyPr lIns="0" rIns="0" tIns="0" bIns="0">
+          <a:bodyPr lIns="0" tIns="0" rIns="0" bIns="0">
             <a:normAutofit/>
           </a:bodyPr>
-          <a:p>
-            <a:endParaRPr b="0" lang="en-US" sz="1400" spc="-1" strike="noStrike">
+          <a:lstStyle/>
+          <a:p>
+            <a:endParaRPr lang="en-US" sz="1400" b="0" strike="noStrike" spc="-1">
               <a:solidFill>
                 <a:srgbClr val="000000"/>
               </a:solidFill>
@@ -2143,11 +2340,14 @@
       </p:sp>
     </p:spTree>
   </p:cSld>
+  <p:clrMapOvr>
+    <a:masterClrMapping/>
+  </p:clrMapOvr>
 </p:sldLayout>
 </file>
 
 <file path=ppt/slideLayouts/slideLayout3.xml><?xml version="1.0" encoding="utf-8"?>
-<p:sldLayout xmlns:a="http://schemas.openxmlformats.org/drawingml/2006/main" xmlns:p="http://schemas.openxmlformats.org/presentationml/2006/main" xmlns:r="http://schemas.openxmlformats.org/officeDocument/2006/relationships" xmlns:p14="http://schemas.microsoft.com/office/powerpoint/2010/main" xmlns:p15="http://schemas.microsoft.com/office/powerpoint/2012/main" xmlns:mc="http://schemas.openxmlformats.org/markup-compatibility/2006" type="obj" preserve="1">
+<p:sldLayout xmlns:a="http://schemas.openxmlformats.org/drawingml/2006/main" xmlns:r="http://schemas.openxmlformats.org/officeDocument/2006/relationships" xmlns:p="http://schemas.openxmlformats.org/presentationml/2006/main" type="obj" preserve="1">
   <p:cSld name="Title, Content">
     <p:spTree>
       <p:nvGrpSpPr>
@@ -2183,11 +2383,12 @@
           </a:prstGeom>
         </p:spPr>
         <p:txBody>
-          <a:bodyPr lIns="0" rIns="0" tIns="0" bIns="0" anchor="ctr">
+          <a:bodyPr lIns="0" tIns="0" rIns="0" bIns="0" anchor="ctr">
             <a:noAutofit/>
           </a:bodyPr>
-          <a:p>
-            <a:endParaRPr b="0" lang="en-US" sz="1400" spc="-1" strike="noStrike">
+          <a:lstStyle/>
+          <a:p>
+            <a:endParaRPr lang="en-US" sz="1400" b="0" strike="noStrike" spc="-1">
               <a:solidFill>
                 <a:srgbClr val="000000"/>
               </a:solidFill>
@@ -2216,11 +2417,12 @@
           </a:prstGeom>
         </p:spPr>
         <p:txBody>
-          <a:bodyPr lIns="0" rIns="0" tIns="0" bIns="0">
+          <a:bodyPr lIns="0" tIns="0" rIns="0" bIns="0">
             <a:normAutofit/>
           </a:bodyPr>
-          <a:p>
-            <a:endParaRPr b="0" lang="en-US" sz="1400" spc="-1" strike="noStrike">
+          <a:lstStyle/>
+          <a:p>
+            <a:endParaRPr lang="en-US" sz="1400" b="0" strike="noStrike" spc="-1">
               <a:solidFill>
                 <a:srgbClr val="000000"/>
               </a:solidFill>
@@ -2231,11 +2433,14 @@
       </p:sp>
     </p:spTree>
   </p:cSld>
+  <p:clrMapOvr>
+    <a:masterClrMapping/>
+  </p:clrMapOvr>
 </p:sldLayout>
 </file>
 
 <file path=ppt/slideLayouts/slideLayout4.xml><?xml version="1.0" encoding="utf-8"?>
-<p:sldLayout xmlns:a="http://schemas.openxmlformats.org/drawingml/2006/main" xmlns:p="http://schemas.openxmlformats.org/presentationml/2006/main" xmlns:r="http://schemas.openxmlformats.org/officeDocument/2006/relationships" xmlns:p14="http://schemas.microsoft.com/office/powerpoint/2010/main" xmlns:p15="http://schemas.microsoft.com/office/powerpoint/2012/main" xmlns:mc="http://schemas.openxmlformats.org/markup-compatibility/2006" type="twoObj" preserve="1">
+<p:sldLayout xmlns:a="http://schemas.openxmlformats.org/drawingml/2006/main" xmlns:r="http://schemas.openxmlformats.org/officeDocument/2006/relationships" xmlns:p="http://schemas.openxmlformats.org/presentationml/2006/main" type="twoObj" preserve="1">
   <p:cSld name="Title, 2 Content">
     <p:spTree>
       <p:nvGrpSpPr>
@@ -2271,11 +2476,12 @@
           </a:prstGeom>
         </p:spPr>
         <p:txBody>
-          <a:bodyPr lIns="0" rIns="0" tIns="0" bIns="0" anchor="ctr">
+          <a:bodyPr lIns="0" tIns="0" rIns="0" bIns="0" anchor="ctr">
             <a:noAutofit/>
           </a:bodyPr>
-          <a:p>
-            <a:endParaRPr b="0" lang="en-US" sz="1400" spc="-1" strike="noStrike">
+          <a:lstStyle/>
+          <a:p>
+            <a:endParaRPr lang="en-US" sz="1400" b="0" strike="noStrike" spc="-1">
               <a:solidFill>
                 <a:srgbClr val="000000"/>
               </a:solidFill>
@@ -2304,11 +2510,12 @@
           </a:prstGeom>
         </p:spPr>
         <p:txBody>
-          <a:bodyPr lIns="0" rIns="0" tIns="0" bIns="0">
+          <a:bodyPr lIns="0" tIns="0" rIns="0" bIns="0">
             <a:normAutofit/>
           </a:bodyPr>
-          <a:p>
-            <a:endParaRPr b="0" lang="en-US" sz="1400" spc="-1" strike="noStrike">
+          <a:lstStyle/>
+          <a:p>
+            <a:endParaRPr lang="en-US" sz="1400" b="0" strike="noStrike" spc="-1">
               <a:solidFill>
                 <a:srgbClr val="000000"/>
               </a:solidFill>
@@ -2337,11 +2544,12 @@
           </a:prstGeom>
         </p:spPr>
         <p:txBody>
-          <a:bodyPr lIns="0" rIns="0" tIns="0" bIns="0">
+          <a:bodyPr lIns="0" tIns="0" rIns="0" bIns="0">
             <a:normAutofit/>
           </a:bodyPr>
-          <a:p>
-            <a:endParaRPr b="0" lang="en-US" sz="1400" spc="-1" strike="noStrike">
+          <a:lstStyle/>
+          <a:p>
+            <a:endParaRPr lang="en-US" sz="1400" b="0" strike="noStrike" spc="-1">
               <a:solidFill>
                 <a:srgbClr val="000000"/>
               </a:solidFill>
@@ -2352,11 +2560,14 @@
       </p:sp>
     </p:spTree>
   </p:cSld>
+  <p:clrMapOvr>
+    <a:masterClrMapping/>
+  </p:clrMapOvr>
 </p:sldLayout>
 </file>
 
 <file path=ppt/slideLayouts/slideLayout5.xml><?xml version="1.0" encoding="utf-8"?>
-<p:sldLayout xmlns:a="http://schemas.openxmlformats.org/drawingml/2006/main" xmlns:p="http://schemas.openxmlformats.org/presentationml/2006/main" xmlns:r="http://schemas.openxmlformats.org/officeDocument/2006/relationships" xmlns:p14="http://schemas.microsoft.com/office/powerpoint/2010/main" xmlns:p15="http://schemas.microsoft.com/office/powerpoint/2012/main" xmlns:mc="http://schemas.openxmlformats.org/markup-compatibility/2006" type="titleOnly" preserve="1">
+<p:sldLayout xmlns:a="http://schemas.openxmlformats.org/drawingml/2006/main" xmlns:r="http://schemas.openxmlformats.org/officeDocument/2006/relationships" xmlns:p="http://schemas.openxmlformats.org/presentationml/2006/main" type="titleOnly" preserve="1">
   <p:cSld name="Title Only">
     <p:spTree>
       <p:nvGrpSpPr>
@@ -2392,11 +2603,12 @@
           </a:prstGeom>
         </p:spPr>
         <p:txBody>
-          <a:bodyPr lIns="0" rIns="0" tIns="0" bIns="0" anchor="ctr">
+          <a:bodyPr lIns="0" tIns="0" rIns="0" bIns="0" anchor="ctr">
             <a:noAutofit/>
           </a:bodyPr>
-          <a:p>
-            <a:endParaRPr b="0" lang="en-US" sz="1400" spc="-1" strike="noStrike">
+          <a:lstStyle/>
+          <a:p>
+            <a:endParaRPr lang="en-US" sz="1400" b="0" strike="noStrike" spc="-1">
               <a:solidFill>
                 <a:srgbClr val="000000"/>
               </a:solidFill>
@@ -2407,11 +2619,14 @@
       </p:sp>
     </p:spTree>
   </p:cSld>
+  <p:clrMapOvr>
+    <a:masterClrMapping/>
+  </p:clrMapOvr>
 </p:sldLayout>
 </file>
 
 <file path=ppt/slideLayouts/slideLayout6.xml><?xml version="1.0" encoding="utf-8"?>
-<p:sldLayout xmlns:a="http://schemas.openxmlformats.org/drawingml/2006/main" xmlns:p="http://schemas.openxmlformats.org/presentationml/2006/main" xmlns:r="http://schemas.openxmlformats.org/officeDocument/2006/relationships" xmlns:p14="http://schemas.microsoft.com/office/powerpoint/2010/main" xmlns:p15="http://schemas.microsoft.com/office/powerpoint/2012/main" xmlns:mc="http://schemas.openxmlformats.org/markup-compatibility/2006" type="objOnly" preserve="1">
+<p:sldLayout xmlns:a="http://schemas.openxmlformats.org/drawingml/2006/main" xmlns:r="http://schemas.openxmlformats.org/officeDocument/2006/relationships" xmlns:p="http://schemas.openxmlformats.org/presentationml/2006/main" type="objOnly" preserve="1">
   <p:cSld name="Centered Text">
     <p:spTree>
       <p:nvGrpSpPr>
@@ -2447,12 +2662,13 @@
           </a:prstGeom>
         </p:spPr>
         <p:txBody>
-          <a:bodyPr lIns="0" rIns="0" tIns="0" bIns="0" anchor="ctr">
+          <a:bodyPr lIns="0" tIns="0" rIns="0" bIns="0" anchor="ctr">
             <a:noAutofit/>
           </a:bodyPr>
+          <a:lstStyle/>
           <a:p>
             <a:pPr algn="ctr"/>
-            <a:endParaRPr b="0" lang="en-US" sz="3200" spc="-1" strike="noStrike">
+            <a:endParaRPr lang="en-US" sz="3200" b="0" strike="noStrike" spc="-1">
               <a:latin typeface="Arial"/>
             </a:endParaRPr>
           </a:p>
@@ -2460,11 +2676,14 @@
       </p:sp>
     </p:spTree>
   </p:cSld>
+  <p:clrMapOvr>
+    <a:masterClrMapping/>
+  </p:clrMapOvr>
 </p:sldLayout>
 </file>
 
 <file path=ppt/slideLayouts/slideLayout7.xml><?xml version="1.0" encoding="utf-8"?>
-<p:sldLayout xmlns:a="http://schemas.openxmlformats.org/drawingml/2006/main" xmlns:p="http://schemas.openxmlformats.org/presentationml/2006/main" xmlns:r="http://schemas.openxmlformats.org/officeDocument/2006/relationships" xmlns:p14="http://schemas.microsoft.com/office/powerpoint/2010/main" xmlns:p15="http://schemas.microsoft.com/office/powerpoint/2012/main" xmlns:mc="http://schemas.openxmlformats.org/markup-compatibility/2006" type="twoObjAndObj" preserve="1">
+<p:sldLayout xmlns:a="http://schemas.openxmlformats.org/drawingml/2006/main" xmlns:r="http://schemas.openxmlformats.org/officeDocument/2006/relationships" xmlns:p="http://schemas.openxmlformats.org/presentationml/2006/main" type="twoObjAndObj" preserve="1">
   <p:cSld name="Title, 2 Content and Content">
     <p:spTree>
       <p:nvGrpSpPr>
@@ -2500,11 +2719,12 @@
           </a:prstGeom>
         </p:spPr>
         <p:txBody>
-          <a:bodyPr lIns="0" rIns="0" tIns="0" bIns="0" anchor="ctr">
+          <a:bodyPr lIns="0" tIns="0" rIns="0" bIns="0" anchor="ctr">
             <a:noAutofit/>
           </a:bodyPr>
-          <a:p>
-            <a:endParaRPr b="0" lang="en-US" sz="1400" spc="-1" strike="noStrike">
+          <a:lstStyle/>
+          <a:p>
+            <a:endParaRPr lang="en-US" sz="1400" b="0" strike="noStrike" spc="-1">
               <a:solidFill>
                 <a:srgbClr val="000000"/>
               </a:solidFill>
@@ -2533,11 +2753,12 @@
           </a:prstGeom>
         </p:spPr>
         <p:txBody>
-          <a:bodyPr lIns="0" rIns="0" tIns="0" bIns="0">
+          <a:bodyPr lIns="0" tIns="0" rIns="0" bIns="0">
             <a:normAutofit/>
           </a:bodyPr>
-          <a:p>
-            <a:endParaRPr b="0" lang="en-US" sz="1400" spc="-1" strike="noStrike">
+          <a:lstStyle/>
+          <a:p>
+            <a:endParaRPr lang="en-US" sz="1400" b="0" strike="noStrike" spc="-1">
               <a:solidFill>
                 <a:srgbClr val="000000"/>
               </a:solidFill>
@@ -2566,11 +2787,12 @@
           </a:prstGeom>
         </p:spPr>
         <p:txBody>
-          <a:bodyPr lIns="0" rIns="0" tIns="0" bIns="0">
+          <a:bodyPr lIns="0" tIns="0" rIns="0" bIns="0">
             <a:normAutofit/>
           </a:bodyPr>
-          <a:p>
-            <a:endParaRPr b="0" lang="en-US" sz="1400" spc="-1" strike="noStrike">
+          <a:lstStyle/>
+          <a:p>
+            <a:endParaRPr lang="en-US" sz="1400" b="0" strike="noStrike" spc="-1">
               <a:solidFill>
                 <a:srgbClr val="000000"/>
               </a:solidFill>
@@ -2599,11 +2821,12 @@
           </a:prstGeom>
         </p:spPr>
         <p:txBody>
-          <a:bodyPr lIns="0" rIns="0" tIns="0" bIns="0">
+          <a:bodyPr lIns="0" tIns="0" rIns="0" bIns="0">
             <a:normAutofit/>
           </a:bodyPr>
-          <a:p>
-            <a:endParaRPr b="0" lang="en-US" sz="1400" spc="-1" strike="noStrike">
+          <a:lstStyle/>
+          <a:p>
+            <a:endParaRPr lang="en-US" sz="1400" b="0" strike="noStrike" spc="-1">
               <a:solidFill>
                 <a:srgbClr val="000000"/>
               </a:solidFill>
@@ -2614,11 +2837,14 @@
       </p:sp>
     </p:spTree>
   </p:cSld>
+  <p:clrMapOvr>
+    <a:masterClrMapping/>
+  </p:clrMapOvr>
 </p:sldLayout>
 </file>
 
 <file path=ppt/slideLayouts/slideLayout8.xml><?xml version="1.0" encoding="utf-8"?>
-<p:sldLayout xmlns:a="http://schemas.openxmlformats.org/drawingml/2006/main" xmlns:p="http://schemas.openxmlformats.org/presentationml/2006/main" xmlns:r="http://schemas.openxmlformats.org/officeDocument/2006/relationships" xmlns:p14="http://schemas.microsoft.com/office/powerpoint/2010/main" xmlns:p15="http://schemas.microsoft.com/office/powerpoint/2012/main" xmlns:mc="http://schemas.openxmlformats.org/markup-compatibility/2006" type="objAndTwoObj" preserve="1">
+<p:sldLayout xmlns:a="http://schemas.openxmlformats.org/drawingml/2006/main" xmlns:r="http://schemas.openxmlformats.org/officeDocument/2006/relationships" xmlns:p="http://schemas.openxmlformats.org/presentationml/2006/main" type="objAndTwoObj" preserve="1">
   <p:cSld name="Title Content and 2 Content">
     <p:spTree>
       <p:nvGrpSpPr>
@@ -2654,11 +2880,12 @@
           </a:prstGeom>
         </p:spPr>
         <p:txBody>
-          <a:bodyPr lIns="0" rIns="0" tIns="0" bIns="0" anchor="ctr">
+          <a:bodyPr lIns="0" tIns="0" rIns="0" bIns="0" anchor="ctr">
             <a:noAutofit/>
           </a:bodyPr>
-          <a:p>
-            <a:endParaRPr b="0" lang="en-US" sz="1400" spc="-1" strike="noStrike">
+          <a:lstStyle/>
+          <a:p>
+            <a:endParaRPr lang="en-US" sz="1400" b="0" strike="noStrike" spc="-1">
               <a:solidFill>
                 <a:srgbClr val="000000"/>
               </a:solidFill>
@@ -2687,11 +2914,12 @@
           </a:prstGeom>
         </p:spPr>
         <p:txBody>
-          <a:bodyPr lIns="0" rIns="0" tIns="0" bIns="0">
+          <a:bodyPr lIns="0" tIns="0" rIns="0" bIns="0">
             <a:normAutofit/>
           </a:bodyPr>
-          <a:p>
-            <a:endParaRPr b="0" lang="en-US" sz="1400" spc="-1" strike="noStrike">
+          <a:lstStyle/>
+          <a:p>
+            <a:endParaRPr lang="en-US" sz="1400" b="0" strike="noStrike" spc="-1">
               <a:solidFill>
                 <a:srgbClr val="000000"/>
               </a:solidFill>
@@ -2720,11 +2948,12 @@
           </a:prstGeom>
         </p:spPr>
         <p:txBody>
-          <a:bodyPr lIns="0" rIns="0" tIns="0" bIns="0">
+          <a:bodyPr lIns="0" tIns="0" rIns="0" bIns="0">
             <a:normAutofit/>
           </a:bodyPr>
-          <a:p>
-            <a:endParaRPr b="0" lang="en-US" sz="1400" spc="-1" strike="noStrike">
+          <a:lstStyle/>
+          <a:p>
+            <a:endParaRPr lang="en-US" sz="1400" b="0" strike="noStrike" spc="-1">
               <a:solidFill>
                 <a:srgbClr val="000000"/>
               </a:solidFill>
@@ -2753,11 +2982,12 @@
           </a:prstGeom>
         </p:spPr>
         <p:txBody>
-          <a:bodyPr lIns="0" rIns="0" tIns="0" bIns="0">
+          <a:bodyPr lIns="0" tIns="0" rIns="0" bIns="0">
             <a:normAutofit/>
           </a:bodyPr>
-          <a:p>
-            <a:endParaRPr b="0" lang="en-US" sz="1400" spc="-1" strike="noStrike">
+          <a:lstStyle/>
+          <a:p>
+            <a:endParaRPr lang="en-US" sz="1400" b="0" strike="noStrike" spc="-1">
               <a:solidFill>
                 <a:srgbClr val="000000"/>
               </a:solidFill>
@@ -2768,11 +2998,14 @@
       </p:sp>
     </p:spTree>
   </p:cSld>
+  <p:clrMapOvr>
+    <a:masterClrMapping/>
+  </p:clrMapOvr>
 </p:sldLayout>
 </file>
 
 <file path=ppt/slideLayouts/slideLayout9.xml><?xml version="1.0" encoding="utf-8"?>
-<p:sldLayout xmlns:a="http://schemas.openxmlformats.org/drawingml/2006/main" xmlns:p="http://schemas.openxmlformats.org/presentationml/2006/main" xmlns:r="http://schemas.openxmlformats.org/officeDocument/2006/relationships" xmlns:p14="http://schemas.microsoft.com/office/powerpoint/2010/main" xmlns:p15="http://schemas.microsoft.com/office/powerpoint/2012/main" xmlns:mc="http://schemas.openxmlformats.org/markup-compatibility/2006" type="twoObjOverTx" preserve="1">
+<p:sldLayout xmlns:a="http://schemas.openxmlformats.org/drawingml/2006/main" xmlns:r="http://schemas.openxmlformats.org/officeDocument/2006/relationships" xmlns:p="http://schemas.openxmlformats.org/presentationml/2006/main" type="twoObjOverTx" preserve="1">
   <p:cSld name="Title, 2 Content over Content">
     <p:spTree>
       <p:nvGrpSpPr>
@@ -2808,11 +3041,12 @@
           </a:prstGeom>
         </p:spPr>
         <p:txBody>
-          <a:bodyPr lIns="0" rIns="0" tIns="0" bIns="0" anchor="ctr">
+          <a:bodyPr lIns="0" tIns="0" rIns="0" bIns="0" anchor="ctr">
             <a:noAutofit/>
           </a:bodyPr>
-          <a:p>
-            <a:endParaRPr b="0" lang="en-US" sz="1400" spc="-1" strike="noStrike">
+          <a:lstStyle/>
+          <a:p>
+            <a:endParaRPr lang="en-US" sz="1400" b="0" strike="noStrike" spc="-1">
               <a:solidFill>
                 <a:srgbClr val="000000"/>
               </a:solidFill>
@@ -2841,11 +3075,12 @@
           </a:prstGeom>
         </p:spPr>
         <p:txBody>
-          <a:bodyPr lIns="0" rIns="0" tIns="0" bIns="0">
+          <a:bodyPr lIns="0" tIns="0" rIns="0" bIns="0">
             <a:normAutofit/>
           </a:bodyPr>
-          <a:p>
-            <a:endParaRPr b="0" lang="en-US" sz="1400" spc="-1" strike="noStrike">
+          <a:lstStyle/>
+          <a:p>
+            <a:endParaRPr lang="en-US" sz="1400" b="0" strike="noStrike" spc="-1">
               <a:solidFill>
                 <a:srgbClr val="000000"/>
               </a:solidFill>
@@ -2874,11 +3109,12 @@
           </a:prstGeom>
         </p:spPr>
         <p:txBody>
-          <a:bodyPr lIns="0" rIns="0" tIns="0" bIns="0">
+          <a:bodyPr lIns="0" tIns="0" rIns="0" bIns="0">
             <a:normAutofit/>
           </a:bodyPr>
-          <a:p>
-            <a:endParaRPr b="0" lang="en-US" sz="1400" spc="-1" strike="noStrike">
+          <a:lstStyle/>
+          <a:p>
+            <a:endParaRPr lang="en-US" sz="1400" b="0" strike="noStrike" spc="-1">
               <a:solidFill>
                 <a:srgbClr val="000000"/>
               </a:solidFill>
@@ -2907,11 +3143,12 @@
           </a:prstGeom>
         </p:spPr>
         <p:txBody>
-          <a:bodyPr lIns="0" rIns="0" tIns="0" bIns="0">
+          <a:bodyPr lIns="0" tIns="0" rIns="0" bIns="0">
             <a:normAutofit/>
           </a:bodyPr>
-          <a:p>
-            <a:endParaRPr b="0" lang="en-US" sz="1400" spc="-1" strike="noStrike">
+          <a:lstStyle/>
+          <a:p>
+            <a:endParaRPr lang="en-US" sz="1400" b="0" strike="noStrike" spc="-1">
               <a:solidFill>
                 <a:srgbClr val="000000"/>
               </a:solidFill>
@@ -2922,17 +3159,21 @@
       </p:sp>
     </p:spTree>
   </p:cSld>
+  <p:clrMapOvr>
+    <a:masterClrMapping/>
+  </p:clrMapOvr>
 </p:sldLayout>
 </file>
 
 <file path=ppt/slideMasters/slideMaster1.xml><?xml version="1.0" encoding="utf-8"?>
-<p:sldMaster xmlns:a="http://schemas.openxmlformats.org/drawingml/2006/main" xmlns:p="http://schemas.openxmlformats.org/presentationml/2006/main" xmlns:r="http://schemas.openxmlformats.org/officeDocument/2006/relationships" xmlns:p14="http://schemas.microsoft.com/office/powerpoint/2010/main" xmlns:p15="http://schemas.microsoft.com/office/powerpoint/2012/main" xmlns:mc="http://schemas.openxmlformats.org/markup-compatibility/2006">
+<p:sldMaster xmlns:a="http://schemas.openxmlformats.org/drawingml/2006/main" xmlns:r="http://schemas.openxmlformats.org/officeDocument/2006/relationships" xmlns:p="http://schemas.openxmlformats.org/presentationml/2006/main">
   <p:cSld>
     <p:bg>
       <p:bgPr>
         <a:solidFill>
           <a:srgbClr val="599191"/>
         </a:solidFill>
+        <a:effectLst/>
       </p:bgPr>
     </p:bg>
     <p:spTree>
@@ -2951,7 +3192,7 @@
       </p:grpSpPr>
       <p:grpSp>
         <p:nvGrpSpPr>
-          <p:cNvPr id="0" name="Group 1"/>
+          <p:cNvPr id="39" name="Group 1"/>
           <p:cNvGrpSpPr/>
           <p:nvPr/>
         </p:nvGrpSpPr>
@@ -2965,7 +3206,7 @@
         </p:grpSpPr>
         <p:grpSp>
           <p:nvGrpSpPr>
-            <p:cNvPr id="1" name="Group 2"/>
+            <p:cNvPr id="40" name="Group 2"/>
             <p:cNvGrpSpPr/>
             <p:nvPr/>
           </p:nvGrpSpPr>
@@ -3004,9 +3245,15 @@
               </a:ln>
             </p:spPr>
             <p:style>
-              <a:lnRef idx="0"/>
-              <a:fillRef idx="0"/>
-              <a:effectRef idx="0"/>
+              <a:lnRef idx="0">
+                <a:scrgbClr r="0" g="0" b="0"/>
+              </a:lnRef>
+              <a:fillRef idx="0">
+                <a:scrgbClr r="0" g="0" b="0"/>
+              </a:fillRef>
+              <a:effectRef idx="0">
+                <a:scrgbClr r="0" g="0" b="0"/>
+              </a:effectRef>
               <a:fontRef idx="minor"/>
             </p:style>
           </p:sp>
@@ -3037,9 +3284,15 @@
               </a:ln>
             </p:spPr>
             <p:style>
-              <a:lnRef idx="0"/>
-              <a:fillRef idx="0"/>
-              <a:effectRef idx="0"/>
+              <a:lnRef idx="0">
+                <a:scrgbClr r="0" g="0" b="0"/>
+              </a:lnRef>
+              <a:fillRef idx="0">
+                <a:scrgbClr r="0" g="0" b="0"/>
+              </a:fillRef>
+              <a:effectRef idx="0">
+                <a:scrgbClr r="0" g="0" b="0"/>
+              </a:effectRef>
               <a:fontRef idx="minor"/>
             </p:style>
           </p:sp>
@@ -3085,9 +3338,15 @@
               </a:ln>
             </p:spPr>
             <p:style>
-              <a:lnRef idx="0"/>
-              <a:fillRef idx="0"/>
-              <a:effectRef idx="0"/>
+              <a:lnRef idx="0">
+                <a:scrgbClr r="0" g="0" b="0"/>
+              </a:lnRef>
+              <a:fillRef idx="0">
+                <a:scrgbClr r="0" g="0" b="0"/>
+              </a:fillRef>
+              <a:effectRef idx="0">
+                <a:scrgbClr r="0" g="0" b="0"/>
+              </a:effectRef>
               <a:fontRef idx="minor"/>
             </p:style>
           </p:sp>
@@ -3118,9 +3377,15 @@
               </a:ln>
             </p:spPr>
             <p:style>
-              <a:lnRef idx="0"/>
-              <a:fillRef idx="0"/>
-              <a:effectRef idx="0"/>
+              <a:lnRef idx="0">
+                <a:scrgbClr r="0" g="0" b="0"/>
+              </a:lnRef>
+              <a:fillRef idx="0">
+                <a:scrgbClr r="0" g="0" b="0"/>
+              </a:fillRef>
+              <a:effectRef idx="0">
+                <a:scrgbClr r="0" g="0" b="0"/>
+              </a:effectRef>
               <a:fontRef idx="minor"/>
             </p:style>
           </p:sp>
@@ -3151,9 +3416,15 @@
               </a:ln>
             </p:spPr>
             <p:style>
-              <a:lnRef idx="0"/>
-              <a:fillRef idx="0"/>
-              <a:effectRef idx="0"/>
+              <a:lnRef idx="0">
+                <a:scrgbClr r="0" g="0" b="0"/>
+              </a:lnRef>
+              <a:fillRef idx="0">
+                <a:scrgbClr r="0" g="0" b="0"/>
+              </a:fillRef>
+              <a:effectRef idx="0">
+                <a:scrgbClr r="0" g="0" b="0"/>
+              </a:effectRef>
               <a:fontRef idx="minor"/>
             </p:style>
           </p:sp>
@@ -3199,9 +3470,15 @@
               </a:ln>
             </p:spPr>
             <p:style>
-              <a:lnRef idx="0"/>
-              <a:fillRef idx="0"/>
-              <a:effectRef idx="0"/>
+              <a:lnRef idx="0">
+                <a:scrgbClr r="0" g="0" b="0"/>
+              </a:lnRef>
+              <a:fillRef idx="0">
+                <a:scrgbClr r="0" g="0" b="0"/>
+              </a:fillRef>
+              <a:effectRef idx="0">
+                <a:scrgbClr r="0" g="0" b="0"/>
+              </a:effectRef>
               <a:fontRef idx="minor"/>
             </p:style>
           </p:sp>
@@ -3232,9 +3509,15 @@
               </a:ln>
             </p:spPr>
             <p:style>
-              <a:lnRef idx="0"/>
-              <a:fillRef idx="0"/>
-              <a:effectRef idx="0"/>
+              <a:lnRef idx="0">
+                <a:scrgbClr r="0" g="0" b="0"/>
+              </a:lnRef>
+              <a:fillRef idx="0">
+                <a:scrgbClr r="0" g="0" b="0"/>
+              </a:fillRef>
+              <a:effectRef idx="0">
+                <a:scrgbClr r="0" g="0" b="0"/>
+              </a:effectRef>
               <a:fontRef idx="minor"/>
             </p:style>
           </p:sp>
@@ -3265,9 +3548,15 @@
               </a:ln>
             </p:spPr>
             <p:style>
-              <a:lnRef idx="0"/>
-              <a:fillRef idx="0"/>
-              <a:effectRef idx="0"/>
+              <a:lnRef idx="0">
+                <a:scrgbClr r="0" g="0" b="0"/>
+              </a:lnRef>
+              <a:fillRef idx="0">
+                <a:scrgbClr r="0" g="0" b="0"/>
+              </a:fillRef>
+              <a:effectRef idx="0">
+                <a:scrgbClr r="0" g="0" b="0"/>
+              </a:effectRef>
               <a:fontRef idx="minor"/>
             </p:style>
           </p:sp>
@@ -3298,9 +3587,15 @@
               </a:ln>
             </p:spPr>
             <p:style>
-              <a:lnRef idx="0"/>
-              <a:fillRef idx="0"/>
-              <a:effectRef idx="0"/>
+              <a:lnRef idx="0">
+                <a:scrgbClr r="0" g="0" b="0"/>
+              </a:lnRef>
+              <a:fillRef idx="0">
+                <a:scrgbClr r="0" g="0" b="0"/>
+              </a:fillRef>
+              <a:effectRef idx="0">
+                <a:scrgbClr r="0" g="0" b="0"/>
+              </a:effectRef>
               <a:fontRef idx="minor"/>
             </p:style>
           </p:sp>
@@ -3346,9 +3641,15 @@
               </a:ln>
             </p:spPr>
             <p:style>
-              <a:lnRef idx="0"/>
-              <a:fillRef idx="0"/>
-              <a:effectRef idx="0"/>
+              <a:lnRef idx="0">
+                <a:scrgbClr r="0" g="0" b="0"/>
+              </a:lnRef>
+              <a:fillRef idx="0">
+                <a:scrgbClr r="0" g="0" b="0"/>
+              </a:fillRef>
+              <a:effectRef idx="0">
+                <a:scrgbClr r="0" g="0" b="0"/>
+              </a:effectRef>
               <a:fontRef idx="minor"/>
             </p:style>
           </p:sp>
@@ -3379,9 +3680,15 @@
               </a:ln>
             </p:spPr>
             <p:style>
-              <a:lnRef idx="0"/>
-              <a:fillRef idx="0"/>
-              <a:effectRef idx="0"/>
+              <a:lnRef idx="0">
+                <a:scrgbClr r="0" g="0" b="0"/>
+              </a:lnRef>
+              <a:fillRef idx="0">
+                <a:scrgbClr r="0" g="0" b="0"/>
+              </a:fillRef>
+              <a:effectRef idx="0">
+                <a:scrgbClr r="0" g="0" b="0"/>
+              </a:effectRef>
               <a:fontRef idx="minor"/>
             </p:style>
           </p:sp>
@@ -3412,9 +3719,15 @@
               </a:ln>
             </p:spPr>
             <p:style>
-              <a:lnRef idx="0"/>
-              <a:fillRef idx="0"/>
-              <a:effectRef idx="0"/>
+              <a:lnRef idx="0">
+                <a:scrgbClr r="0" g="0" b="0"/>
+              </a:lnRef>
+              <a:fillRef idx="0">
+                <a:scrgbClr r="0" g="0" b="0"/>
+              </a:fillRef>
+              <a:effectRef idx="0">
+                <a:scrgbClr r="0" g="0" b="0"/>
+              </a:effectRef>
               <a:fontRef idx="minor"/>
             </p:style>
           </p:sp>
@@ -3445,9 +3758,15 @@
               </a:ln>
             </p:spPr>
             <p:style>
-              <a:lnRef idx="0"/>
-              <a:fillRef idx="0"/>
-              <a:effectRef idx="0"/>
+              <a:lnRef idx="0">
+                <a:scrgbClr r="0" g="0" b="0"/>
+              </a:lnRef>
+              <a:fillRef idx="0">
+                <a:scrgbClr r="0" g="0" b="0"/>
+              </a:fillRef>
+              <a:effectRef idx="0">
+                <a:scrgbClr r="0" g="0" b="0"/>
+              </a:effectRef>
               <a:fontRef idx="minor"/>
             </p:style>
           </p:sp>
@@ -3478,9 +3797,15 @@
               </a:ln>
             </p:spPr>
             <p:style>
-              <a:lnRef idx="0"/>
-              <a:fillRef idx="0"/>
-              <a:effectRef idx="0"/>
+              <a:lnRef idx="0">
+                <a:scrgbClr r="0" g="0" b="0"/>
+              </a:lnRef>
+              <a:fillRef idx="0">
+                <a:scrgbClr r="0" g="0" b="0"/>
+              </a:fillRef>
+              <a:effectRef idx="0">
+                <a:scrgbClr r="0" g="0" b="0"/>
+              </a:effectRef>
               <a:fontRef idx="minor"/>
             </p:style>
           </p:sp>
@@ -3524,9 +3849,15 @@
             </a:ln>
           </p:spPr>
           <p:style>
-            <a:lnRef idx="0"/>
-            <a:fillRef idx="0"/>
-            <a:effectRef idx="0"/>
+            <a:lnRef idx="0">
+              <a:scrgbClr r="0" g="0" b="0"/>
+            </a:lnRef>
+            <a:fillRef idx="0">
+              <a:scrgbClr r="0" g="0" b="0"/>
+            </a:fillRef>
+            <a:effectRef idx="0">
+              <a:scrgbClr r="0" g="0" b="0"/>
+            </a:effectRef>
             <a:fontRef idx="minor"/>
           </p:style>
         </p:sp>
@@ -3554,9 +3885,15 @@
             </a:ln>
           </p:spPr>
           <p:style>
-            <a:lnRef idx="0"/>
-            <a:fillRef idx="0"/>
-            <a:effectRef idx="0"/>
+            <a:lnRef idx="0">
+              <a:scrgbClr r="0" g="0" b="0"/>
+            </a:lnRef>
+            <a:fillRef idx="0">
+              <a:scrgbClr r="0" g="0" b="0"/>
+            </a:fillRef>
+            <a:effectRef idx="0">
+              <a:scrgbClr r="0" g="0" b="0"/>
+            </a:effectRef>
             <a:fontRef idx="minor"/>
           </p:style>
         </p:sp>
@@ -3598,9 +3935,15 @@
               </a:ln>
             </p:spPr>
             <p:style>
-              <a:lnRef idx="0"/>
-              <a:fillRef idx="0"/>
-              <a:effectRef idx="0"/>
+              <a:lnRef idx="0">
+                <a:scrgbClr r="0" g="0" b="0"/>
+              </a:lnRef>
+              <a:fillRef idx="0">
+                <a:scrgbClr r="0" g="0" b="0"/>
+              </a:fillRef>
+              <a:effectRef idx="0">
+                <a:scrgbClr r="0" g="0" b="0"/>
+              </a:effectRef>
               <a:fontRef idx="minor"/>
             </p:style>
           </p:sp>
@@ -3631,9 +3974,15 @@
               </a:ln>
             </p:spPr>
             <p:style>
-              <a:lnRef idx="0"/>
-              <a:fillRef idx="0"/>
-              <a:effectRef idx="0"/>
+              <a:lnRef idx="0">
+                <a:scrgbClr r="0" g="0" b="0"/>
+              </a:lnRef>
+              <a:fillRef idx="0">
+                <a:scrgbClr r="0" g="0" b="0"/>
+              </a:fillRef>
+              <a:effectRef idx="0">
+                <a:scrgbClr r="0" g="0" b="0"/>
+              </a:effectRef>
               <a:fontRef idx="minor"/>
             </p:style>
           </p:sp>
@@ -3661,9 +4010,15 @@
               </a:ln>
             </p:spPr>
             <p:style>
-              <a:lnRef idx="0"/>
-              <a:fillRef idx="0"/>
-              <a:effectRef idx="0"/>
+              <a:lnRef idx="0">
+                <a:scrgbClr r="0" g="0" b="0"/>
+              </a:lnRef>
+              <a:fillRef idx="0">
+                <a:scrgbClr r="0" g="0" b="0"/>
+              </a:fillRef>
+              <a:effectRef idx="0">
+                <a:scrgbClr r="0" g="0" b="0"/>
+              </a:effectRef>
               <a:fontRef idx="minor"/>
             </p:style>
           </p:sp>
@@ -3695,9 +4050,15 @@
             </a:ln>
           </p:spPr>
           <p:style>
-            <a:lnRef idx="0"/>
-            <a:fillRef idx="0"/>
-            <a:effectRef idx="0"/>
+            <a:lnRef idx="0">
+              <a:scrgbClr r="0" g="0" b="0"/>
+            </a:lnRef>
+            <a:fillRef idx="0">
+              <a:scrgbClr r="0" g="0" b="0"/>
+            </a:fillRef>
+            <a:effectRef idx="0">
+              <a:scrgbClr r="0" g="0" b="0"/>
+            </a:effectRef>
             <a:fontRef idx="minor"/>
           </p:style>
         </p:sp>
@@ -3739,9 +4100,15 @@
               </a:ln>
             </p:spPr>
             <p:style>
-              <a:lnRef idx="0"/>
-              <a:fillRef idx="0"/>
-              <a:effectRef idx="0"/>
+              <a:lnRef idx="0">
+                <a:scrgbClr r="0" g="0" b="0"/>
+              </a:lnRef>
+              <a:fillRef idx="0">
+                <a:scrgbClr r="0" g="0" b="0"/>
+              </a:fillRef>
+              <a:effectRef idx="0">
+                <a:scrgbClr r="0" g="0" b="0"/>
+              </a:effectRef>
               <a:fontRef idx="minor"/>
             </p:style>
           </p:sp>
@@ -3772,9 +4139,15 @@
               </a:ln>
             </p:spPr>
             <p:style>
-              <a:lnRef idx="0"/>
-              <a:fillRef idx="0"/>
-              <a:effectRef idx="0"/>
+              <a:lnRef idx="0">
+                <a:scrgbClr r="0" g="0" b="0"/>
+              </a:lnRef>
+              <a:fillRef idx="0">
+                <a:scrgbClr r="0" g="0" b="0"/>
+              </a:fillRef>
+              <a:effectRef idx="0">
+                <a:scrgbClr r="0" g="0" b="0"/>
+              </a:effectRef>
               <a:fontRef idx="minor"/>
             </p:style>
           </p:sp>
@@ -3803,9 +4176,15 @@
             </a:ln>
           </p:spPr>
           <p:style>
-            <a:lnRef idx="0"/>
-            <a:fillRef idx="0"/>
-            <a:effectRef idx="0"/>
+            <a:lnRef idx="0">
+              <a:scrgbClr r="0" g="0" b="0"/>
+            </a:lnRef>
+            <a:fillRef idx="0">
+              <a:scrgbClr r="0" g="0" b="0"/>
+            </a:fillRef>
+            <a:effectRef idx="0">
+              <a:scrgbClr r="0" g="0" b="0"/>
+            </a:effectRef>
             <a:fontRef idx="minor"/>
           </p:style>
         </p:sp>
@@ -3833,9 +4212,15 @@
             </a:ln>
           </p:spPr>
           <p:style>
-            <a:lnRef idx="0"/>
-            <a:fillRef idx="0"/>
-            <a:effectRef idx="0"/>
+            <a:lnRef idx="0">
+              <a:scrgbClr r="0" g="0" b="0"/>
+            </a:lnRef>
+            <a:fillRef idx="0">
+              <a:scrgbClr r="0" g="0" b="0"/>
+            </a:fillRef>
+            <a:effectRef idx="0">
+              <a:scrgbClr r="0" g="0" b="0"/>
+            </a:effectRef>
             <a:fontRef idx="minor"/>
           </p:style>
         </p:sp>
@@ -3866,9 +4251,15 @@
             </a:ln>
           </p:spPr>
           <p:style>
-            <a:lnRef idx="0"/>
-            <a:fillRef idx="0"/>
-            <a:effectRef idx="0"/>
+            <a:lnRef idx="0">
+              <a:scrgbClr r="0" g="0" b="0"/>
+            </a:lnRef>
+            <a:fillRef idx="0">
+              <a:scrgbClr r="0" g="0" b="0"/>
+            </a:fillRef>
+            <a:effectRef idx="0">
+              <a:scrgbClr r="0" g="0" b="0"/>
+            </a:effectRef>
             <a:fontRef idx="minor"/>
           </p:style>
         </p:sp>
@@ -3894,9 +4285,15 @@
             </a:ln>
           </p:spPr>
           <p:style>
-            <a:lnRef idx="0"/>
-            <a:fillRef idx="0"/>
-            <a:effectRef idx="0"/>
+            <a:lnRef idx="0">
+              <a:scrgbClr r="0" g="0" b="0"/>
+            </a:lnRef>
+            <a:fillRef idx="0">
+              <a:scrgbClr r="0" g="0" b="0"/>
+            </a:fillRef>
+            <a:effectRef idx="0">
+              <a:scrgbClr r="0" g="0" b="0"/>
+            </a:effectRef>
             <a:fontRef idx="minor"/>
           </p:style>
         </p:sp>
@@ -3927,9 +4324,15 @@
             </a:ln>
           </p:spPr>
           <p:style>
-            <a:lnRef idx="0"/>
-            <a:fillRef idx="0"/>
-            <a:effectRef idx="0"/>
+            <a:lnRef idx="0">
+              <a:scrgbClr r="0" g="0" b="0"/>
+            </a:lnRef>
+            <a:fillRef idx="0">
+              <a:scrgbClr r="0" g="0" b="0"/>
+            </a:fillRef>
+            <a:effectRef idx="0">
+              <a:scrgbClr r="0" g="0" b="0"/>
+            </a:effectRef>
             <a:fontRef idx="minor"/>
           </p:style>
         </p:sp>
@@ -3960,9 +4363,15 @@
             </a:ln>
           </p:spPr>
           <p:style>
-            <a:lnRef idx="0"/>
-            <a:fillRef idx="0"/>
-            <a:effectRef idx="0"/>
+            <a:lnRef idx="0">
+              <a:scrgbClr r="0" g="0" b="0"/>
+            </a:lnRef>
+            <a:fillRef idx="0">
+              <a:scrgbClr r="0" g="0" b="0"/>
+            </a:fillRef>
+            <a:effectRef idx="0">
+              <a:scrgbClr r="0" g="0" b="0"/>
+            </a:effectRef>
             <a:fontRef idx="minor"/>
           </p:style>
         </p:sp>
@@ -3990,10 +4399,11 @@
           <a:bodyPr tIns="91440" bIns="91440" anchor="ctr">
             <a:noAutofit/>
           </a:bodyPr>
+          <a:lstStyle/>
           <a:p>
             <a:pPr algn="ctr"/>
             <a:r>
-              <a:rPr b="0" lang="en-US" sz="3600" spc="-1" strike="noStrike">
+              <a:rPr lang="en-US" sz="3600" b="0" strike="noStrike" spc="-1">
                 <a:solidFill>
                   <a:srgbClr val="000000"/>
                 </a:solidFill>
@@ -4001,12 +4411,6 @@
               </a:rPr>
               <a:t>Click to edit the title text format</a:t>
             </a:r>
-            <a:endParaRPr b="0" lang="en-US" sz="3600" spc="-1" strike="noStrike">
-              <a:solidFill>
-                <a:srgbClr val="000000"/>
-              </a:solidFill>
-              <a:latin typeface="Arial"/>
-            </a:endParaRPr>
           </a:p>
         </p:txBody>
       </p:sp>
@@ -4033,6 +4437,7 @@
           <a:bodyPr tIns="91440" bIns="91440" anchor="ctr">
             <a:noAutofit/>
           </a:bodyPr>
+          <a:lstStyle/>
           <a:p>
             <a:pPr algn="r">
               <a:lnSpc>
@@ -4040,16 +4445,16 @@
               </a:lnSpc>
             </a:pPr>
             <a:fld id="{8D5AABD4-338D-4CEC-97F8-25F2E6444684}" type="slidenum">
-              <a:rPr b="0" lang="en-US" sz="900" spc="-1" strike="noStrike">
-                <a:solidFill>
-                  <a:srgbClr val="ffffff"/>
+              <a:rPr lang="en-US" sz="900" b="0" strike="noStrike" spc="-1">
+                <a:solidFill>
+                  <a:srgbClr val="FFFFFF"/>
                 </a:solidFill>
                 <a:latin typeface="Nunito"/>
                 <a:ea typeface="Nunito"/>
               </a:rPr>
-              <a:t>&lt;number&gt;</a:t>
+              <a:t>‹#›</a:t>
             </a:fld>
-            <a:endParaRPr b="0" lang="en-US" sz="900" spc="-1" strike="noStrike">
+            <a:endParaRPr lang="en-US" sz="900" b="0" strike="noStrike" spc="-1">
               <a:latin typeface="Times New Roman"/>
             </a:endParaRPr>
           </a:p>
@@ -4075,9 +4480,10 @@
           </a:prstGeom>
         </p:spPr>
         <p:txBody>
-          <a:bodyPr lIns="0" rIns="0" tIns="0" bIns="0">
+          <a:bodyPr lIns="0" tIns="0" rIns="0" bIns="0">
             <a:normAutofit/>
           </a:bodyPr>
+          <a:lstStyle/>
           <a:p>
             <a:pPr marL="432000" indent="-324000">
               <a:spcBef>
@@ -4091,7 +4497,7 @@
               <a:buChar char=""/>
             </a:pPr>
             <a:r>
-              <a:rPr b="0" lang="en-US" sz="1400" spc="-1" strike="noStrike">
+              <a:rPr lang="en-US" sz="1400" b="0" strike="noStrike" spc="-1">
                 <a:solidFill>
                   <a:srgbClr val="000000"/>
                 </a:solidFill>
@@ -4099,15 +4505,9 @@
               </a:rPr>
               <a:t>Click to edit the outline text format</a:t>
             </a:r>
-            <a:endParaRPr b="0" lang="en-US" sz="1400" spc="-1" strike="noStrike">
-              <a:solidFill>
-                <a:srgbClr val="000000"/>
-              </a:solidFill>
-              <a:latin typeface="Arial"/>
-            </a:endParaRPr>
-          </a:p>
-          <a:p>
-            <a:pPr lvl="1" marL="864000" indent="-324000">
+          </a:p>
+          <a:p>
+            <a:pPr marL="864000" lvl="1" indent="-324000">
               <a:spcBef>
                 <a:spcPts val="1134"/>
               </a:spcBef>
@@ -4119,7 +4519,7 @@
               <a:buChar char=""/>
             </a:pPr>
             <a:r>
-              <a:rPr b="0" lang="en-US" sz="1400" spc="-1" strike="noStrike">
+              <a:rPr lang="en-US" sz="1400" b="0" strike="noStrike" spc="-1">
                 <a:solidFill>
                   <a:srgbClr val="000000"/>
                 </a:solidFill>
@@ -4127,15 +4527,9 @@
               </a:rPr>
               <a:t>Second Outline Level</a:t>
             </a:r>
-            <a:endParaRPr b="0" lang="en-US" sz="1400" spc="-1" strike="noStrike">
-              <a:solidFill>
-                <a:srgbClr val="000000"/>
-              </a:solidFill>
-              <a:latin typeface="Arial"/>
-            </a:endParaRPr>
-          </a:p>
-          <a:p>
-            <a:pPr lvl="2" marL="1296000" indent="-288000">
+          </a:p>
+          <a:p>
+            <a:pPr marL="1296000" lvl="2" indent="-288000">
               <a:spcBef>
                 <a:spcPts val="850"/>
               </a:spcBef>
@@ -4147,7 +4541,7 @@
               <a:buChar char=""/>
             </a:pPr>
             <a:r>
-              <a:rPr b="0" lang="en-US" sz="1400" spc="-1" strike="noStrike">
+              <a:rPr lang="en-US" sz="1400" b="0" strike="noStrike" spc="-1">
                 <a:solidFill>
                   <a:srgbClr val="000000"/>
                 </a:solidFill>
@@ -4155,15 +4549,9 @@
               </a:rPr>
               <a:t>Third Outline Level</a:t>
             </a:r>
-            <a:endParaRPr b="0" lang="en-US" sz="1400" spc="-1" strike="noStrike">
-              <a:solidFill>
-                <a:srgbClr val="000000"/>
-              </a:solidFill>
-              <a:latin typeface="Arial"/>
-            </a:endParaRPr>
-          </a:p>
-          <a:p>
-            <a:pPr lvl="3" marL="1728000" indent="-216000">
+          </a:p>
+          <a:p>
+            <a:pPr marL="1728000" lvl="3" indent="-216000">
               <a:spcBef>
                 <a:spcPts val="567"/>
               </a:spcBef>
@@ -4175,7 +4563,7 @@
               <a:buChar char=""/>
             </a:pPr>
             <a:r>
-              <a:rPr b="0" lang="en-US" sz="1400" spc="-1" strike="noStrike">
+              <a:rPr lang="en-US" sz="1400" b="0" strike="noStrike" spc="-1">
                 <a:solidFill>
                   <a:srgbClr val="000000"/>
                 </a:solidFill>
@@ -4183,15 +4571,9 @@
               </a:rPr>
               <a:t>Fourth Outline Level</a:t>
             </a:r>
-            <a:endParaRPr b="0" lang="en-US" sz="1400" spc="-1" strike="noStrike">
-              <a:solidFill>
-                <a:srgbClr val="000000"/>
-              </a:solidFill>
-              <a:latin typeface="Arial"/>
-            </a:endParaRPr>
-          </a:p>
-          <a:p>
-            <a:pPr lvl="4" marL="2160000" indent="-216000">
+          </a:p>
+          <a:p>
+            <a:pPr marL="2160000" lvl="4" indent="-216000">
               <a:spcBef>
                 <a:spcPts val="283"/>
               </a:spcBef>
@@ -4203,7 +4585,7 @@
               <a:buChar char=""/>
             </a:pPr>
             <a:r>
-              <a:rPr b="0" lang="en-US" sz="2000" spc="-1" strike="noStrike">
+              <a:rPr lang="en-US" sz="2000" b="0" strike="noStrike" spc="-1">
                 <a:solidFill>
                   <a:srgbClr val="000000"/>
                 </a:solidFill>
@@ -4211,15 +4593,9 @@
               </a:rPr>
               <a:t>Fifth Outline Level</a:t>
             </a:r>
-            <a:endParaRPr b="0" lang="en-US" sz="2000" spc="-1" strike="noStrike">
-              <a:solidFill>
-                <a:srgbClr val="000000"/>
-              </a:solidFill>
-              <a:latin typeface="Arial"/>
-            </a:endParaRPr>
-          </a:p>
-          <a:p>
-            <a:pPr lvl="5" marL="2592000" indent="-216000">
+          </a:p>
+          <a:p>
+            <a:pPr marL="2592000" lvl="5" indent="-216000">
               <a:spcBef>
                 <a:spcPts val="283"/>
               </a:spcBef>
@@ -4231,7 +4607,7 @@
               <a:buChar char=""/>
             </a:pPr>
             <a:r>
-              <a:rPr b="0" lang="en-US" sz="2000" spc="-1" strike="noStrike">
+              <a:rPr lang="en-US" sz="2000" b="0" strike="noStrike" spc="-1">
                 <a:solidFill>
                   <a:srgbClr val="000000"/>
                 </a:solidFill>
@@ -4239,15 +4615,9 @@
               </a:rPr>
               <a:t>Sixth Outline Level</a:t>
             </a:r>
-            <a:endParaRPr b="0" lang="en-US" sz="2000" spc="-1" strike="noStrike">
-              <a:solidFill>
-                <a:srgbClr val="000000"/>
-              </a:solidFill>
-              <a:latin typeface="Arial"/>
-            </a:endParaRPr>
-          </a:p>
-          <a:p>
-            <a:pPr lvl="6" marL="3024000" indent="-216000">
+          </a:p>
+          <a:p>
+            <a:pPr marL="3024000" lvl="6" indent="-216000">
               <a:spcBef>
                 <a:spcPts val="283"/>
               </a:spcBef>
@@ -4259,7 +4629,7 @@
               <a:buChar char=""/>
             </a:pPr>
             <a:r>
-              <a:rPr b="0" lang="en-US" sz="2000" spc="-1" strike="noStrike">
+              <a:rPr lang="en-US" sz="2000" b="0" strike="noStrike" spc="-1">
                 <a:solidFill>
                   <a:srgbClr val="000000"/>
                 </a:solidFill>
@@ -4267,43 +4637,318 @@
               </a:rPr>
               <a:t>Seventh Outline Level</a:t>
             </a:r>
-            <a:endParaRPr b="0" lang="en-US" sz="2000" spc="-1" strike="noStrike">
-              <a:solidFill>
-                <a:srgbClr val="000000"/>
-              </a:solidFill>
-              <a:latin typeface="Arial"/>
-            </a:endParaRPr>
           </a:p>
         </p:txBody>
       </p:sp>
     </p:spTree>
   </p:cSld>
-  <p:clrMap bg1="lt1" bg2="lt2" tx1="dk1" tx2="dk2" accent1="accent1" accent2="accent2" accent3="accent3" accent4="accent4" accent5="accent5" accent6="accent6" hlink="hlink" folHlink="folHlink"/>
+  <p:clrMap bg1="lt1" tx1="dk1" bg2="lt2" tx2="dk2" accent1="accent1" accent2="accent2" accent3="accent3" accent4="accent4" accent5="accent5" accent6="accent6" hlink="hlink" folHlink="folHlink"/>
   <p:sldLayoutIdLst>
-    <p:sldLayoutId id="2147483649" r:id="rId2"/>
-    <p:sldLayoutId id="2147483650" r:id="rId3"/>
-    <p:sldLayoutId id="2147483651" r:id="rId4"/>
-    <p:sldLayoutId id="2147483652" r:id="rId5"/>
-    <p:sldLayoutId id="2147483653" r:id="rId6"/>
-    <p:sldLayoutId id="2147483654" r:id="rId7"/>
-    <p:sldLayoutId id="2147483655" r:id="rId8"/>
-    <p:sldLayoutId id="2147483656" r:id="rId9"/>
-    <p:sldLayoutId id="2147483657" r:id="rId10"/>
-    <p:sldLayoutId id="2147483658" r:id="rId11"/>
-    <p:sldLayoutId id="2147483659" r:id="rId12"/>
-    <p:sldLayoutId id="2147483660" r:id="rId13"/>
+    <p:sldLayoutId id="2147483649" r:id="rId1"/>
+    <p:sldLayoutId id="2147483650" r:id="rId2"/>
+    <p:sldLayoutId id="2147483651" r:id="rId3"/>
+    <p:sldLayoutId id="2147483652" r:id="rId4"/>
+    <p:sldLayoutId id="2147483653" r:id="rId5"/>
+    <p:sldLayoutId id="2147483654" r:id="rId6"/>
+    <p:sldLayoutId id="2147483655" r:id="rId7"/>
+    <p:sldLayoutId id="2147483656" r:id="rId8"/>
+    <p:sldLayoutId id="2147483657" r:id="rId9"/>
+    <p:sldLayoutId id="2147483658" r:id="rId10"/>
+    <p:sldLayoutId id="2147483659" r:id="rId11"/>
+    <p:sldLayoutId id="2147483660" r:id="rId12"/>
   </p:sldLayoutIdLst>
+  <p:txStyles>
+    <p:titleStyle>
+      <a:lvl1pPr algn="l" defTabSz="914400" rtl="0" eaLnBrk="1" latinLnBrk="1" hangingPunct="1">
+        <a:lnSpc>
+          <a:spcPct val="90000"/>
+        </a:lnSpc>
+        <a:spcBef>
+          <a:spcPct val="0"/>
+        </a:spcBef>
+        <a:buNone/>
+        <a:defRPr sz="4400" kern="1200">
+          <a:solidFill>
+            <a:schemeClr val="tx1"/>
+          </a:solidFill>
+          <a:latin typeface="+mj-lt"/>
+          <a:ea typeface="+mj-ea"/>
+          <a:cs typeface="+mj-cs"/>
+        </a:defRPr>
+      </a:lvl1pPr>
+    </p:titleStyle>
+    <p:bodyStyle>
+      <a:lvl1pPr marL="228600" indent="-228600" algn="l" defTabSz="914400" rtl="0" eaLnBrk="1" latinLnBrk="1" hangingPunct="1">
+        <a:lnSpc>
+          <a:spcPct val="90000"/>
+        </a:lnSpc>
+        <a:spcBef>
+          <a:spcPts val="1000"/>
+        </a:spcBef>
+        <a:buFont typeface="Arial" panose="020B0604020202020204" pitchFamily="34" charset="0"/>
+        <a:buChar char="•"/>
+        <a:defRPr sz="2800" kern="1200">
+          <a:solidFill>
+            <a:schemeClr val="tx1"/>
+          </a:solidFill>
+          <a:latin typeface="+mn-lt"/>
+          <a:ea typeface="+mn-ea"/>
+          <a:cs typeface="+mn-cs"/>
+        </a:defRPr>
+      </a:lvl1pPr>
+      <a:lvl2pPr marL="685800" indent="-228600" algn="l" defTabSz="914400" rtl="0" eaLnBrk="1" latinLnBrk="1" hangingPunct="1">
+        <a:lnSpc>
+          <a:spcPct val="90000"/>
+        </a:lnSpc>
+        <a:spcBef>
+          <a:spcPts val="500"/>
+        </a:spcBef>
+        <a:buFont typeface="Arial" panose="020B0604020202020204" pitchFamily="34" charset="0"/>
+        <a:buChar char="•"/>
+        <a:defRPr sz="2400" kern="1200">
+          <a:solidFill>
+            <a:schemeClr val="tx1"/>
+          </a:solidFill>
+          <a:latin typeface="+mn-lt"/>
+          <a:ea typeface="+mn-ea"/>
+          <a:cs typeface="+mn-cs"/>
+        </a:defRPr>
+      </a:lvl2pPr>
+      <a:lvl3pPr marL="1143000" indent="-228600" algn="l" defTabSz="914400" rtl="0" eaLnBrk="1" latinLnBrk="1" hangingPunct="1">
+        <a:lnSpc>
+          <a:spcPct val="90000"/>
+        </a:lnSpc>
+        <a:spcBef>
+          <a:spcPts val="500"/>
+        </a:spcBef>
+        <a:buFont typeface="Arial" panose="020B0604020202020204" pitchFamily="34" charset="0"/>
+        <a:buChar char="•"/>
+        <a:defRPr sz="2000" kern="1200">
+          <a:solidFill>
+            <a:schemeClr val="tx1"/>
+          </a:solidFill>
+          <a:latin typeface="+mn-lt"/>
+          <a:ea typeface="+mn-ea"/>
+          <a:cs typeface="+mn-cs"/>
+        </a:defRPr>
+      </a:lvl3pPr>
+      <a:lvl4pPr marL="1600200" indent="-228600" algn="l" defTabSz="914400" rtl="0" eaLnBrk="1" latinLnBrk="1" hangingPunct="1">
+        <a:lnSpc>
+          <a:spcPct val="90000"/>
+        </a:lnSpc>
+        <a:spcBef>
+          <a:spcPts val="500"/>
+        </a:spcBef>
+        <a:buFont typeface="Arial" panose="020B0604020202020204" pitchFamily="34" charset="0"/>
+        <a:buChar char="•"/>
+        <a:defRPr sz="1800" kern="1200">
+          <a:solidFill>
+            <a:schemeClr val="tx1"/>
+          </a:solidFill>
+          <a:latin typeface="+mn-lt"/>
+          <a:ea typeface="+mn-ea"/>
+          <a:cs typeface="+mn-cs"/>
+        </a:defRPr>
+      </a:lvl4pPr>
+      <a:lvl5pPr marL="2057400" indent="-228600" algn="l" defTabSz="914400" rtl="0" eaLnBrk="1" latinLnBrk="1" hangingPunct="1">
+        <a:lnSpc>
+          <a:spcPct val="90000"/>
+        </a:lnSpc>
+        <a:spcBef>
+          <a:spcPts val="500"/>
+        </a:spcBef>
+        <a:buFont typeface="Arial" panose="020B0604020202020204" pitchFamily="34" charset="0"/>
+        <a:buChar char="•"/>
+        <a:defRPr sz="1800" kern="1200">
+          <a:solidFill>
+            <a:schemeClr val="tx1"/>
+          </a:solidFill>
+          <a:latin typeface="+mn-lt"/>
+          <a:ea typeface="+mn-ea"/>
+          <a:cs typeface="+mn-cs"/>
+        </a:defRPr>
+      </a:lvl5pPr>
+      <a:lvl6pPr marL="2514600" indent="-228600" algn="l" defTabSz="914400" rtl="0" eaLnBrk="1" latinLnBrk="1" hangingPunct="1">
+        <a:lnSpc>
+          <a:spcPct val="90000"/>
+        </a:lnSpc>
+        <a:spcBef>
+          <a:spcPts val="500"/>
+        </a:spcBef>
+        <a:buFont typeface="Arial" panose="020B0604020202020204" pitchFamily="34" charset="0"/>
+        <a:buChar char="•"/>
+        <a:defRPr sz="1800" kern="1200">
+          <a:solidFill>
+            <a:schemeClr val="tx1"/>
+          </a:solidFill>
+          <a:latin typeface="+mn-lt"/>
+          <a:ea typeface="+mn-ea"/>
+          <a:cs typeface="+mn-cs"/>
+        </a:defRPr>
+      </a:lvl6pPr>
+      <a:lvl7pPr marL="2971800" indent="-228600" algn="l" defTabSz="914400" rtl="0" eaLnBrk="1" latinLnBrk="1" hangingPunct="1">
+        <a:lnSpc>
+          <a:spcPct val="90000"/>
+        </a:lnSpc>
+        <a:spcBef>
+          <a:spcPts val="500"/>
+        </a:spcBef>
+        <a:buFont typeface="Arial" panose="020B0604020202020204" pitchFamily="34" charset="0"/>
+        <a:buChar char="•"/>
+        <a:defRPr sz="1800" kern="1200">
+          <a:solidFill>
+            <a:schemeClr val="tx1"/>
+          </a:solidFill>
+          <a:latin typeface="+mn-lt"/>
+          <a:ea typeface="+mn-ea"/>
+          <a:cs typeface="+mn-cs"/>
+        </a:defRPr>
+      </a:lvl7pPr>
+      <a:lvl8pPr marL="3429000" indent="-228600" algn="l" defTabSz="914400" rtl="0" eaLnBrk="1" latinLnBrk="1" hangingPunct="1">
+        <a:lnSpc>
+          <a:spcPct val="90000"/>
+        </a:lnSpc>
+        <a:spcBef>
+          <a:spcPts val="500"/>
+        </a:spcBef>
+        <a:buFont typeface="Arial" panose="020B0604020202020204" pitchFamily="34" charset="0"/>
+        <a:buChar char="•"/>
+        <a:defRPr sz="1800" kern="1200">
+          <a:solidFill>
+            <a:schemeClr val="tx1"/>
+          </a:solidFill>
+          <a:latin typeface="+mn-lt"/>
+          <a:ea typeface="+mn-ea"/>
+          <a:cs typeface="+mn-cs"/>
+        </a:defRPr>
+      </a:lvl8pPr>
+      <a:lvl9pPr marL="3886200" indent="-228600" algn="l" defTabSz="914400" rtl="0" eaLnBrk="1" latinLnBrk="1" hangingPunct="1">
+        <a:lnSpc>
+          <a:spcPct val="90000"/>
+        </a:lnSpc>
+        <a:spcBef>
+          <a:spcPts val="500"/>
+        </a:spcBef>
+        <a:buFont typeface="Arial" panose="020B0604020202020204" pitchFamily="34" charset="0"/>
+        <a:buChar char="•"/>
+        <a:defRPr sz="1800" kern="1200">
+          <a:solidFill>
+            <a:schemeClr val="tx1"/>
+          </a:solidFill>
+          <a:latin typeface="+mn-lt"/>
+          <a:ea typeface="+mn-ea"/>
+          <a:cs typeface="+mn-cs"/>
+        </a:defRPr>
+      </a:lvl9pPr>
+    </p:bodyStyle>
+    <p:otherStyle>
+      <a:defPPr>
+        <a:defRPr lang="ko-KR"/>
+      </a:defPPr>
+      <a:lvl1pPr marL="0" algn="l" defTabSz="914400" rtl="0" eaLnBrk="1" latinLnBrk="1" hangingPunct="1">
+        <a:defRPr sz="1800" kern="1200">
+          <a:solidFill>
+            <a:schemeClr val="tx1"/>
+          </a:solidFill>
+          <a:latin typeface="+mn-lt"/>
+          <a:ea typeface="+mn-ea"/>
+          <a:cs typeface="+mn-cs"/>
+        </a:defRPr>
+      </a:lvl1pPr>
+      <a:lvl2pPr marL="457200" algn="l" defTabSz="914400" rtl="0" eaLnBrk="1" latinLnBrk="1" hangingPunct="1">
+        <a:defRPr sz="1800" kern="1200">
+          <a:solidFill>
+            <a:schemeClr val="tx1"/>
+          </a:solidFill>
+          <a:latin typeface="+mn-lt"/>
+          <a:ea typeface="+mn-ea"/>
+          <a:cs typeface="+mn-cs"/>
+        </a:defRPr>
+      </a:lvl2pPr>
+      <a:lvl3pPr marL="914400" algn="l" defTabSz="914400" rtl="0" eaLnBrk="1" latinLnBrk="1" hangingPunct="1">
+        <a:defRPr sz="1800" kern="1200">
+          <a:solidFill>
+            <a:schemeClr val="tx1"/>
+          </a:solidFill>
+          <a:latin typeface="+mn-lt"/>
+          <a:ea typeface="+mn-ea"/>
+          <a:cs typeface="+mn-cs"/>
+        </a:defRPr>
+      </a:lvl3pPr>
+      <a:lvl4pPr marL="1371600" algn="l" defTabSz="914400" rtl="0" eaLnBrk="1" latinLnBrk="1" hangingPunct="1">
+        <a:defRPr sz="1800" kern="1200">
+          <a:solidFill>
+            <a:schemeClr val="tx1"/>
+          </a:solidFill>
+          <a:latin typeface="+mn-lt"/>
+          <a:ea typeface="+mn-ea"/>
+          <a:cs typeface="+mn-cs"/>
+        </a:defRPr>
+      </a:lvl4pPr>
+      <a:lvl5pPr marL="1828800" algn="l" defTabSz="914400" rtl="0" eaLnBrk="1" latinLnBrk="1" hangingPunct="1">
+        <a:defRPr sz="1800" kern="1200">
+          <a:solidFill>
+            <a:schemeClr val="tx1"/>
+          </a:solidFill>
+          <a:latin typeface="+mn-lt"/>
+          <a:ea typeface="+mn-ea"/>
+          <a:cs typeface="+mn-cs"/>
+        </a:defRPr>
+      </a:lvl5pPr>
+      <a:lvl6pPr marL="2286000" algn="l" defTabSz="914400" rtl="0" eaLnBrk="1" latinLnBrk="1" hangingPunct="1">
+        <a:defRPr sz="1800" kern="1200">
+          <a:solidFill>
+            <a:schemeClr val="tx1"/>
+          </a:solidFill>
+          <a:latin typeface="+mn-lt"/>
+          <a:ea typeface="+mn-ea"/>
+          <a:cs typeface="+mn-cs"/>
+        </a:defRPr>
+      </a:lvl6pPr>
+      <a:lvl7pPr marL="2743200" algn="l" defTabSz="914400" rtl="0" eaLnBrk="1" latinLnBrk="1" hangingPunct="1">
+        <a:defRPr sz="1800" kern="1200">
+          <a:solidFill>
+            <a:schemeClr val="tx1"/>
+          </a:solidFill>
+          <a:latin typeface="+mn-lt"/>
+          <a:ea typeface="+mn-ea"/>
+          <a:cs typeface="+mn-cs"/>
+        </a:defRPr>
+      </a:lvl7pPr>
+      <a:lvl8pPr marL="3200400" algn="l" defTabSz="914400" rtl="0" eaLnBrk="1" latinLnBrk="1" hangingPunct="1">
+        <a:defRPr sz="1800" kern="1200">
+          <a:solidFill>
+            <a:schemeClr val="tx1"/>
+          </a:solidFill>
+          <a:latin typeface="+mn-lt"/>
+          <a:ea typeface="+mn-ea"/>
+          <a:cs typeface="+mn-cs"/>
+        </a:defRPr>
+      </a:lvl8pPr>
+      <a:lvl9pPr marL="3657600" algn="l" defTabSz="914400" rtl="0" eaLnBrk="1" latinLnBrk="1" hangingPunct="1">
+        <a:defRPr sz="1800" kern="1200">
+          <a:solidFill>
+            <a:schemeClr val="tx1"/>
+          </a:solidFill>
+          <a:latin typeface="+mn-lt"/>
+          <a:ea typeface="+mn-ea"/>
+          <a:cs typeface="+mn-cs"/>
+        </a:defRPr>
+      </a:lvl9pPr>
+    </p:otherStyle>
+  </p:txStyles>
 </p:sldMaster>
 </file>
 
 <file path=ppt/slideMasters/slideMaster2.xml><?xml version="1.0" encoding="utf-8"?>
-<p:sldMaster xmlns:a="http://schemas.openxmlformats.org/drawingml/2006/main" xmlns:p="http://schemas.openxmlformats.org/presentationml/2006/main" xmlns:r="http://schemas.openxmlformats.org/officeDocument/2006/relationships" xmlns:p14="http://schemas.microsoft.com/office/powerpoint/2010/main" xmlns:p15="http://schemas.microsoft.com/office/powerpoint/2012/main" xmlns:mc="http://schemas.openxmlformats.org/markup-compatibility/2006">
+<p:sldMaster xmlns:a="http://schemas.openxmlformats.org/drawingml/2006/main" xmlns:r="http://schemas.openxmlformats.org/officeDocument/2006/relationships" xmlns:p="http://schemas.openxmlformats.org/presentationml/2006/main">
   <p:cSld>
     <p:bg>
       <p:bgPr>
         <a:solidFill>
-          <a:srgbClr val="ffffff"/>
+          <a:srgbClr val="FFFFFF"/>
         </a:solidFill>
+        <a:effectLst/>
       </p:bgPr>
     </p:bg>
     <p:spTree>
@@ -4361,9 +5006,15 @@
             </a:ln>
           </p:spPr>
           <p:style>
-            <a:lnRef idx="0"/>
-            <a:fillRef idx="0"/>
-            <a:effectRef idx="0"/>
+            <a:lnRef idx="0">
+              <a:scrgbClr r="0" g="0" b="0"/>
+            </a:lnRef>
+            <a:fillRef idx="0">
+              <a:scrgbClr r="0" g="0" b="0"/>
+            </a:fillRef>
+            <a:effectRef idx="0">
+              <a:scrgbClr r="0" g="0" b="0"/>
+            </a:effectRef>
             <a:fontRef idx="minor"/>
           </p:style>
         </p:sp>
@@ -4394,9 +5045,15 @@
             </a:ln>
           </p:spPr>
           <p:style>
-            <a:lnRef idx="0"/>
-            <a:fillRef idx="0"/>
-            <a:effectRef idx="0"/>
+            <a:lnRef idx="0">
+              <a:scrgbClr r="0" g="0" b="0"/>
+            </a:lnRef>
+            <a:fillRef idx="0">
+              <a:scrgbClr r="0" g="0" b="0"/>
+            </a:fillRef>
+            <a:effectRef idx="0">
+              <a:scrgbClr r="0" g="0" b="0"/>
+            </a:effectRef>
             <a:fontRef idx="minor"/>
           </p:style>
         </p:sp>
@@ -4424,10 +5081,11 @@
           <a:bodyPr tIns="91440" bIns="91440">
             <a:noAutofit/>
           </a:bodyPr>
+          <a:lstStyle/>
           <a:p>
             <a:pPr algn="ctr"/>
             <a:r>
-              <a:rPr b="0" lang="en-US" sz="2800" spc="-1" strike="noStrike">
+              <a:rPr lang="en-US" sz="2800" b="0" strike="noStrike" spc="-1">
                 <a:solidFill>
                   <a:srgbClr val="000000"/>
                 </a:solidFill>
@@ -4435,12 +5093,6 @@
               </a:rPr>
               <a:t>Click to edit the title text format</a:t>
             </a:r>
-            <a:endParaRPr b="0" lang="en-US" sz="2800" spc="-1" strike="noStrike">
-              <a:solidFill>
-                <a:srgbClr val="000000"/>
-              </a:solidFill>
-              <a:latin typeface="Arial"/>
-            </a:endParaRPr>
           </a:p>
         </p:txBody>
       </p:sp>
@@ -4467,6 +5119,7 @@
           <a:bodyPr tIns="91440" bIns="91440">
             <a:noAutofit/>
           </a:bodyPr>
+          <a:lstStyle/>
           <a:p>
             <a:pPr marL="432000" indent="-324000" algn="ctr">
               <a:spcBef>
@@ -4480,7 +5133,7 @@
               <a:buChar char=""/>
             </a:pPr>
             <a:r>
-              <a:rPr b="0" lang="en-US" sz="1300" spc="-1" strike="noStrike">
+              <a:rPr lang="en-US" sz="1300" b="0" strike="noStrike" spc="-1">
                 <a:solidFill>
                   <a:srgbClr val="000000"/>
                 </a:solidFill>
@@ -4488,15 +5141,9 @@
               </a:rPr>
               <a:t>Click to edit the outline text format</a:t>
             </a:r>
-            <a:endParaRPr b="0" lang="en-US" sz="1300" spc="-1" strike="noStrike">
-              <a:solidFill>
-                <a:srgbClr val="000000"/>
-              </a:solidFill>
-              <a:latin typeface="Arial"/>
-            </a:endParaRPr>
-          </a:p>
-          <a:p>
-            <a:pPr lvl="1" marL="864000" indent="-324000" algn="ctr">
+          </a:p>
+          <a:p>
+            <a:pPr marL="864000" lvl="1" indent="-324000" algn="ctr">
               <a:spcBef>
                 <a:spcPts val="1134"/>
               </a:spcBef>
@@ -4508,7 +5155,7 @@
               <a:buChar char=""/>
             </a:pPr>
             <a:r>
-              <a:rPr b="0" lang="en-US" sz="1300" spc="-1" strike="noStrike">
+              <a:rPr lang="en-US" sz="1300" b="0" strike="noStrike" spc="-1">
                 <a:solidFill>
                   <a:srgbClr val="000000"/>
                 </a:solidFill>
@@ -4516,15 +5163,9 @@
               </a:rPr>
               <a:t>Second Outline Level</a:t>
             </a:r>
-            <a:endParaRPr b="0" lang="en-US" sz="1300" spc="-1" strike="noStrike">
-              <a:solidFill>
-                <a:srgbClr val="000000"/>
-              </a:solidFill>
-              <a:latin typeface="Arial"/>
-            </a:endParaRPr>
-          </a:p>
-          <a:p>
-            <a:pPr lvl="2" marL="1296000" indent="-288000" algn="ctr">
+          </a:p>
+          <a:p>
+            <a:pPr marL="1296000" lvl="2" indent="-288000" algn="ctr">
               <a:spcBef>
                 <a:spcPts val="850"/>
               </a:spcBef>
@@ -4536,7 +5177,7 @@
               <a:buChar char=""/>
             </a:pPr>
             <a:r>
-              <a:rPr b="0" lang="en-US" sz="1300" spc="-1" strike="noStrike">
+              <a:rPr lang="en-US" sz="1300" b="0" strike="noStrike" spc="-1">
                 <a:solidFill>
                   <a:srgbClr val="000000"/>
                 </a:solidFill>
@@ -4544,15 +5185,9 @@
               </a:rPr>
               <a:t>Third Outline Level</a:t>
             </a:r>
-            <a:endParaRPr b="0" lang="en-US" sz="1300" spc="-1" strike="noStrike">
-              <a:solidFill>
-                <a:srgbClr val="000000"/>
-              </a:solidFill>
-              <a:latin typeface="Arial"/>
-            </a:endParaRPr>
-          </a:p>
-          <a:p>
-            <a:pPr lvl="3" marL="1728000" indent="-216000" algn="ctr">
+          </a:p>
+          <a:p>
+            <a:pPr marL="1728000" lvl="3" indent="-216000" algn="ctr">
               <a:spcBef>
                 <a:spcPts val="567"/>
               </a:spcBef>
@@ -4564,7 +5199,7 @@
               <a:buChar char=""/>
             </a:pPr>
             <a:r>
-              <a:rPr b="0" lang="en-US" sz="1300" spc="-1" strike="noStrike">
+              <a:rPr lang="en-US" sz="1300" b="0" strike="noStrike" spc="-1">
                 <a:solidFill>
                   <a:srgbClr val="000000"/>
                 </a:solidFill>
@@ -4572,15 +5207,9 @@
               </a:rPr>
               <a:t>Fourth Outline Level</a:t>
             </a:r>
-            <a:endParaRPr b="0" lang="en-US" sz="1300" spc="-1" strike="noStrike">
-              <a:solidFill>
-                <a:srgbClr val="000000"/>
-              </a:solidFill>
-              <a:latin typeface="Arial"/>
-            </a:endParaRPr>
-          </a:p>
-          <a:p>
-            <a:pPr lvl="4" marL="2160000" indent="-216000" algn="ctr">
+          </a:p>
+          <a:p>
+            <a:pPr marL="2160000" lvl="4" indent="-216000" algn="ctr">
               <a:spcBef>
                 <a:spcPts val="283"/>
               </a:spcBef>
@@ -4592,7 +5221,7 @@
               <a:buChar char=""/>
             </a:pPr>
             <a:r>
-              <a:rPr b="0" lang="en-US" sz="1300" spc="-1" strike="noStrike">
+              <a:rPr lang="en-US" sz="1300" b="0" strike="noStrike" spc="-1">
                 <a:solidFill>
                   <a:srgbClr val="000000"/>
                 </a:solidFill>
@@ -4600,15 +5229,9 @@
               </a:rPr>
               <a:t>Fifth Outline Level</a:t>
             </a:r>
-            <a:endParaRPr b="0" lang="en-US" sz="1300" spc="-1" strike="noStrike">
-              <a:solidFill>
-                <a:srgbClr val="000000"/>
-              </a:solidFill>
-              <a:latin typeface="Arial"/>
-            </a:endParaRPr>
-          </a:p>
-          <a:p>
-            <a:pPr lvl="5" marL="2592000" indent="-216000" algn="ctr">
+          </a:p>
+          <a:p>
+            <a:pPr marL="2592000" lvl="5" indent="-216000" algn="ctr">
               <a:spcBef>
                 <a:spcPts val="283"/>
               </a:spcBef>
@@ -4620,7 +5243,7 @@
               <a:buChar char=""/>
             </a:pPr>
             <a:r>
-              <a:rPr b="0" lang="en-US" sz="1300" spc="-1" strike="noStrike">
+              <a:rPr lang="en-US" sz="1300" b="0" strike="noStrike" spc="-1">
                 <a:solidFill>
                   <a:srgbClr val="000000"/>
                 </a:solidFill>
@@ -4628,15 +5251,9 @@
               </a:rPr>
               <a:t>Sixth Outline Level</a:t>
             </a:r>
-            <a:endParaRPr b="0" lang="en-US" sz="1300" spc="-1" strike="noStrike">
-              <a:solidFill>
-                <a:srgbClr val="000000"/>
-              </a:solidFill>
-              <a:latin typeface="Arial"/>
-            </a:endParaRPr>
-          </a:p>
-          <a:p>
-            <a:pPr lvl="6" marL="3024000" indent="-216000" algn="ctr">
+          </a:p>
+          <a:p>
+            <a:pPr marL="3024000" lvl="6" indent="-216000" algn="ctr">
               <a:spcBef>
                 <a:spcPts val="283"/>
               </a:spcBef>
@@ -4648,7 +5265,7 @@
               <a:buChar char=""/>
             </a:pPr>
             <a:r>
-              <a:rPr b="0" lang="en-US" sz="1300" spc="-1" strike="noStrike">
+              <a:rPr lang="en-US" sz="1300" b="0" strike="noStrike" spc="-1">
                 <a:solidFill>
                   <a:srgbClr val="000000"/>
                 </a:solidFill>
@@ -4656,12 +5273,6 @@
               </a:rPr>
               <a:t>Seventh Outline Level</a:t>
             </a:r>
-            <a:endParaRPr b="0" lang="en-US" sz="1300" spc="-1" strike="noStrike">
-              <a:solidFill>
-                <a:srgbClr val="000000"/>
-              </a:solidFill>
-              <a:latin typeface="Arial"/>
-            </a:endParaRPr>
           </a:p>
         </p:txBody>
       </p:sp>
@@ -4688,6 +5299,7 @@
           <a:bodyPr tIns="91440" bIns="91440" anchor="ctr">
             <a:noAutofit/>
           </a:bodyPr>
+          <a:lstStyle/>
           <a:p>
             <a:pPr algn="r">
               <a:lnSpc>
@@ -4695,16 +5307,16 @@
               </a:lnSpc>
             </a:pPr>
             <a:fld id="{10543525-545A-40B4-A7A3-5FC5B3D3F0DA}" type="slidenum">
-              <a:rPr b="0" lang="en-US" sz="900" spc="-1" strike="noStrike">
+              <a:rPr lang="en-US" sz="900" b="0" strike="noStrike" spc="-1">
                 <a:solidFill>
                   <a:srgbClr val="424242"/>
                 </a:solidFill>
                 <a:latin typeface="Nunito"/>
                 <a:ea typeface="Nunito"/>
               </a:rPr>
-              <a:t>&lt;number&gt;</a:t>
+              <a:t>‹#›</a:t>
             </a:fld>
-            <a:endParaRPr b="0" lang="en-US" sz="900" spc="-1" strike="noStrike">
+            <a:endParaRPr lang="en-US" sz="900" b="0" strike="noStrike" spc="-1">
               <a:latin typeface="Times New Roman"/>
             </a:endParaRPr>
           </a:p>
@@ -4712,26 +5324,306 @@
       </p:sp>
     </p:spTree>
   </p:cSld>
-  <p:clrMap bg1="lt1" bg2="lt2" tx1="dk1" tx2="dk2" accent1="accent1" accent2="accent2" accent3="accent3" accent4="accent4" accent5="accent5" accent6="accent6" hlink="hlink" folHlink="folHlink"/>
+  <p:clrMap bg1="lt1" tx1="dk1" bg2="lt2" tx2="dk2" accent1="accent1" accent2="accent2" accent3="accent3" accent4="accent4" accent5="accent5" accent6="accent6" hlink="hlink" folHlink="folHlink"/>
   <p:sldLayoutIdLst>
-    <p:sldLayoutId id="2147483662" r:id="rId2"/>
-    <p:sldLayoutId id="2147483663" r:id="rId3"/>
-    <p:sldLayoutId id="2147483664" r:id="rId4"/>
-    <p:sldLayoutId id="2147483665" r:id="rId5"/>
-    <p:sldLayoutId id="2147483666" r:id="rId6"/>
-    <p:sldLayoutId id="2147483667" r:id="rId7"/>
-    <p:sldLayoutId id="2147483668" r:id="rId8"/>
-    <p:sldLayoutId id="2147483669" r:id="rId9"/>
-    <p:sldLayoutId id="2147483670" r:id="rId10"/>
-    <p:sldLayoutId id="2147483671" r:id="rId11"/>
-    <p:sldLayoutId id="2147483672" r:id="rId12"/>
-    <p:sldLayoutId id="2147483673" r:id="rId13"/>
+    <p:sldLayoutId id="2147483662" r:id="rId1"/>
+    <p:sldLayoutId id="2147483663" r:id="rId2"/>
+    <p:sldLayoutId id="2147483664" r:id="rId3"/>
+    <p:sldLayoutId id="2147483665" r:id="rId4"/>
+    <p:sldLayoutId id="2147483666" r:id="rId5"/>
+    <p:sldLayoutId id="2147483667" r:id="rId6"/>
+    <p:sldLayoutId id="2147483668" r:id="rId7"/>
+    <p:sldLayoutId id="2147483669" r:id="rId8"/>
+    <p:sldLayoutId id="2147483670" r:id="rId9"/>
+    <p:sldLayoutId id="2147483671" r:id="rId10"/>
+    <p:sldLayoutId id="2147483672" r:id="rId11"/>
+    <p:sldLayoutId id="2147483673" r:id="rId12"/>
   </p:sldLayoutIdLst>
+  <p:txStyles>
+    <p:titleStyle>
+      <a:lvl1pPr algn="l" defTabSz="914400" rtl="0" eaLnBrk="1" latinLnBrk="1" hangingPunct="1">
+        <a:lnSpc>
+          <a:spcPct val="90000"/>
+        </a:lnSpc>
+        <a:spcBef>
+          <a:spcPct val="0"/>
+        </a:spcBef>
+        <a:buNone/>
+        <a:defRPr sz="4400" kern="1200">
+          <a:solidFill>
+            <a:schemeClr val="tx1"/>
+          </a:solidFill>
+          <a:latin typeface="+mj-lt"/>
+          <a:ea typeface="+mj-ea"/>
+          <a:cs typeface="+mj-cs"/>
+        </a:defRPr>
+      </a:lvl1pPr>
+    </p:titleStyle>
+    <p:bodyStyle>
+      <a:lvl1pPr marL="228600" indent="-228600" algn="l" defTabSz="914400" rtl="0" eaLnBrk="1" latinLnBrk="1" hangingPunct="1">
+        <a:lnSpc>
+          <a:spcPct val="90000"/>
+        </a:lnSpc>
+        <a:spcBef>
+          <a:spcPts val="1000"/>
+        </a:spcBef>
+        <a:buFont typeface="Arial" panose="020B0604020202020204" pitchFamily="34" charset="0"/>
+        <a:buChar char="•"/>
+        <a:defRPr sz="2800" kern="1200">
+          <a:solidFill>
+            <a:schemeClr val="tx1"/>
+          </a:solidFill>
+          <a:latin typeface="+mn-lt"/>
+          <a:ea typeface="+mn-ea"/>
+          <a:cs typeface="+mn-cs"/>
+        </a:defRPr>
+      </a:lvl1pPr>
+      <a:lvl2pPr marL="685800" indent="-228600" algn="l" defTabSz="914400" rtl="0" eaLnBrk="1" latinLnBrk="1" hangingPunct="1">
+        <a:lnSpc>
+          <a:spcPct val="90000"/>
+        </a:lnSpc>
+        <a:spcBef>
+          <a:spcPts val="500"/>
+        </a:spcBef>
+        <a:buFont typeface="Arial" panose="020B0604020202020204" pitchFamily="34" charset="0"/>
+        <a:buChar char="•"/>
+        <a:defRPr sz="2400" kern="1200">
+          <a:solidFill>
+            <a:schemeClr val="tx1"/>
+          </a:solidFill>
+          <a:latin typeface="+mn-lt"/>
+          <a:ea typeface="+mn-ea"/>
+          <a:cs typeface="+mn-cs"/>
+        </a:defRPr>
+      </a:lvl2pPr>
+      <a:lvl3pPr marL="1143000" indent="-228600" algn="l" defTabSz="914400" rtl="0" eaLnBrk="1" latinLnBrk="1" hangingPunct="1">
+        <a:lnSpc>
+          <a:spcPct val="90000"/>
+        </a:lnSpc>
+        <a:spcBef>
+          <a:spcPts val="500"/>
+        </a:spcBef>
+        <a:buFont typeface="Arial" panose="020B0604020202020204" pitchFamily="34" charset="0"/>
+        <a:buChar char="•"/>
+        <a:defRPr sz="2000" kern="1200">
+          <a:solidFill>
+            <a:schemeClr val="tx1"/>
+          </a:solidFill>
+          <a:latin typeface="+mn-lt"/>
+          <a:ea typeface="+mn-ea"/>
+          <a:cs typeface="+mn-cs"/>
+        </a:defRPr>
+      </a:lvl3pPr>
+      <a:lvl4pPr marL="1600200" indent="-228600" algn="l" defTabSz="914400" rtl="0" eaLnBrk="1" latinLnBrk="1" hangingPunct="1">
+        <a:lnSpc>
+          <a:spcPct val="90000"/>
+        </a:lnSpc>
+        <a:spcBef>
+          <a:spcPts val="500"/>
+        </a:spcBef>
+        <a:buFont typeface="Arial" panose="020B0604020202020204" pitchFamily="34" charset="0"/>
+        <a:buChar char="•"/>
+        <a:defRPr sz="1800" kern="1200">
+          <a:solidFill>
+            <a:schemeClr val="tx1"/>
+          </a:solidFill>
+          <a:latin typeface="+mn-lt"/>
+          <a:ea typeface="+mn-ea"/>
+          <a:cs typeface="+mn-cs"/>
+        </a:defRPr>
+      </a:lvl4pPr>
+      <a:lvl5pPr marL="2057400" indent="-228600" algn="l" defTabSz="914400" rtl="0" eaLnBrk="1" latinLnBrk="1" hangingPunct="1">
+        <a:lnSpc>
+          <a:spcPct val="90000"/>
+        </a:lnSpc>
+        <a:spcBef>
+          <a:spcPts val="500"/>
+        </a:spcBef>
+        <a:buFont typeface="Arial" panose="020B0604020202020204" pitchFamily="34" charset="0"/>
+        <a:buChar char="•"/>
+        <a:defRPr sz="1800" kern="1200">
+          <a:solidFill>
+            <a:schemeClr val="tx1"/>
+          </a:solidFill>
+          <a:latin typeface="+mn-lt"/>
+          <a:ea typeface="+mn-ea"/>
+          <a:cs typeface="+mn-cs"/>
+        </a:defRPr>
+      </a:lvl5pPr>
+      <a:lvl6pPr marL="2514600" indent="-228600" algn="l" defTabSz="914400" rtl="0" eaLnBrk="1" latinLnBrk="1" hangingPunct="1">
+        <a:lnSpc>
+          <a:spcPct val="90000"/>
+        </a:lnSpc>
+        <a:spcBef>
+          <a:spcPts val="500"/>
+        </a:spcBef>
+        <a:buFont typeface="Arial" panose="020B0604020202020204" pitchFamily="34" charset="0"/>
+        <a:buChar char="•"/>
+        <a:defRPr sz="1800" kern="1200">
+          <a:solidFill>
+            <a:schemeClr val="tx1"/>
+          </a:solidFill>
+          <a:latin typeface="+mn-lt"/>
+          <a:ea typeface="+mn-ea"/>
+          <a:cs typeface="+mn-cs"/>
+        </a:defRPr>
+      </a:lvl6pPr>
+      <a:lvl7pPr marL="2971800" indent="-228600" algn="l" defTabSz="914400" rtl="0" eaLnBrk="1" latinLnBrk="1" hangingPunct="1">
+        <a:lnSpc>
+          <a:spcPct val="90000"/>
+        </a:lnSpc>
+        <a:spcBef>
+          <a:spcPts val="500"/>
+        </a:spcBef>
+        <a:buFont typeface="Arial" panose="020B0604020202020204" pitchFamily="34" charset="0"/>
+        <a:buChar char="•"/>
+        <a:defRPr sz="1800" kern="1200">
+          <a:solidFill>
+            <a:schemeClr val="tx1"/>
+          </a:solidFill>
+          <a:latin typeface="+mn-lt"/>
+          <a:ea typeface="+mn-ea"/>
+          <a:cs typeface="+mn-cs"/>
+        </a:defRPr>
+      </a:lvl7pPr>
+      <a:lvl8pPr marL="3429000" indent="-228600" algn="l" defTabSz="914400" rtl="0" eaLnBrk="1" latinLnBrk="1" hangingPunct="1">
+        <a:lnSpc>
+          <a:spcPct val="90000"/>
+        </a:lnSpc>
+        <a:spcBef>
+          <a:spcPts val="500"/>
+        </a:spcBef>
+        <a:buFont typeface="Arial" panose="020B0604020202020204" pitchFamily="34" charset="0"/>
+        <a:buChar char="•"/>
+        <a:defRPr sz="1800" kern="1200">
+          <a:solidFill>
+            <a:schemeClr val="tx1"/>
+          </a:solidFill>
+          <a:latin typeface="+mn-lt"/>
+          <a:ea typeface="+mn-ea"/>
+          <a:cs typeface="+mn-cs"/>
+        </a:defRPr>
+      </a:lvl8pPr>
+      <a:lvl9pPr marL="3886200" indent="-228600" algn="l" defTabSz="914400" rtl="0" eaLnBrk="1" latinLnBrk="1" hangingPunct="1">
+        <a:lnSpc>
+          <a:spcPct val="90000"/>
+        </a:lnSpc>
+        <a:spcBef>
+          <a:spcPts val="500"/>
+        </a:spcBef>
+        <a:buFont typeface="Arial" panose="020B0604020202020204" pitchFamily="34" charset="0"/>
+        <a:buChar char="•"/>
+        <a:defRPr sz="1800" kern="1200">
+          <a:solidFill>
+            <a:schemeClr val="tx1"/>
+          </a:solidFill>
+          <a:latin typeface="+mn-lt"/>
+          <a:ea typeface="+mn-ea"/>
+          <a:cs typeface="+mn-cs"/>
+        </a:defRPr>
+      </a:lvl9pPr>
+    </p:bodyStyle>
+    <p:otherStyle>
+      <a:defPPr>
+        <a:defRPr lang="ko-KR"/>
+      </a:defPPr>
+      <a:lvl1pPr marL="0" algn="l" defTabSz="914400" rtl="0" eaLnBrk="1" latinLnBrk="1" hangingPunct="1">
+        <a:defRPr sz="1800" kern="1200">
+          <a:solidFill>
+            <a:schemeClr val="tx1"/>
+          </a:solidFill>
+          <a:latin typeface="+mn-lt"/>
+          <a:ea typeface="+mn-ea"/>
+          <a:cs typeface="+mn-cs"/>
+        </a:defRPr>
+      </a:lvl1pPr>
+      <a:lvl2pPr marL="457200" algn="l" defTabSz="914400" rtl="0" eaLnBrk="1" latinLnBrk="1" hangingPunct="1">
+        <a:defRPr sz="1800" kern="1200">
+          <a:solidFill>
+            <a:schemeClr val="tx1"/>
+          </a:solidFill>
+          <a:latin typeface="+mn-lt"/>
+          <a:ea typeface="+mn-ea"/>
+          <a:cs typeface="+mn-cs"/>
+        </a:defRPr>
+      </a:lvl2pPr>
+      <a:lvl3pPr marL="914400" algn="l" defTabSz="914400" rtl="0" eaLnBrk="1" latinLnBrk="1" hangingPunct="1">
+        <a:defRPr sz="1800" kern="1200">
+          <a:solidFill>
+            <a:schemeClr val="tx1"/>
+          </a:solidFill>
+          <a:latin typeface="+mn-lt"/>
+          <a:ea typeface="+mn-ea"/>
+          <a:cs typeface="+mn-cs"/>
+        </a:defRPr>
+      </a:lvl3pPr>
+      <a:lvl4pPr marL="1371600" algn="l" defTabSz="914400" rtl="0" eaLnBrk="1" latinLnBrk="1" hangingPunct="1">
+        <a:defRPr sz="1800" kern="1200">
+          <a:solidFill>
+            <a:schemeClr val="tx1"/>
+          </a:solidFill>
+          <a:latin typeface="+mn-lt"/>
+          <a:ea typeface="+mn-ea"/>
+          <a:cs typeface="+mn-cs"/>
+        </a:defRPr>
+      </a:lvl4pPr>
+      <a:lvl5pPr marL="1828800" algn="l" defTabSz="914400" rtl="0" eaLnBrk="1" latinLnBrk="1" hangingPunct="1">
+        <a:defRPr sz="1800" kern="1200">
+          <a:solidFill>
+            <a:schemeClr val="tx1"/>
+          </a:solidFill>
+          <a:latin typeface="+mn-lt"/>
+          <a:ea typeface="+mn-ea"/>
+          <a:cs typeface="+mn-cs"/>
+        </a:defRPr>
+      </a:lvl5pPr>
+      <a:lvl6pPr marL="2286000" algn="l" defTabSz="914400" rtl="0" eaLnBrk="1" latinLnBrk="1" hangingPunct="1">
+        <a:defRPr sz="1800" kern="1200">
+          <a:solidFill>
+            <a:schemeClr val="tx1"/>
+          </a:solidFill>
+          <a:latin typeface="+mn-lt"/>
+          <a:ea typeface="+mn-ea"/>
+          <a:cs typeface="+mn-cs"/>
+        </a:defRPr>
+      </a:lvl6pPr>
+      <a:lvl7pPr marL="2743200" algn="l" defTabSz="914400" rtl="0" eaLnBrk="1" latinLnBrk="1" hangingPunct="1">
+        <a:defRPr sz="1800" kern="1200">
+          <a:solidFill>
+            <a:schemeClr val="tx1"/>
+          </a:solidFill>
+          <a:latin typeface="+mn-lt"/>
+          <a:ea typeface="+mn-ea"/>
+          <a:cs typeface="+mn-cs"/>
+        </a:defRPr>
+      </a:lvl7pPr>
+      <a:lvl8pPr marL="3200400" algn="l" defTabSz="914400" rtl="0" eaLnBrk="1" latinLnBrk="1" hangingPunct="1">
+        <a:defRPr sz="1800" kern="1200">
+          <a:solidFill>
+            <a:schemeClr val="tx1"/>
+          </a:solidFill>
+          <a:latin typeface="+mn-lt"/>
+          <a:ea typeface="+mn-ea"/>
+          <a:cs typeface="+mn-cs"/>
+        </a:defRPr>
+      </a:lvl8pPr>
+      <a:lvl9pPr marL="3657600" algn="l" defTabSz="914400" rtl="0" eaLnBrk="1" latinLnBrk="1" hangingPunct="1">
+        <a:defRPr sz="1800" kern="1200">
+          <a:solidFill>
+            <a:schemeClr val="tx1"/>
+          </a:solidFill>
+          <a:latin typeface="+mn-lt"/>
+          <a:ea typeface="+mn-ea"/>
+          <a:cs typeface="+mn-cs"/>
+        </a:defRPr>
+      </a:lvl9pPr>
+    </p:otherStyle>
+  </p:txStyles>
 </p:sldMaster>
 </file>
 
 <file path=ppt/slides/slide1.xml><?xml version="1.0" encoding="utf-8"?>
-<p:sld xmlns:a="http://schemas.openxmlformats.org/drawingml/2006/main" xmlns:p="http://schemas.openxmlformats.org/presentationml/2006/main" xmlns:r="http://schemas.openxmlformats.org/officeDocument/2006/relationships" xmlns:p14="http://schemas.microsoft.com/office/powerpoint/2010/main" xmlns:p15="http://schemas.microsoft.com/office/powerpoint/2012/main" xmlns:mc="http://schemas.openxmlformats.org/markup-compatibility/2006">
+<p:sld xmlns:a="http://schemas.openxmlformats.org/drawingml/2006/main" xmlns:r="http://schemas.openxmlformats.org/officeDocument/2006/relationships" xmlns:p="http://schemas.openxmlformats.org/presentationml/2006/main">
   <p:cSld>
     <p:spTree>
       <p:nvGrpSpPr>
@@ -4770,6 +5662,7 @@
           <a:bodyPr tIns="91440" bIns="91440" anchor="ctr">
             <a:noAutofit/>
           </a:bodyPr>
+          <a:lstStyle/>
           <a:p>
             <a:pPr>
               <a:lnSpc>
@@ -4777,9 +5670,9 @@
               </a:lnSpc>
             </a:pPr>
             <a:r>
-              <a:rPr b="1" lang="ko" sz="3600" spc="-1" strike="noStrike">
-                <a:solidFill>
-                  <a:srgbClr val="ffffff"/>
+              <a:rPr lang="ko" sz="3600" b="1" strike="noStrike" spc="-1">
+                <a:solidFill>
+                  <a:srgbClr val="FFFFFF"/>
                 </a:solidFill>
                 <a:latin typeface="Maven Pro"/>
                 <a:ea typeface="Maven Pro"/>
@@ -4788,16 +5681,16 @@
             </a:r>
             <a:br/>
             <a:r>
-              <a:rPr b="1" lang="en-US" sz="3600" spc="-1" strike="noStrike">
-                <a:solidFill>
-                  <a:srgbClr val="ffffff"/>
+              <a:rPr lang="en-US" sz="3600" b="1" strike="noStrike" spc="-1">
+                <a:solidFill>
+                  <a:srgbClr val="FFFFFF"/>
                 </a:solidFill>
                 <a:latin typeface="Maven Pro"/>
                 <a:ea typeface="Maven Pro"/>
               </a:rPr>
               <a:t>(+BlockChain3.0)</a:t>
             </a:r>
-            <a:endParaRPr b="0" lang="en-US" sz="3600" spc="-1" strike="noStrike">
+            <a:endParaRPr lang="en-US" sz="3600" b="0" strike="noStrike" spc="-1">
               <a:solidFill>
                 <a:srgbClr val="000000"/>
               </a:solidFill>
@@ -4829,6 +5722,7 @@
           <a:bodyPr tIns="91440" bIns="91440">
             <a:noAutofit/>
           </a:bodyPr>
+          <a:lstStyle/>
           <a:p>
             <a:pPr>
               <a:lnSpc>
@@ -4836,9 +5730,9 @@
               </a:lnSpc>
             </a:pPr>
             <a:r>
-              <a:rPr b="0" lang="en-US" sz="1600" spc="-1" strike="noStrike">
-                <a:solidFill>
-                  <a:srgbClr val="ffffff"/>
+              <a:rPr lang="en-US" sz="1600" b="0" strike="noStrike" spc="-1">
+                <a:solidFill>
+                  <a:srgbClr val="FFFFFF"/>
                 </a:solidFill>
                 <a:latin typeface="Nunito"/>
                 <a:ea typeface="Nunito"/>
@@ -4846,16 +5740,16 @@
               <a:t>[WeekdaysIdea] </a:t>
             </a:r>
             <a:r>
-              <a:rPr b="0" lang="ko" sz="1600" spc="-1" strike="noStrike">
-                <a:solidFill>
-                  <a:srgbClr val="ffffff"/>
+              <a:rPr lang="ko" sz="1600" b="0" strike="noStrike" spc="-1">
+                <a:solidFill>
+                  <a:srgbClr val="FFFFFF"/>
                 </a:solidFill>
                 <a:latin typeface="Nunito"/>
                 <a:ea typeface="Nunito"/>
               </a:rPr>
               <a:t>박지은 이재호</a:t>
             </a:r>
-            <a:endParaRPr b="0" lang="en-US" sz="1600" spc="-1" strike="noStrike">
+            <a:endParaRPr lang="en-US" sz="1600" b="0" strike="noStrike" spc="-1">
               <a:latin typeface="Arial"/>
             </a:endParaRPr>
           </a:p>
@@ -4863,19 +5757,14 @@
       </p:sp>
     </p:spTree>
   </p:cSld>
-  <mc:AlternateContent>
-    <mc:Choice Requires="p14">
-      <p:transition spd="slow" p14:dur="2000"/>
-    </mc:Choice>
-    <mc:Fallback>
-      <p:transition spd="slow"/>
-    </mc:Fallback>
-  </mc:AlternateContent>
+  <p:clrMapOvr>
+    <a:masterClrMapping/>
+  </p:clrMapOvr>
 </p:sld>
 </file>
 
 <file path=ppt/slides/slide10.xml><?xml version="1.0" encoding="utf-8"?>
-<p:sld xmlns:a="http://schemas.openxmlformats.org/drawingml/2006/main" xmlns:p="http://schemas.openxmlformats.org/presentationml/2006/main" xmlns:r="http://schemas.openxmlformats.org/officeDocument/2006/relationships" xmlns:p14="http://schemas.microsoft.com/office/powerpoint/2010/main" xmlns:p15="http://schemas.microsoft.com/office/powerpoint/2012/main" xmlns:mc="http://schemas.openxmlformats.org/markup-compatibility/2006">
+<p:sld xmlns:a="http://schemas.openxmlformats.org/drawingml/2006/main" xmlns:r="http://schemas.openxmlformats.org/officeDocument/2006/relationships" xmlns:p="http://schemas.openxmlformats.org/presentationml/2006/main">
   <p:cSld>
     <p:spTree>
       <p:nvGrpSpPr>
@@ -4914,6 +5803,7 @@
           <a:bodyPr tIns="91440" bIns="91440">
             <a:noAutofit/>
           </a:bodyPr>
+          <a:lstStyle/>
           <a:p>
             <a:pPr>
               <a:lnSpc>
@@ -4921,7 +5811,7 @@
               </a:lnSpc>
             </a:pPr>
             <a:r>
-              <a:rPr b="1" lang="ko" sz="2800" spc="-1" strike="noStrike">
+              <a:rPr lang="ko" sz="2800" b="1" strike="noStrike" spc="-1">
                 <a:solidFill>
                   <a:srgbClr val="424242"/>
                 </a:solidFill>
@@ -4930,7 +5820,7 @@
               </a:rPr>
               <a:t>설문조사</a:t>
             </a:r>
-            <a:endParaRPr b="0" lang="en-US" sz="2800" spc="-1" strike="noStrike">
+            <a:endParaRPr lang="en-US" sz="2800" b="0" strike="noStrike" spc="-1">
               <a:solidFill>
                 <a:srgbClr val="000000"/>
               </a:solidFill>
@@ -4962,6 +5852,7 @@
           <a:bodyPr tIns="91440" bIns="91440">
             <a:noAutofit/>
           </a:bodyPr>
+          <a:lstStyle/>
           <a:p>
             <a:pPr>
               <a:lnSpc>
@@ -4969,7 +5860,7 @@
               </a:lnSpc>
             </a:pPr>
             <a:r>
-              <a:rPr b="0" lang="ko" sz="1300" spc="-1" strike="noStrike">
+              <a:rPr lang="ko" sz="1300" b="0" strike="noStrike" spc="-1">
                 <a:solidFill>
                   <a:srgbClr val="000000"/>
                 </a:solidFill>
@@ -4978,7 +5869,7 @@
               </a:rPr>
               <a:t>추가되었으면 하는 기능</a:t>
             </a:r>
-            <a:endParaRPr b="0" lang="en-US" sz="1300" spc="-1" strike="noStrike">
+            <a:endParaRPr lang="en-US" sz="1300" b="0" strike="noStrike" spc="-1">
               <a:solidFill>
                 <a:srgbClr val="000000"/>
               </a:solidFill>
@@ -5000,12 +5891,12 @@
               <a:buAutoNum type="arabicPeriod"/>
             </a:pPr>
             <a:r>
-              <a:rPr b="0" lang="ko" sz="1050" spc="-1" strike="noStrike">
+              <a:rPr lang="ko" sz="1050" b="0" strike="noStrike" spc="-1">
                 <a:solidFill>
                   <a:srgbClr val="000000"/>
                 </a:solidFill>
                 <a:highlight>
-                  <a:srgbClr val="f8f9fa"/>
+                  <a:srgbClr val="F8F9FA"/>
                 </a:highlight>
                 <a:latin typeface="Arial"/>
                 <a:ea typeface="Arial"/>
@@ -5013,12 +5904,12 @@
               <a:t>의사 랭킹</a:t>
             </a:r>
             <a:r>
-              <a:rPr b="0" lang="en-US" sz="1050" spc="-1" strike="noStrike">
+              <a:rPr lang="en-US" sz="1050" b="0" strike="noStrike" spc="-1">
                 <a:solidFill>
                   <a:srgbClr val="000000"/>
                 </a:solidFill>
                 <a:highlight>
-                  <a:srgbClr val="f8f9fa"/>
+                  <a:srgbClr val="F8F9FA"/>
                 </a:highlight>
                 <a:latin typeface="Arial"/>
                 <a:ea typeface="Arial"/>
@@ -5026,12 +5917,12 @@
               <a:t>(</a:t>
             </a:r>
             <a:r>
-              <a:rPr b="0" lang="ko" sz="1050" spc="-1" strike="noStrike">
+              <a:rPr lang="ko" sz="1050" b="0" strike="noStrike" spc="-1">
                 <a:solidFill>
                   <a:srgbClr val="000000"/>
                 </a:solidFill>
                 <a:highlight>
-                  <a:srgbClr val="f8f9fa"/>
+                  <a:srgbClr val="F8F9FA"/>
                 </a:highlight>
                 <a:latin typeface="Arial"/>
                 <a:ea typeface="Arial"/>
@@ -5039,19 +5930,19 @@
               <a:t>평가 시스템</a:t>
             </a:r>
             <a:r>
-              <a:rPr b="0" lang="en-US" sz="1050" spc="-1" strike="noStrike">
+              <a:rPr lang="en-US" sz="1050" b="0" strike="noStrike" spc="-1">
                 <a:solidFill>
                   <a:srgbClr val="000000"/>
                 </a:solidFill>
                 <a:highlight>
-                  <a:srgbClr val="f8f9fa"/>
+                  <a:srgbClr val="F8F9FA"/>
                 </a:highlight>
                 <a:latin typeface="Arial"/>
                 <a:ea typeface="Arial"/>
               </a:rPr>
               <a:t>)</a:t>
             </a:r>
-            <a:endParaRPr b="0" lang="en-US" sz="1050" spc="-1" strike="noStrike">
+            <a:endParaRPr lang="en-US" sz="1050" b="0" strike="noStrike" spc="-1">
               <a:solidFill>
                 <a:srgbClr val="000000"/>
               </a:solidFill>
@@ -5073,19 +5964,19 @@
               <a:buAutoNum type="arabicPeriod"/>
             </a:pPr>
             <a:r>
-              <a:rPr b="0" lang="ko" sz="1050" spc="-1" strike="noStrike">
+              <a:rPr lang="ko" sz="1050" b="0" strike="noStrike" spc="-1">
                 <a:solidFill>
                   <a:srgbClr val="000000"/>
                 </a:solidFill>
                 <a:highlight>
-                  <a:srgbClr val="f8f9fa"/>
+                  <a:srgbClr val="F8F9FA"/>
                 </a:highlight>
                 <a:latin typeface="Arial"/>
                 <a:ea typeface="Arial"/>
               </a:rPr>
               <a:t>나무 관리등의 정보 공유 팁</a:t>
             </a:r>
-            <a:endParaRPr b="0" lang="en-US" sz="1050" spc="-1" strike="noStrike">
+            <a:endParaRPr lang="en-US" sz="1050" b="0" strike="noStrike" spc="-1">
               <a:solidFill>
                 <a:srgbClr val="000000"/>
               </a:solidFill>
@@ -5107,19 +5998,19 @@
               <a:buAutoNum type="arabicPeriod"/>
             </a:pPr>
             <a:r>
-              <a:rPr b="0" lang="ko" sz="1050" spc="-1" strike="noStrike">
+              <a:rPr lang="ko" sz="1050" b="0" strike="noStrike" spc="-1">
                 <a:solidFill>
                   <a:srgbClr val="000000"/>
                 </a:solidFill>
                 <a:highlight>
-                  <a:srgbClr val="f8f9fa"/>
+                  <a:srgbClr val="F8F9FA"/>
                 </a:highlight>
                 <a:latin typeface="Arial"/>
                 <a:ea typeface="Arial"/>
               </a:rPr>
               <a:t>진료신청을 한 후 수정이나 취소기능이 필요하다고 생각한다</a:t>
             </a:r>
-            <a:endParaRPr b="0" lang="en-US" sz="1050" spc="-1" strike="noStrike">
+            <a:endParaRPr lang="en-US" sz="1050" b="0" strike="noStrike" spc="-1">
               <a:solidFill>
                 <a:srgbClr val="000000"/>
               </a:solidFill>
@@ -5141,19 +6032,19 @@
               <a:buAutoNum type="arabicPeriod"/>
             </a:pPr>
             <a:r>
-              <a:rPr b="0" lang="ko" sz="1050" spc="-1" strike="noStrike">
+              <a:rPr lang="ko" sz="1050" b="0" strike="noStrike" spc="-1">
                 <a:solidFill>
                   <a:srgbClr val="000000"/>
                 </a:solidFill>
                 <a:highlight>
-                  <a:srgbClr val="f8f9fa"/>
+                  <a:srgbClr val="F8F9FA"/>
                 </a:highlight>
                 <a:latin typeface="Arial"/>
                 <a:ea typeface="Arial"/>
               </a:rPr>
               <a:t>현재 등록되어있는 나무의사의 명단</a:t>
             </a:r>
-            <a:endParaRPr b="0" lang="en-US" sz="1050" spc="-1" strike="noStrike">
+            <a:endParaRPr lang="en-US" sz="1050" b="0" strike="noStrike" spc="-1">
               <a:solidFill>
                 <a:srgbClr val="000000"/>
               </a:solidFill>
@@ -5172,7 +6063,7 @@
                 <a:spcPts val="1599"/>
               </a:spcAft>
             </a:pPr>
-            <a:endParaRPr b="0" lang="en-US" sz="1050" spc="-1" strike="noStrike">
+            <a:endParaRPr lang="en-US" sz="1050" b="0" strike="noStrike" spc="-1">
               <a:solidFill>
                 <a:srgbClr val="000000"/>
               </a:solidFill>
@@ -5183,19 +6074,14 @@
       </p:sp>
     </p:spTree>
   </p:cSld>
-  <mc:AlternateContent>
-    <mc:Choice Requires="p14">
-      <p:transition spd="slow" p14:dur="2000"/>
-    </mc:Choice>
-    <mc:Fallback>
-      <p:transition spd="slow"/>
-    </mc:Fallback>
-  </mc:AlternateContent>
+  <p:clrMapOvr>
+    <a:masterClrMapping/>
+  </p:clrMapOvr>
 </p:sld>
 </file>
 
 <file path=ppt/slides/slide11.xml><?xml version="1.0" encoding="utf-8"?>
-<p:sld xmlns:a="http://schemas.openxmlformats.org/drawingml/2006/main" xmlns:p="http://schemas.openxmlformats.org/presentationml/2006/main" xmlns:r="http://schemas.openxmlformats.org/officeDocument/2006/relationships" xmlns:p14="http://schemas.microsoft.com/office/powerpoint/2010/main" xmlns:p15="http://schemas.microsoft.com/office/powerpoint/2012/main" xmlns:mc="http://schemas.openxmlformats.org/markup-compatibility/2006">
+<p:sld xmlns:a="http://schemas.openxmlformats.org/drawingml/2006/main" xmlns:r="http://schemas.openxmlformats.org/officeDocument/2006/relationships" xmlns:p="http://schemas.openxmlformats.org/presentationml/2006/main">
   <p:cSld>
     <p:spTree>
       <p:nvGrpSpPr>
@@ -5234,6 +6120,7 @@
           <a:bodyPr tIns="91440" bIns="91440">
             <a:noAutofit/>
           </a:bodyPr>
+          <a:lstStyle/>
           <a:p>
             <a:pPr>
               <a:lnSpc>
@@ -5241,7 +6128,7 @@
               </a:lnSpc>
             </a:pPr>
             <a:r>
-              <a:rPr b="1" lang="ko" sz="2800" spc="-1" strike="noStrike">
+              <a:rPr lang="ko" sz="2800" b="1" strike="noStrike" spc="-1">
                 <a:solidFill>
                   <a:srgbClr val="424242"/>
                 </a:solidFill>
@@ -5250,7 +6137,7 @@
               </a:rPr>
               <a:t>설문조사</a:t>
             </a:r>
-            <a:endParaRPr b="0" lang="en-US" sz="2800" spc="-1" strike="noStrike">
+            <a:endParaRPr lang="en-US" sz="2800" b="0" strike="noStrike" spc="-1">
               <a:solidFill>
                 <a:srgbClr val="000000"/>
               </a:solidFill>
@@ -5282,6 +6169,7 @@
           <a:bodyPr tIns="91440" bIns="91440">
             <a:noAutofit/>
           </a:bodyPr>
+          <a:lstStyle/>
           <a:p>
             <a:pPr>
               <a:lnSpc>
@@ -5289,12 +6177,12 @@
               </a:lnSpc>
             </a:pPr>
             <a:r>
-              <a:rPr b="0" lang="ko" sz="1200" spc="-1" strike="noStrike">
+              <a:rPr lang="ko" sz="1200" b="0" strike="noStrike" spc="-1">
                 <a:solidFill>
                   <a:srgbClr val="202124"/>
                 </a:solidFill>
                 <a:highlight>
-                  <a:srgbClr val="ffffff"/>
+                  <a:srgbClr val="FFFFFF"/>
                 </a:highlight>
                 <a:latin typeface="Arial"/>
                 <a:ea typeface="Arial"/>
@@ -5302,12 +6190,12 @@
               <a:t>기존의 관리 방식이나 매매 서비스와 비교해서 어떤 부분이 더 좋고</a:t>
             </a:r>
             <a:r>
-              <a:rPr b="0" lang="en-US" sz="1200" spc="-1" strike="noStrike">
+              <a:rPr lang="en-US" sz="1200" b="0" strike="noStrike" spc="-1">
                 <a:solidFill>
                   <a:srgbClr val="202124"/>
                 </a:solidFill>
                 <a:highlight>
-                  <a:srgbClr val="ffffff"/>
+                  <a:srgbClr val="FFFFFF"/>
                 </a:highlight>
                 <a:latin typeface="Arial"/>
                 <a:ea typeface="Arial"/>
@@ -5315,12 +6203,12 @@
               <a:t>, </a:t>
             </a:r>
             <a:r>
-              <a:rPr b="0" lang="ko" sz="1200" spc="-1" strike="noStrike">
+              <a:rPr lang="ko" sz="1200" b="0" strike="noStrike" spc="-1">
                 <a:solidFill>
                   <a:srgbClr val="202124"/>
                 </a:solidFill>
                 <a:highlight>
-                  <a:srgbClr val="ffffff"/>
+                  <a:srgbClr val="FFFFFF"/>
                 </a:highlight>
                 <a:latin typeface="Arial"/>
                 <a:ea typeface="Arial"/>
@@ -5328,19 +6216,19 @@
               <a:t>어떤 부분이 더 나쁜가요</a:t>
             </a:r>
             <a:r>
-              <a:rPr b="0" lang="en-US" sz="1200" spc="-1" strike="noStrike">
+              <a:rPr lang="en-US" sz="1200" b="0" strike="noStrike" spc="-1">
                 <a:solidFill>
                   <a:srgbClr val="202124"/>
                 </a:solidFill>
                 <a:highlight>
-                  <a:srgbClr val="ffffff"/>
+                  <a:srgbClr val="FFFFFF"/>
                 </a:highlight>
                 <a:latin typeface="Arial"/>
                 <a:ea typeface="Arial"/>
               </a:rPr>
               <a:t>?</a:t>
             </a:r>
-            <a:endParaRPr b="0" lang="en-US" sz="1200" spc="-1" strike="noStrike">
+            <a:endParaRPr lang="en-US" sz="1200" b="0" strike="noStrike" spc="-1">
               <a:solidFill>
                 <a:srgbClr val="000000"/>
               </a:solidFill>
@@ -5362,19 +6250,19 @@
               <a:buAutoNum type="arabicPeriod"/>
             </a:pPr>
             <a:r>
-              <a:rPr b="0" lang="ko" sz="1050" spc="-1" strike="noStrike">
+              <a:rPr lang="ko" sz="1050" b="0" strike="noStrike" spc="-1">
                 <a:solidFill>
                   <a:srgbClr val="000000"/>
                 </a:solidFill>
                 <a:highlight>
-                  <a:srgbClr val="f8f9fa"/>
+                  <a:srgbClr val="F8F9FA"/>
                 </a:highlight>
                 <a:latin typeface="Arial"/>
                 <a:ea typeface="Arial"/>
               </a:rPr>
               <a:t>직접 화분을 들고 찾아가야하는 기존의 진료 시스템에 비해 진료의 과정과 처리시간이 효율적</a:t>
             </a:r>
-            <a:endParaRPr b="0" lang="en-US" sz="1050" spc="-1" strike="noStrike">
+            <a:endParaRPr lang="en-US" sz="1050" b="0" strike="noStrike" spc="-1">
               <a:solidFill>
                 <a:srgbClr val="000000"/>
               </a:solidFill>
@@ -5396,19 +6284,19 @@
               <a:buAutoNum type="arabicPeriod"/>
             </a:pPr>
             <a:r>
-              <a:rPr b="0" lang="ko" sz="1050" spc="-1" strike="noStrike">
+              <a:rPr lang="ko" sz="1050" b="0" strike="noStrike" spc="-1">
                 <a:solidFill>
                   <a:srgbClr val="000000"/>
                 </a:solidFill>
                 <a:highlight>
-                  <a:srgbClr val="f8f9fa"/>
+                  <a:srgbClr val="F8F9FA"/>
                 </a:highlight>
                 <a:latin typeface="Arial"/>
                 <a:ea typeface="Arial"/>
               </a:rPr>
               <a:t>인터넷으로 빠르게 진행할수 있는점이 좋고 꽤나 폐쇠적으로 이용 가능한점이 아쉽다</a:t>
             </a:r>
-            <a:endParaRPr b="0" lang="en-US" sz="1050" spc="-1" strike="noStrike">
+            <a:endParaRPr lang="en-US" sz="1050" b="0" strike="noStrike" spc="-1">
               <a:solidFill>
                 <a:srgbClr val="000000"/>
               </a:solidFill>
@@ -5430,12 +6318,12 @@
               <a:buAutoNum type="arabicPeriod"/>
             </a:pPr>
             <a:r>
-              <a:rPr b="0" lang="ko" sz="1050" spc="-1" strike="noStrike">
+              <a:rPr lang="ko" sz="1050" b="0" strike="noStrike" spc="-1">
                 <a:solidFill>
                   <a:srgbClr val="000000"/>
                 </a:solidFill>
                 <a:highlight>
-                  <a:srgbClr val="f8f9fa"/>
+                  <a:srgbClr val="F8F9FA"/>
                 </a:highlight>
                 <a:latin typeface="Arial"/>
                 <a:ea typeface="Arial"/>
@@ -5443,12 +6331,12 @@
               <a:t>원하는 의사를 고를 수 있는점이 좋고</a:t>
             </a:r>
             <a:r>
-              <a:rPr b="0" lang="en-US" sz="1050" spc="-1" strike="noStrike">
+              <a:rPr lang="en-US" sz="1050" b="0" strike="noStrike" spc="-1">
                 <a:solidFill>
                   <a:srgbClr val="000000"/>
                 </a:solidFill>
                 <a:highlight>
-                  <a:srgbClr val="f8f9fa"/>
+                  <a:srgbClr val="F8F9FA"/>
                 </a:highlight>
                 <a:latin typeface="Arial"/>
                 <a:ea typeface="Arial"/>
@@ -5456,19 +6344,19 @@
               <a:t>, </a:t>
             </a:r>
             <a:r>
-              <a:rPr b="0" lang="ko" sz="1050" spc="-1" strike="noStrike">
+              <a:rPr lang="ko" sz="1050" b="0" strike="noStrike" spc="-1">
                 <a:solidFill>
                   <a:srgbClr val="000000"/>
                 </a:solidFill>
                 <a:highlight>
-                  <a:srgbClr val="f8f9fa"/>
+                  <a:srgbClr val="F8F9FA"/>
                 </a:highlight>
                 <a:latin typeface="Arial"/>
                 <a:ea typeface="Arial"/>
               </a:rPr>
               <a:t>이미 사용중인 시스템처럼 사용자를 모으는 방법에 대한 고민이 필요하다고 생각한다</a:t>
             </a:r>
-            <a:endParaRPr b="0" lang="en-US" sz="1050" spc="-1" strike="noStrike">
+            <a:endParaRPr lang="en-US" sz="1050" b="0" strike="noStrike" spc="-1">
               <a:solidFill>
                 <a:srgbClr val="000000"/>
               </a:solidFill>
@@ -5490,12 +6378,12 @@
               <a:buAutoNum type="arabicPeriod"/>
             </a:pPr>
             <a:r>
-              <a:rPr b="0" lang="ko" sz="1050" spc="-1" strike="noStrike">
+              <a:rPr lang="ko" sz="1050" b="0" strike="noStrike" spc="-1">
                 <a:solidFill>
                   <a:srgbClr val="000000"/>
                 </a:solidFill>
                 <a:highlight>
-                  <a:srgbClr val="f8f9fa"/>
+                  <a:srgbClr val="F8F9FA"/>
                 </a:highlight>
                 <a:latin typeface="Arial"/>
                 <a:ea typeface="Arial"/>
@@ -5503,12 +6391,12 @@
               <a:t>자료의 신뢰성이 높아졌으며</a:t>
             </a:r>
             <a:r>
-              <a:rPr b="0" lang="en-US" sz="1050" spc="-1" strike="noStrike">
+              <a:rPr lang="en-US" sz="1050" b="0" strike="noStrike" spc="-1">
                 <a:solidFill>
                   <a:srgbClr val="000000"/>
                 </a:solidFill>
                 <a:highlight>
-                  <a:srgbClr val="f8f9fa"/>
+                  <a:srgbClr val="F8F9FA"/>
                 </a:highlight>
                 <a:latin typeface="Arial"/>
                 <a:ea typeface="Arial"/>
@@ -5516,19 +6404,19 @@
               <a:t>, </a:t>
             </a:r>
             <a:r>
-              <a:rPr b="0" lang="ko" sz="1050" spc="-1" strike="noStrike">
+              <a:rPr lang="ko" sz="1050" b="0" strike="noStrike" spc="-1">
                 <a:solidFill>
                   <a:srgbClr val="000000"/>
                 </a:solidFill>
                 <a:highlight>
-                  <a:srgbClr val="f8f9fa"/>
+                  <a:srgbClr val="F8F9FA"/>
                 </a:highlight>
                 <a:latin typeface="Arial"/>
                 <a:ea typeface="Arial"/>
               </a:rPr>
               <a:t>접근성의 용이 등이 발전한거 같음</a:t>
             </a:r>
-            <a:endParaRPr b="0" lang="en-US" sz="1050" spc="-1" strike="noStrike">
+            <a:endParaRPr lang="en-US" sz="1050" b="0" strike="noStrike" spc="-1">
               <a:solidFill>
                 <a:srgbClr val="000000"/>
               </a:solidFill>
@@ -5544,7 +6432,7 @@
                 <a:spcPts val="1001"/>
               </a:spcBef>
             </a:pPr>
-            <a:endParaRPr b="0" lang="en-US" sz="1050" spc="-1" strike="noStrike">
+            <a:endParaRPr lang="en-US" sz="1050" b="0" strike="noStrike" spc="-1">
               <a:solidFill>
                 <a:srgbClr val="000000"/>
               </a:solidFill>
@@ -5563,7 +6451,7 @@
                 <a:spcPts val="1599"/>
               </a:spcAft>
             </a:pPr>
-            <a:endParaRPr b="0" lang="en-US" sz="1050" spc="-1" strike="noStrike">
+            <a:endParaRPr lang="en-US" sz="1050" b="0" strike="noStrike" spc="-1">
               <a:solidFill>
                 <a:srgbClr val="000000"/>
               </a:solidFill>
@@ -5574,19 +6462,14 @@
       </p:sp>
     </p:spTree>
   </p:cSld>
-  <mc:AlternateContent>
-    <mc:Choice Requires="p14">
-      <p:transition spd="slow" p14:dur="2000"/>
-    </mc:Choice>
-    <mc:Fallback>
-      <p:transition spd="slow"/>
-    </mc:Fallback>
-  </mc:AlternateContent>
+  <p:clrMapOvr>
+    <a:masterClrMapping/>
+  </p:clrMapOvr>
 </p:sld>
 </file>
 
 <file path=ppt/slides/slide12.xml><?xml version="1.0" encoding="utf-8"?>
-<p:sld xmlns:a="http://schemas.openxmlformats.org/drawingml/2006/main" xmlns:p="http://schemas.openxmlformats.org/presentationml/2006/main" xmlns:r="http://schemas.openxmlformats.org/officeDocument/2006/relationships" xmlns:p14="http://schemas.microsoft.com/office/powerpoint/2010/main" xmlns:p15="http://schemas.microsoft.com/office/powerpoint/2012/main" xmlns:mc="http://schemas.openxmlformats.org/markup-compatibility/2006">
+<p:sld xmlns:a="http://schemas.openxmlformats.org/drawingml/2006/main" xmlns:r="http://schemas.openxmlformats.org/officeDocument/2006/relationships" xmlns:p="http://schemas.openxmlformats.org/presentationml/2006/main">
   <p:cSld>
     <p:spTree>
       <p:nvGrpSpPr>
@@ -5625,6 +6508,7 @@
           <a:bodyPr tIns="91440" bIns="91440">
             <a:noAutofit/>
           </a:bodyPr>
+          <a:lstStyle/>
           <a:p>
             <a:pPr>
               <a:lnSpc>
@@ -5632,7 +6516,7 @@
               </a:lnSpc>
             </a:pPr>
             <a:r>
-              <a:rPr b="1" lang="ko" sz="2800" spc="-1" strike="noStrike">
+              <a:rPr lang="ko" sz="2800" b="1" strike="noStrike" spc="-1">
                 <a:solidFill>
                   <a:srgbClr val="424242"/>
                 </a:solidFill>
@@ -5642,7 +6526,7 @@
               <a:t>피드백 반영</a:t>
             </a:r>
             <a:r>
-              <a:rPr b="1" lang="en-US" sz="2800" spc="-1" strike="noStrike">
+              <a:rPr lang="en-US" sz="2800" b="1" strike="noStrike" spc="-1">
                 <a:solidFill>
                   <a:srgbClr val="424242"/>
                 </a:solidFill>
@@ -5652,7 +6536,7 @@
               <a:t>-</a:t>
             </a:r>
             <a:r>
-              <a:rPr b="1" lang="ko" sz="2800" spc="-1" strike="noStrike">
+              <a:rPr lang="ko" sz="2800" b="1" strike="noStrike" spc="-1">
                 <a:solidFill>
                   <a:srgbClr val="424242"/>
                 </a:solidFill>
@@ -5662,7 +6546,7 @@
               <a:t>메인화면</a:t>
             </a:r>
             <a:r>
-              <a:rPr b="1" lang="en-US" sz="2800" spc="-1" strike="noStrike">
+              <a:rPr lang="en-US" sz="2800" b="1" strike="noStrike" spc="-1">
                 <a:solidFill>
                   <a:srgbClr val="424242"/>
                 </a:solidFill>
@@ -5671,7 +6555,7 @@
               </a:rPr>
               <a:t>(before)</a:t>
             </a:r>
-            <a:endParaRPr b="0" lang="en-US" sz="2800" spc="-1" strike="noStrike">
+            <a:endParaRPr lang="en-US" sz="2800" b="0" strike="noStrike" spc="-1">
               <a:solidFill>
                 <a:srgbClr val="000000"/>
               </a:solidFill>
@@ -5682,12 +6566,12 @@
       </p:sp>
       <p:pic>
         <p:nvPicPr>
-          <p:cNvPr id="182" name="Google Shape;386;p24" descr=""/>
+          <p:cNvPr id="182" name="Google Shape;386;p24"/>
           <p:cNvPicPr/>
           <p:nvPr/>
         </p:nvPicPr>
         <p:blipFill>
-          <a:blip r:embed="rId1"/>
+          <a:blip r:embed="rId2"/>
           <a:stretch/>
         </p:blipFill>
         <p:spPr>
@@ -5705,19 +6589,14 @@
       </p:pic>
     </p:spTree>
   </p:cSld>
-  <mc:AlternateContent>
-    <mc:Choice Requires="p14">
-      <p:transition spd="slow" p14:dur="2000"/>
-    </mc:Choice>
-    <mc:Fallback>
-      <p:transition spd="slow"/>
-    </mc:Fallback>
-  </mc:AlternateContent>
+  <p:clrMapOvr>
+    <a:masterClrMapping/>
+  </p:clrMapOvr>
 </p:sld>
 </file>
 
 <file path=ppt/slides/slide13.xml><?xml version="1.0" encoding="utf-8"?>
-<p:sld xmlns:a="http://schemas.openxmlformats.org/drawingml/2006/main" xmlns:p="http://schemas.openxmlformats.org/presentationml/2006/main" xmlns:r="http://schemas.openxmlformats.org/officeDocument/2006/relationships" xmlns:p14="http://schemas.microsoft.com/office/powerpoint/2010/main" xmlns:p15="http://schemas.microsoft.com/office/powerpoint/2012/main" xmlns:mc="http://schemas.openxmlformats.org/markup-compatibility/2006">
+<p:sld xmlns:a="http://schemas.openxmlformats.org/drawingml/2006/main" xmlns:r="http://schemas.openxmlformats.org/officeDocument/2006/relationships" xmlns:p="http://schemas.openxmlformats.org/presentationml/2006/main">
   <p:cSld>
     <p:spTree>
       <p:nvGrpSpPr>
@@ -5756,6 +6635,7 @@
           <a:bodyPr tIns="91440" bIns="91440">
             <a:noAutofit/>
           </a:bodyPr>
+          <a:lstStyle/>
           <a:p>
             <a:pPr>
               <a:lnSpc>
@@ -5763,7 +6643,7 @@
               </a:lnSpc>
             </a:pPr>
             <a:r>
-              <a:rPr b="1" lang="ko" sz="2800" spc="-1" strike="noStrike">
+              <a:rPr lang="ko" sz="2800" b="1" strike="noStrike" spc="-1">
                 <a:solidFill>
                   <a:srgbClr val="424242"/>
                 </a:solidFill>
@@ -5773,7 +6653,7 @@
               <a:t>피드백 반영</a:t>
             </a:r>
             <a:r>
-              <a:rPr b="1" lang="en-US" sz="2800" spc="-1" strike="noStrike">
+              <a:rPr lang="en-US" sz="2800" b="1" strike="noStrike" spc="-1">
                 <a:solidFill>
                   <a:srgbClr val="424242"/>
                 </a:solidFill>
@@ -5783,7 +6663,7 @@
               <a:t>-</a:t>
             </a:r>
             <a:r>
-              <a:rPr b="1" lang="ko" sz="2800" spc="-1" strike="noStrike">
+              <a:rPr lang="ko" sz="2800" b="1" strike="noStrike" spc="-1">
                 <a:solidFill>
                   <a:srgbClr val="424242"/>
                 </a:solidFill>
@@ -5793,7 +6673,7 @@
               <a:t>메인화면</a:t>
             </a:r>
             <a:r>
-              <a:rPr b="1" lang="en-US" sz="2800" spc="-1" strike="noStrike">
+              <a:rPr lang="en-US" sz="2800" b="1" strike="noStrike" spc="-1">
                 <a:solidFill>
                   <a:srgbClr val="424242"/>
                 </a:solidFill>
@@ -5802,7 +6682,7 @@
               </a:rPr>
               <a:t>(after)</a:t>
             </a:r>
-            <a:endParaRPr b="0" lang="en-US" sz="2800" spc="-1" strike="noStrike">
+            <a:endParaRPr lang="en-US" sz="2800" b="0" strike="noStrike" spc="-1">
               <a:solidFill>
                 <a:srgbClr val="000000"/>
               </a:solidFill>
@@ -5813,12 +6693,12 @@
       </p:sp>
       <p:pic>
         <p:nvPicPr>
-          <p:cNvPr id="184" name="Google Shape;392;p25" descr=""/>
+          <p:cNvPr id="184" name="Google Shape;392;p25"/>
           <p:cNvPicPr/>
           <p:nvPr/>
         </p:nvPicPr>
         <p:blipFill>
-          <a:blip r:embed="rId1"/>
+          <a:blip r:embed="rId2"/>
           <a:stretch/>
         </p:blipFill>
         <p:spPr>
@@ -5836,19 +6716,14 @@
       </p:pic>
     </p:spTree>
   </p:cSld>
-  <mc:AlternateContent>
-    <mc:Choice Requires="p14">
-      <p:transition spd="slow" p14:dur="2000"/>
-    </mc:Choice>
-    <mc:Fallback>
-      <p:transition spd="slow"/>
-    </mc:Fallback>
-  </mc:AlternateContent>
+  <p:clrMapOvr>
+    <a:masterClrMapping/>
+  </p:clrMapOvr>
 </p:sld>
 </file>
 
 <file path=ppt/slides/slide14.xml><?xml version="1.0" encoding="utf-8"?>
-<p:sld xmlns:a="http://schemas.openxmlformats.org/drawingml/2006/main" xmlns:p="http://schemas.openxmlformats.org/presentationml/2006/main" xmlns:r="http://schemas.openxmlformats.org/officeDocument/2006/relationships" xmlns:p14="http://schemas.microsoft.com/office/powerpoint/2010/main" xmlns:p15="http://schemas.microsoft.com/office/powerpoint/2012/main" xmlns:mc="http://schemas.openxmlformats.org/markup-compatibility/2006">
+<p:sld xmlns:a="http://schemas.openxmlformats.org/drawingml/2006/main" xmlns:r="http://schemas.openxmlformats.org/officeDocument/2006/relationships" xmlns:p="http://schemas.openxmlformats.org/presentationml/2006/main">
   <p:cSld>
     <p:spTree>
       <p:nvGrpSpPr>
@@ -5887,6 +6762,7 @@
           <a:bodyPr tIns="91440" bIns="91440">
             <a:noAutofit/>
           </a:bodyPr>
+          <a:lstStyle/>
           <a:p>
             <a:pPr>
               <a:lnSpc>
@@ -5894,7 +6770,7 @@
               </a:lnSpc>
             </a:pPr>
             <a:r>
-              <a:rPr b="1" lang="ko" sz="2800" spc="-1" strike="noStrike">
+              <a:rPr lang="ko" sz="2800" b="1" strike="noStrike" spc="-1">
                 <a:solidFill>
                   <a:srgbClr val="424242"/>
                 </a:solidFill>
@@ -5904,7 +6780,7 @@
               <a:t>피드백 반영</a:t>
             </a:r>
             <a:r>
-              <a:rPr b="1" lang="en-US" sz="2800" spc="-1" strike="noStrike">
+              <a:rPr lang="en-US" sz="2800" b="1" strike="noStrike" spc="-1">
                 <a:solidFill>
                   <a:srgbClr val="424242"/>
                 </a:solidFill>
@@ -5914,7 +6790,7 @@
               <a:t>-</a:t>
             </a:r>
             <a:r>
-              <a:rPr b="1" lang="ko" sz="2800" spc="-1" strike="noStrike">
+              <a:rPr lang="ko" sz="2800" b="1" strike="noStrike" spc="-1">
                 <a:solidFill>
                   <a:srgbClr val="424242"/>
                 </a:solidFill>
@@ -5924,7 +6800,7 @@
               <a:t>진료 신청서</a:t>
             </a:r>
             <a:r>
-              <a:rPr b="1" lang="en-US" sz="2800" spc="-1" strike="noStrike">
+              <a:rPr lang="en-US" sz="2800" b="1" strike="noStrike" spc="-1">
                 <a:solidFill>
                   <a:srgbClr val="424242"/>
                 </a:solidFill>
@@ -5933,7 +6809,7 @@
               </a:rPr>
               <a:t>(before)</a:t>
             </a:r>
-            <a:endParaRPr b="0" lang="en-US" sz="2800" spc="-1" strike="noStrike">
+            <a:endParaRPr lang="en-US" sz="2800" b="0" strike="noStrike" spc="-1">
               <a:solidFill>
                 <a:srgbClr val="000000"/>
               </a:solidFill>
@@ -5944,12 +6820,12 @@
       </p:sp>
       <p:pic>
         <p:nvPicPr>
-          <p:cNvPr id="186" name="Google Shape;398;p26" descr=""/>
+          <p:cNvPr id="186" name="Google Shape;398;p26"/>
           <p:cNvPicPr/>
           <p:nvPr/>
         </p:nvPicPr>
         <p:blipFill>
-          <a:blip r:embed="rId1"/>
+          <a:blip r:embed="rId2"/>
           <a:stretch/>
         </p:blipFill>
         <p:spPr>
@@ -5967,19 +6843,14 @@
       </p:pic>
     </p:spTree>
   </p:cSld>
-  <mc:AlternateContent>
-    <mc:Choice Requires="p14">
-      <p:transition spd="slow" p14:dur="2000"/>
-    </mc:Choice>
-    <mc:Fallback>
-      <p:transition spd="slow"/>
-    </mc:Fallback>
-  </mc:AlternateContent>
+  <p:clrMapOvr>
+    <a:masterClrMapping/>
+  </p:clrMapOvr>
 </p:sld>
 </file>
 
 <file path=ppt/slides/slide15.xml><?xml version="1.0" encoding="utf-8"?>
-<p:sld xmlns:a="http://schemas.openxmlformats.org/drawingml/2006/main" xmlns:p="http://schemas.openxmlformats.org/presentationml/2006/main" xmlns:r="http://schemas.openxmlformats.org/officeDocument/2006/relationships" xmlns:p14="http://schemas.microsoft.com/office/powerpoint/2010/main" xmlns:p15="http://schemas.microsoft.com/office/powerpoint/2012/main" xmlns:mc="http://schemas.openxmlformats.org/markup-compatibility/2006">
+<p:sld xmlns:a="http://schemas.openxmlformats.org/drawingml/2006/main" xmlns:r="http://schemas.openxmlformats.org/officeDocument/2006/relationships" xmlns:p="http://schemas.openxmlformats.org/presentationml/2006/main">
   <p:cSld>
     <p:spTree>
       <p:nvGrpSpPr>
@@ -6018,6 +6889,7 @@
           <a:bodyPr tIns="91440" bIns="91440">
             <a:noAutofit/>
           </a:bodyPr>
+          <a:lstStyle/>
           <a:p>
             <a:pPr>
               <a:lnSpc>
@@ -6025,7 +6897,7 @@
               </a:lnSpc>
             </a:pPr>
             <a:r>
-              <a:rPr b="1" lang="ko" sz="2800" spc="-1" strike="noStrike">
+              <a:rPr lang="ko" sz="2800" b="1" strike="noStrike" spc="-1">
                 <a:solidFill>
                   <a:srgbClr val="424242"/>
                 </a:solidFill>
@@ -6035,7 +6907,7 @@
               <a:t>피드백 반영</a:t>
             </a:r>
             <a:r>
-              <a:rPr b="1" lang="en-US" sz="2800" spc="-1" strike="noStrike">
+              <a:rPr lang="en-US" sz="2800" b="1" strike="noStrike" spc="-1">
                 <a:solidFill>
                   <a:srgbClr val="424242"/>
                 </a:solidFill>
@@ -6045,7 +6917,7 @@
               <a:t>-</a:t>
             </a:r>
             <a:r>
-              <a:rPr b="1" lang="ko" sz="2800" spc="-1" strike="noStrike">
+              <a:rPr lang="ko" sz="2800" b="1" strike="noStrike" spc="-1">
                 <a:solidFill>
                   <a:srgbClr val="424242"/>
                 </a:solidFill>
@@ -6055,7 +6927,7 @@
               <a:t>진료 신청서</a:t>
             </a:r>
             <a:r>
-              <a:rPr b="1" lang="en-US" sz="2800" spc="-1" strike="noStrike">
+              <a:rPr lang="en-US" sz="2800" b="1" strike="noStrike" spc="-1">
                 <a:solidFill>
                   <a:srgbClr val="424242"/>
                 </a:solidFill>
@@ -6064,7 +6936,7 @@
               </a:rPr>
               <a:t>(after)</a:t>
             </a:r>
-            <a:endParaRPr b="0" lang="en-US" sz="2800" spc="-1" strike="noStrike">
+            <a:endParaRPr lang="en-US" sz="2800" b="0" strike="noStrike" spc="-1">
               <a:solidFill>
                 <a:srgbClr val="000000"/>
               </a:solidFill>
@@ -6075,12 +6947,12 @@
       </p:sp>
       <p:pic>
         <p:nvPicPr>
-          <p:cNvPr id="188" name="Google Shape;404;p27" descr=""/>
+          <p:cNvPr id="188" name="Google Shape;404;p27"/>
           <p:cNvPicPr/>
           <p:nvPr/>
         </p:nvPicPr>
         <p:blipFill>
-          <a:blip r:embed="rId1"/>
+          <a:blip r:embed="rId2"/>
           <a:stretch/>
         </p:blipFill>
         <p:spPr>
@@ -6098,19 +6970,14 @@
       </p:pic>
     </p:spTree>
   </p:cSld>
-  <mc:AlternateContent>
-    <mc:Choice Requires="p14">
-      <p:transition spd="slow" p14:dur="2000"/>
-    </mc:Choice>
-    <mc:Fallback>
-      <p:transition spd="slow"/>
-    </mc:Fallback>
-  </mc:AlternateContent>
+  <p:clrMapOvr>
+    <a:masterClrMapping/>
+  </p:clrMapOvr>
 </p:sld>
 </file>
 
 <file path=ppt/slides/slide16.xml><?xml version="1.0" encoding="utf-8"?>
-<p:sld xmlns:a="http://schemas.openxmlformats.org/drawingml/2006/main" xmlns:p="http://schemas.openxmlformats.org/presentationml/2006/main" xmlns:r="http://schemas.openxmlformats.org/officeDocument/2006/relationships" xmlns:p14="http://schemas.microsoft.com/office/powerpoint/2010/main" xmlns:p15="http://schemas.microsoft.com/office/powerpoint/2012/main" xmlns:mc="http://schemas.openxmlformats.org/markup-compatibility/2006">
+<p:sld xmlns:a="http://schemas.openxmlformats.org/drawingml/2006/main" xmlns:r="http://schemas.openxmlformats.org/officeDocument/2006/relationships" xmlns:p="http://schemas.openxmlformats.org/presentationml/2006/main">
   <p:cSld>
     <p:spTree>
       <p:nvGrpSpPr>
@@ -6149,6 +7016,7 @@
           <a:bodyPr tIns="91440" bIns="91440">
             <a:noAutofit/>
           </a:bodyPr>
+          <a:lstStyle/>
           <a:p>
             <a:pPr>
               <a:lnSpc>
@@ -6156,7 +7024,7 @@
               </a:lnSpc>
             </a:pPr>
             <a:r>
-              <a:rPr b="1" lang="ko" sz="2800" spc="-1" strike="noStrike">
+              <a:rPr lang="ko" sz="2800" b="1" strike="noStrike" spc="-1">
                 <a:solidFill>
                   <a:srgbClr val="424242"/>
                 </a:solidFill>
@@ -6166,7 +7034,7 @@
               <a:t>피드백 반영</a:t>
             </a:r>
             <a:r>
-              <a:rPr b="1" lang="en-US" sz="2800" spc="-1" strike="noStrike">
+              <a:rPr lang="en-US" sz="2800" b="1" strike="noStrike" spc="-1">
                 <a:solidFill>
                   <a:srgbClr val="424242"/>
                 </a:solidFill>
@@ -6176,7 +7044,7 @@
               <a:t>-</a:t>
             </a:r>
             <a:r>
-              <a:rPr b="1" lang="ko" sz="2800" spc="-1" strike="noStrike">
+              <a:rPr lang="ko" sz="2800" b="1" strike="noStrike" spc="-1">
                 <a:solidFill>
                   <a:srgbClr val="424242"/>
                 </a:solidFill>
@@ -6185,7 +7053,7 @@
               </a:rPr>
               <a:t>추가 기능</a:t>
             </a:r>
-            <a:endParaRPr b="0" lang="en-US" sz="2800" spc="-1" strike="noStrike">
+            <a:endParaRPr lang="en-US" sz="2800" b="0" strike="noStrike" spc="-1">
               <a:solidFill>
                 <a:srgbClr val="000000"/>
               </a:solidFill>
@@ -6196,12 +7064,12 @@
       </p:sp>
       <p:pic>
         <p:nvPicPr>
-          <p:cNvPr id="190" name="Google Shape;410;p28" descr=""/>
+          <p:cNvPr id="190" name="Google Shape;410;p28"/>
           <p:cNvPicPr/>
           <p:nvPr/>
         </p:nvPicPr>
         <p:blipFill>
-          <a:blip r:embed="rId1"/>
+          <a:blip r:embed="rId2"/>
           <a:stretch/>
         </p:blipFill>
         <p:spPr>
@@ -6219,19 +7087,14 @@
       </p:pic>
     </p:spTree>
   </p:cSld>
-  <mc:AlternateContent>
-    <mc:Choice Requires="p14">
-      <p:transition spd="slow" p14:dur="2000"/>
-    </mc:Choice>
-    <mc:Fallback>
-      <p:transition spd="slow"/>
-    </mc:Fallback>
-  </mc:AlternateContent>
+  <p:clrMapOvr>
+    <a:masterClrMapping/>
+  </p:clrMapOvr>
 </p:sld>
 </file>
 
 <file path=ppt/slides/slide17.xml><?xml version="1.0" encoding="utf-8"?>
-<p:sld xmlns:a="http://schemas.openxmlformats.org/drawingml/2006/main" xmlns:p="http://schemas.openxmlformats.org/presentationml/2006/main" xmlns:r="http://schemas.openxmlformats.org/officeDocument/2006/relationships" xmlns:p14="http://schemas.microsoft.com/office/powerpoint/2010/main" xmlns:p15="http://schemas.microsoft.com/office/powerpoint/2012/main" xmlns:mc="http://schemas.openxmlformats.org/markup-compatibility/2006">
+<p:sld xmlns:a="http://schemas.openxmlformats.org/drawingml/2006/main" xmlns:r="http://schemas.openxmlformats.org/officeDocument/2006/relationships" xmlns:p="http://schemas.openxmlformats.org/presentationml/2006/main">
   <p:cSld>
     <p:spTree>
       <p:nvGrpSpPr>
@@ -6249,14 +7112,14 @@
       </p:grpSpPr>
       <p:sp>
         <p:nvSpPr>
-          <p:cNvPr id="191" name="TextShape 1"/>
+          <p:cNvPr id="173" name="TextShape 1"/>
           <p:cNvSpPr txBox="1"/>
           <p:nvPr/>
         </p:nvSpPr>
         <p:spPr>
           <a:xfrm>
-            <a:off x="824040" y="1613880"/>
-            <a:ext cx="4255200" cy="1872720"/>
+            <a:off x="1303920" y="598680"/>
+            <a:ext cx="7030080" cy="999000"/>
           </a:xfrm>
           <a:prstGeom prst="rect">
             <a:avLst/>
@@ -6267,9 +7130,10 @@
           </a:ln>
         </p:spPr>
         <p:txBody>
-          <a:bodyPr tIns="91440" bIns="91440" anchor="ctr">
+          <a:bodyPr tIns="91440" bIns="91440">
             <a:noAutofit/>
           </a:bodyPr>
+          <a:lstStyle/>
           <a:p>
             <a:pPr>
               <a:lnSpc>
@@ -6277,26 +7141,194 @@
               </a:lnSpc>
             </a:pPr>
             <a:r>
-              <a:rPr b="1" lang="ko" sz="3600" spc="-1" strike="noStrike">
-                <a:solidFill>
-                  <a:srgbClr val="ffffff"/>
+              <a:rPr lang="en-US" sz="2800" b="1" spc="-1" dirty="0" err="1">
+                <a:solidFill>
+                  <a:srgbClr val="424242"/>
                 </a:solidFill>
                 <a:latin typeface="Maven Pro"/>
-                <a:ea typeface="Maven Pro"/>
-              </a:rPr>
-              <a:t>나무로 연결되는 </a:t>
-            </a:r>
-            <a:r>
-              <a:rPr b="1" lang="en-US" sz="3600" spc="-1" strike="noStrike">
-                <a:solidFill>
-                  <a:srgbClr val="ffffff"/>
+              </a:rPr>
+              <a:t>Github</a:t>
+            </a:r>
+            <a:r>
+              <a:rPr lang="en-US" sz="2800" b="1" spc="-1" dirty="0">
+                <a:solidFill>
+                  <a:srgbClr val="424242"/>
                 </a:solidFill>
                 <a:latin typeface="Maven Pro"/>
-                <a:ea typeface="Maven Pro"/>
-              </a:rPr>
-              <a:t>- TreeConnector</a:t>
-            </a:r>
-            <a:endParaRPr b="0" lang="en-US" sz="3600" spc="-1" strike="noStrike">
+              </a:rPr>
+              <a:t> &amp; </a:t>
+            </a:r>
+            <a:r>
+              <a:rPr lang="en-US" sz="2800" b="1" spc="-1" dirty="0" err="1">
+                <a:solidFill>
+                  <a:srgbClr val="424242"/>
+                </a:solidFill>
+                <a:latin typeface="Maven Pro"/>
+              </a:rPr>
+              <a:t>Youtube</a:t>
+            </a:r>
+            <a:endParaRPr lang="en-US" sz="2800" b="0" strike="noStrike" spc="-1" dirty="0">
+              <a:solidFill>
+                <a:srgbClr val="000000"/>
+              </a:solidFill>
+              <a:latin typeface="Arial"/>
+            </a:endParaRPr>
+          </a:p>
+        </p:txBody>
+      </p:sp>
+      <p:sp>
+        <p:nvSpPr>
+          <p:cNvPr id="174" name="TextShape 2"/>
+          <p:cNvSpPr txBox="1"/>
+          <p:nvPr/>
+        </p:nvSpPr>
+        <p:spPr>
+          <a:xfrm>
+            <a:off x="1303920" y="1990080"/>
+            <a:ext cx="7030080" cy="2541240"/>
+          </a:xfrm>
+          <a:prstGeom prst="rect">
+            <a:avLst/>
+          </a:prstGeom>
+          <a:noFill/>
+          <a:ln>
+            <a:noFill/>
+          </a:ln>
+        </p:spPr>
+        <p:txBody>
+          <a:bodyPr tIns="91440" bIns="91440">
+            <a:noAutofit/>
+          </a:bodyPr>
+          <a:lstStyle/>
+          <a:p>
+            <a:pPr>
+              <a:lnSpc>
+                <a:spcPct val="115000"/>
+              </a:lnSpc>
+            </a:pPr>
+            <a:r>
+              <a:rPr lang="en-US" sz="1300" spc="-1" dirty="0" err="1">
+                <a:solidFill>
+                  <a:srgbClr val="424242"/>
+                </a:solidFill>
+                <a:latin typeface="Nunito"/>
+              </a:rPr>
+              <a:t>Github</a:t>
+            </a:r>
+            <a:r>
+              <a:rPr lang="en-US" sz="1300" spc="-1" dirty="0">
+                <a:solidFill>
+                  <a:srgbClr val="424242"/>
+                </a:solidFill>
+                <a:latin typeface="Nunito"/>
+              </a:rPr>
+              <a:t> : </a:t>
+            </a:r>
+            <a:r>
+              <a:rPr lang="en-US" altLang="ko-KR" sz="1400" dirty="0">
+                <a:hlinkClick r:id="rId2"/>
+              </a:rPr>
+              <a:t>https://github.com/PayDevD/Design-Sprint/tree/master/GP_week5</a:t>
+            </a:r>
+            <a:endParaRPr lang="en-US" sz="1300" spc="-1" dirty="0">
+              <a:solidFill>
+                <a:srgbClr val="424242"/>
+              </a:solidFill>
+              <a:latin typeface="Nunito"/>
+            </a:endParaRPr>
+          </a:p>
+          <a:p>
+            <a:pPr>
+              <a:lnSpc>
+                <a:spcPct val="115000"/>
+              </a:lnSpc>
+            </a:pPr>
+            <a:endParaRPr lang="en-US" sz="1300" b="0" strike="noStrike" spc="-1" dirty="0">
+              <a:solidFill>
+                <a:srgbClr val="424242"/>
+              </a:solidFill>
+              <a:latin typeface="Nunito"/>
+            </a:endParaRPr>
+          </a:p>
+          <a:p>
+            <a:pPr>
+              <a:lnSpc>
+                <a:spcPct val="115000"/>
+              </a:lnSpc>
+            </a:pPr>
+            <a:endParaRPr lang="en-US" sz="1300" spc="-1" dirty="0">
+              <a:solidFill>
+                <a:srgbClr val="424242"/>
+              </a:solidFill>
+              <a:latin typeface="Nunito"/>
+            </a:endParaRPr>
+          </a:p>
+          <a:p>
+            <a:pPr>
+              <a:lnSpc>
+                <a:spcPct val="115000"/>
+              </a:lnSpc>
+            </a:pPr>
+            <a:r>
+              <a:rPr lang="en-US" sz="1300" b="0" strike="noStrike" spc="-1" dirty="0" err="1">
+                <a:solidFill>
+                  <a:srgbClr val="424242"/>
+                </a:solidFill>
+                <a:latin typeface="Nunito"/>
+              </a:rPr>
+              <a:t>Yout</a:t>
+            </a:r>
+            <a:r>
+              <a:rPr lang="en-US" sz="1300" spc="-1" dirty="0" err="1">
+                <a:solidFill>
+                  <a:srgbClr val="424242"/>
+                </a:solidFill>
+                <a:latin typeface="Nunito"/>
+              </a:rPr>
+              <a:t>ube</a:t>
+            </a:r>
+            <a:r>
+              <a:rPr lang="en-US" sz="1300" spc="-1" dirty="0">
+                <a:solidFill>
+                  <a:srgbClr val="424242"/>
+                </a:solidFill>
+                <a:latin typeface="Nunito"/>
+              </a:rPr>
+              <a:t> </a:t>
+            </a:r>
+            <a:r>
+              <a:rPr lang="en-US" sz="1300" spc="-1">
+                <a:solidFill>
+                  <a:srgbClr val="424242"/>
+                </a:solidFill>
+                <a:latin typeface="Nunito"/>
+              </a:rPr>
+              <a:t>: </a:t>
+            </a:r>
+            <a:r>
+              <a:rPr lang="en-US" sz="1300" spc="-1">
+                <a:solidFill>
+                  <a:srgbClr val="424242"/>
+                </a:solidFill>
+                <a:latin typeface="Nunito"/>
+                <a:hlinkClick r:id="rId3"/>
+              </a:rPr>
+              <a:t>https://youtu.be/UmHzuha2uzE</a:t>
+            </a:r>
+            <a:endParaRPr lang="en-US" sz="1300" spc="-1">
+              <a:solidFill>
+                <a:srgbClr val="424242"/>
+              </a:solidFill>
+              <a:latin typeface="Nunito"/>
+            </a:endParaRPr>
+          </a:p>
+          <a:p>
+            <a:pPr>
+              <a:lnSpc>
+                <a:spcPct val="115000"/>
+              </a:lnSpc>
+            </a:pPr>
+            <a:endParaRPr lang="en-US" sz="1050" b="0" strike="noStrike" spc="-1" dirty="0">
               <a:solidFill>
                 <a:srgbClr val="000000"/>
               </a:solidFill>
@@ -6306,20 +7338,20 @@
         </p:txBody>
       </p:sp>
     </p:spTree>
+    <p:extLst>
+      <p:ext uri="{BB962C8B-B14F-4D97-AF65-F5344CB8AC3E}">
+        <p14:creationId xmlns:p14="http://schemas.microsoft.com/office/powerpoint/2010/main" val="3058636086"/>
+      </p:ext>
+    </p:extLst>
   </p:cSld>
-  <mc:AlternateContent>
-    <mc:Choice Requires="p14">
-      <p:transition spd="slow" p14:dur="2000"/>
-    </mc:Choice>
-    <mc:Fallback>
-      <p:transition spd="slow"/>
-    </mc:Fallback>
-  </mc:AlternateContent>
+  <p:clrMapOvr>
+    <a:masterClrMapping/>
+  </p:clrMapOvr>
 </p:sld>
 </file>
 
-<file path=ppt/slides/slide2.xml><?xml version="1.0" encoding="utf-8"?>
-<p:sld xmlns:a="http://schemas.openxmlformats.org/drawingml/2006/main" xmlns:p="http://schemas.openxmlformats.org/presentationml/2006/main" xmlns:r="http://schemas.openxmlformats.org/officeDocument/2006/relationships" xmlns:p14="http://schemas.microsoft.com/office/powerpoint/2010/main" xmlns:p15="http://schemas.microsoft.com/office/powerpoint/2012/main" xmlns:mc="http://schemas.openxmlformats.org/markup-compatibility/2006">
+<file path=ppt/slides/slide18.xml><?xml version="1.0" encoding="utf-8"?>
+<p:sld xmlns:a="http://schemas.openxmlformats.org/drawingml/2006/main" xmlns:r="http://schemas.openxmlformats.org/officeDocument/2006/relationships" xmlns:p="http://schemas.openxmlformats.org/presentationml/2006/main">
   <p:cSld>
     <p:spTree>
       <p:nvGrpSpPr>
@@ -6337,14 +7369,14 @@
       </p:grpSpPr>
       <p:sp>
         <p:nvSpPr>
-          <p:cNvPr id="119" name="TextShape 1"/>
+          <p:cNvPr id="191" name="TextShape 1"/>
           <p:cNvSpPr txBox="1"/>
           <p:nvPr/>
         </p:nvSpPr>
         <p:spPr>
           <a:xfrm>
-            <a:off x="1303920" y="598680"/>
-            <a:ext cx="7030080" cy="999000"/>
+            <a:off x="824040" y="1613880"/>
+            <a:ext cx="4255200" cy="1872720"/>
           </a:xfrm>
           <a:prstGeom prst="rect">
             <a:avLst/>
@@ -6355,9 +7387,10 @@
           </a:ln>
         </p:spPr>
         <p:txBody>
-          <a:bodyPr tIns="91440" bIns="91440">
+          <a:bodyPr tIns="91440" bIns="91440" anchor="ctr">
             <a:noAutofit/>
           </a:bodyPr>
+          <a:lstStyle/>
           <a:p>
             <a:pPr>
               <a:lnSpc>
@@ -6365,118 +7398,44 @@
               </a:lnSpc>
             </a:pPr>
             <a:r>
-              <a:rPr b="1" lang="ko" sz="2800" spc="-1" strike="noStrike">
-                <a:solidFill>
-                  <a:srgbClr val="424242"/>
+              <a:rPr lang="ko" sz="3600" b="1" strike="noStrike" spc="-1">
+                <a:solidFill>
+                  <a:srgbClr val="FFFFFF"/>
                 </a:solidFill>
                 <a:latin typeface="Maven Pro"/>
                 <a:ea typeface="Maven Pro"/>
               </a:rPr>
-              <a:t>수목 소유자의 </a:t>
-            </a:r>
-            <a:r>
-              <a:rPr b="1" lang="en-US" sz="2800" spc="-1" strike="noStrike">
-                <a:solidFill>
-                  <a:srgbClr val="424242"/>
+              <a:t>나무로 연결되는 </a:t>
+            </a:r>
+            <a:r>
+              <a:rPr lang="en-US" sz="3600" b="1" strike="noStrike" spc="-1">
+                <a:solidFill>
+                  <a:srgbClr val="FFFFFF"/>
                 </a:solidFill>
                 <a:latin typeface="Maven Pro"/>
                 <a:ea typeface="Maven Pro"/>
               </a:rPr>
-              <a:t>needs</a:t>
-            </a:r>
-            <a:endParaRPr b="0" lang="en-US" sz="2800" spc="-1" strike="noStrike">
-              <a:solidFill>
-                <a:srgbClr val="000000"/>
-              </a:solidFill>
-              <a:latin typeface="Arial"/>
-            </a:endParaRPr>
-          </a:p>
-        </p:txBody>
-      </p:sp>
-      <p:pic>
-        <p:nvPicPr>
-          <p:cNvPr id="120" name="Google Shape;284;p14" descr=""/>
-          <p:cNvPicPr/>
-          <p:nvPr/>
-        </p:nvPicPr>
-        <p:blipFill>
-          <a:blip r:embed="rId1"/>
-          <a:stretch/>
-        </p:blipFill>
-        <p:spPr>
-          <a:xfrm>
-            <a:off x="1565280" y="1598040"/>
-            <a:ext cx="6219720" cy="3240360"/>
-          </a:xfrm>
-          <a:prstGeom prst="rect">
-            <a:avLst/>
-          </a:prstGeom>
-          <a:ln>
-            <a:noFill/>
-          </a:ln>
-        </p:spPr>
-      </p:pic>
-      <p:pic>
-        <p:nvPicPr>
-          <p:cNvPr id="121" name="Google Shape;285;p14" descr=""/>
-          <p:cNvPicPr/>
-          <p:nvPr/>
-        </p:nvPicPr>
-        <p:blipFill>
-          <a:blip r:embed="rId2"/>
-          <a:stretch/>
-        </p:blipFill>
-        <p:spPr>
-          <a:xfrm>
-            <a:off x="840600" y="1551960"/>
-            <a:ext cx="7771680" cy="1101240"/>
-          </a:xfrm>
-          <a:prstGeom prst="rect">
-            <a:avLst/>
-          </a:prstGeom>
-          <a:ln>
-            <a:noFill/>
-          </a:ln>
-        </p:spPr>
-      </p:pic>
-      <p:pic>
-        <p:nvPicPr>
-          <p:cNvPr id="122" name="Google Shape;286;p14" descr=""/>
-          <p:cNvPicPr/>
-          <p:nvPr/>
-        </p:nvPicPr>
-        <p:blipFill>
-          <a:blip r:embed="rId3"/>
-          <a:stretch/>
-        </p:blipFill>
-        <p:spPr>
-          <a:xfrm>
-            <a:off x="840600" y="2653560"/>
-            <a:ext cx="7771680" cy="2184840"/>
-          </a:xfrm>
-          <a:prstGeom prst="rect">
-            <a:avLst/>
-          </a:prstGeom>
-          <a:ln>
-            <a:noFill/>
-          </a:ln>
-        </p:spPr>
-      </p:pic>
+              <a:t>- TreeConnector</a:t>
+            </a:r>
+            <a:endParaRPr lang="en-US" sz="3600" b="0" strike="noStrike" spc="-1">
+              <a:solidFill>
+                <a:srgbClr val="000000"/>
+              </a:solidFill>
+              <a:latin typeface="Arial"/>
+            </a:endParaRPr>
+          </a:p>
+        </p:txBody>
+      </p:sp>
     </p:spTree>
   </p:cSld>
-  <mc:AlternateContent>
-    <mc:Choice Requires="p14">
-      <p:transition spd="slow" p14:dur="2000"/>
-    </mc:Choice>
-    <mc:Fallback>
-      <p:transition spd="slow"/>
-    </mc:Fallback>
-  </mc:AlternateContent>
+  <p:clrMapOvr>
+    <a:masterClrMapping/>
+  </p:clrMapOvr>
 </p:sld>
 </file>
 
-<file path=ppt/slides/slide3.xml><?xml version="1.0" encoding="utf-8"?>
-<p:sld xmlns:a="http://schemas.openxmlformats.org/drawingml/2006/main" xmlns:p="http://schemas.openxmlformats.org/presentationml/2006/main" xmlns:r="http://schemas.openxmlformats.org/officeDocument/2006/relationships" xmlns:p14="http://schemas.microsoft.com/office/powerpoint/2010/main" xmlns:p15="http://schemas.microsoft.com/office/powerpoint/2012/main" xmlns:mc="http://schemas.openxmlformats.org/markup-compatibility/2006">
+<file path=ppt/slides/slide2.xml><?xml version="1.0" encoding="utf-8"?>
+<p:sld xmlns:a="http://schemas.openxmlformats.org/drawingml/2006/main" xmlns:r="http://schemas.openxmlformats.org/officeDocument/2006/relationships" xmlns:p="http://schemas.openxmlformats.org/presentationml/2006/main">
   <p:cSld>
     <p:spTree>
       <p:nvGrpSpPr>
@@ -6494,7 +7453,7 @@
       </p:grpSpPr>
       <p:sp>
         <p:nvSpPr>
-          <p:cNvPr id="123" name="TextShape 1"/>
+          <p:cNvPr id="119" name="TextShape 1"/>
           <p:cNvSpPr txBox="1"/>
           <p:nvPr/>
         </p:nvSpPr>
@@ -6515,6 +7474,7 @@
           <a:bodyPr tIns="91440" bIns="91440">
             <a:noAutofit/>
           </a:bodyPr>
+          <a:lstStyle/>
           <a:p>
             <a:pPr>
               <a:lnSpc>
@@ -6522,327 +7482,26 @@
               </a:lnSpc>
             </a:pPr>
             <a:r>
-              <a:rPr b="1" lang="ko" sz="2800" spc="-1" strike="noStrike">
+              <a:rPr lang="ko" sz="2800" b="1" strike="noStrike" spc="-1">
                 <a:solidFill>
                   <a:srgbClr val="424242"/>
                 </a:solidFill>
                 <a:latin typeface="Maven Pro"/>
                 <a:ea typeface="Maven Pro"/>
               </a:rPr>
-              <a:t>수목 진료 현황</a:t>
-            </a:r>
-            <a:endParaRPr b="0" lang="en-US" sz="2800" spc="-1" strike="noStrike">
-              <a:solidFill>
-                <a:srgbClr val="000000"/>
-              </a:solidFill>
-              <a:latin typeface="Arial"/>
-            </a:endParaRPr>
-          </a:p>
-        </p:txBody>
-      </p:sp>
-      <p:sp>
-        <p:nvSpPr>
-          <p:cNvPr id="124" name="TextShape 2"/>
-          <p:cNvSpPr txBox="1"/>
-          <p:nvPr/>
-        </p:nvSpPr>
-        <p:spPr>
-          <a:xfrm>
-            <a:off x="361800" y="1976040"/>
-            <a:ext cx="7030080" cy="2541240"/>
-          </a:xfrm>
-          <a:prstGeom prst="rect">
-            <a:avLst/>
-          </a:prstGeom>
-          <a:noFill/>
-          <a:ln>
-            <a:noFill/>
-          </a:ln>
-        </p:spPr>
-        <p:txBody>
-          <a:bodyPr tIns="91440" bIns="91440">
-            <a:noAutofit/>
-          </a:bodyPr>
-          <a:p>
-            <a:pPr>
-              <a:lnSpc>
-                <a:spcPct val="115000"/>
-              </a:lnSpc>
-            </a:pPr>
-            <a:r>
-              <a:rPr b="0" lang="en-US" sz="2400" spc="-1" strike="noStrike">
+              <a:t>수목 소유자의 </a:t>
+            </a:r>
+            <a:r>
+              <a:rPr lang="en-US" sz="2800" b="1" strike="noStrike" spc="-1">
                 <a:solidFill>
                   <a:srgbClr val="424242"/>
                 </a:solidFill>
-                <a:latin typeface="Nunito"/>
-                <a:ea typeface="Nunito"/>
-              </a:rPr>
-              <a:t>- </a:t>
-            </a:r>
-            <a:r>
-              <a:rPr b="0" lang="ko" sz="2400" spc="-1" strike="noStrike">
-                <a:solidFill>
-                  <a:srgbClr val="424242"/>
-                </a:solidFill>
-                <a:latin typeface="Nunito"/>
-                <a:ea typeface="Nunito"/>
-              </a:rPr>
-              <a:t>기존 </a:t>
-            </a:r>
-            <a:r>
-              <a:rPr b="0" lang="en-US" sz="2400" spc="-1" strike="noStrike">
-                <a:solidFill>
-                  <a:srgbClr val="424242"/>
-                </a:solidFill>
-                <a:latin typeface="Nunito"/>
-                <a:ea typeface="Nunito"/>
-              </a:rPr>
-              <a:t>: </a:t>
-            </a:r>
-            <a:r>
-              <a:rPr b="0" lang="ko" sz="2400" spc="-1" strike="noStrike">
-                <a:solidFill>
-                  <a:srgbClr val="424242"/>
-                </a:solidFill>
-                <a:latin typeface="Nunito"/>
-                <a:ea typeface="Nunito"/>
-              </a:rPr>
-              <a:t>전화</a:t>
-            </a:r>
-            <a:r>
-              <a:rPr b="0" lang="en-US" sz="2400" spc="-1" strike="noStrike">
-                <a:solidFill>
-                  <a:srgbClr val="424242"/>
-                </a:solidFill>
-                <a:latin typeface="Nunito"/>
-                <a:ea typeface="Nunito"/>
-              </a:rPr>
-              <a:t>, </a:t>
-            </a:r>
-            <a:r>
-              <a:rPr b="0" lang="ko" sz="2400" spc="-1" strike="noStrike">
-                <a:solidFill>
-                  <a:srgbClr val="424242"/>
-                </a:solidFill>
-                <a:latin typeface="Nunito"/>
-                <a:ea typeface="Nunito"/>
-              </a:rPr>
-              <a:t>이메일</a:t>
-            </a:r>
-            <a:r>
-              <a:rPr b="0" lang="en-US" sz="2400" spc="-1" strike="noStrike">
-                <a:solidFill>
-                  <a:srgbClr val="424242"/>
-                </a:solidFill>
-                <a:latin typeface="Nunito"/>
-                <a:ea typeface="Nunito"/>
-              </a:rPr>
-              <a:t>, </a:t>
-            </a:r>
-            <a:r>
-              <a:rPr b="0" lang="ko" sz="2400" spc="-1" strike="noStrike">
-                <a:solidFill>
-                  <a:srgbClr val="424242"/>
-                </a:solidFill>
-                <a:latin typeface="Nunito"/>
-                <a:ea typeface="Nunito"/>
-              </a:rPr>
-              <a:t>팩스 상담</a:t>
-            </a:r>
-            <a:endParaRPr b="0" lang="en-US" sz="2400" spc="-1" strike="noStrike">
-              <a:solidFill>
-                <a:srgbClr val="000000"/>
-              </a:solidFill>
-              <a:latin typeface="Arial"/>
-            </a:endParaRPr>
-          </a:p>
-          <a:p>
-            <a:pPr>
-              <a:lnSpc>
-                <a:spcPct val="115000"/>
-              </a:lnSpc>
-              <a:spcBef>
-                <a:spcPts val="1599"/>
-              </a:spcBef>
-            </a:pPr>
-            <a:r>
-              <a:rPr b="0" lang="en-US" sz="2400" spc="-1" strike="noStrike">
-                <a:solidFill>
-                  <a:srgbClr val="424242"/>
-                </a:solidFill>
-                <a:latin typeface="Nunito"/>
-                <a:ea typeface="Nunito"/>
-              </a:rPr>
-              <a:t>- </a:t>
-            </a:r>
-            <a:r>
-              <a:rPr b="0" lang="ko" sz="2400" spc="-1" strike="noStrike">
-                <a:solidFill>
-                  <a:srgbClr val="424242"/>
-                </a:solidFill>
-                <a:latin typeface="Nunito"/>
-                <a:ea typeface="Nunito"/>
-              </a:rPr>
-              <a:t>나무 의사</a:t>
-            </a:r>
-            <a:r>
-              <a:rPr b="0" lang="en-US" sz="2400" spc="-1" strike="noStrike">
-                <a:solidFill>
-                  <a:srgbClr val="424242"/>
-                </a:solidFill>
-                <a:latin typeface="Nunito"/>
-                <a:ea typeface="Nunito"/>
-              </a:rPr>
-              <a:t>, </a:t>
-            </a:r>
-            <a:r>
-              <a:rPr b="0" lang="ko" sz="2400" spc="-1" strike="noStrike">
-                <a:solidFill>
-                  <a:srgbClr val="424242"/>
-                </a:solidFill>
-                <a:latin typeface="Nunito"/>
-                <a:ea typeface="Nunito"/>
-              </a:rPr>
-              <a:t>나무 병원 제도</a:t>
-            </a:r>
-            <a:r>
-              <a:rPr b="0" lang="en-US" sz="2400" spc="-1" strike="noStrike">
-                <a:solidFill>
-                  <a:srgbClr val="424242"/>
-                </a:solidFill>
-                <a:latin typeface="Nunito"/>
-                <a:ea typeface="Nunito"/>
-              </a:rPr>
-              <a:t>(</a:t>
-            </a:r>
-            <a:r>
-              <a:rPr b="0" lang="ko" sz="2400" spc="-1" strike="noStrike">
-                <a:solidFill>
-                  <a:srgbClr val="424242"/>
-                </a:solidFill>
-                <a:latin typeface="Nunito"/>
-                <a:ea typeface="Nunito"/>
-              </a:rPr>
-              <a:t>신규</a:t>
-            </a:r>
-            <a:r>
-              <a:rPr b="0" lang="en-US" sz="2400" spc="-1" strike="noStrike">
-                <a:solidFill>
-                  <a:srgbClr val="424242"/>
-                </a:solidFill>
-                <a:latin typeface="Nunito"/>
-                <a:ea typeface="Nunito"/>
-              </a:rPr>
-              <a:t>)</a:t>
-            </a:r>
-            <a:endParaRPr b="0" lang="en-US" sz="2400" spc="-1" strike="noStrike">
-              <a:solidFill>
-                <a:srgbClr val="000000"/>
-              </a:solidFill>
-              <a:latin typeface="Arial"/>
-            </a:endParaRPr>
-          </a:p>
-          <a:p>
-            <a:pPr>
-              <a:lnSpc>
-                <a:spcPct val="115000"/>
-              </a:lnSpc>
-              <a:spcBef>
-                <a:spcPts val="1599"/>
-              </a:spcBef>
-            </a:pPr>
-            <a:r>
-              <a:rPr b="0" lang="en-US" sz="2400" spc="-1" strike="noStrike">
-                <a:solidFill>
-                  <a:srgbClr val="424242"/>
-                </a:solidFill>
-                <a:latin typeface="Nunito"/>
-                <a:ea typeface="Nunito"/>
-              </a:rPr>
-              <a:t>: </a:t>
-            </a:r>
-            <a:r>
-              <a:rPr b="0" lang="ko" sz="2400" spc="-1" strike="noStrike">
-                <a:solidFill>
-                  <a:srgbClr val="424242"/>
-                </a:solidFill>
-                <a:latin typeface="Nunito"/>
-                <a:ea typeface="Nunito"/>
-              </a:rPr>
-              <a:t>자격증</a:t>
-            </a:r>
-            <a:r>
-              <a:rPr b="0" lang="en-US" sz="2400" spc="-1" strike="noStrike">
-                <a:solidFill>
-                  <a:srgbClr val="424242"/>
-                </a:solidFill>
-                <a:latin typeface="Nunito"/>
-                <a:ea typeface="Nunito"/>
-              </a:rPr>
-              <a:t>, </a:t>
-            </a:r>
-            <a:r>
-              <a:rPr b="0" lang="ko" sz="2400" spc="-1" strike="noStrike">
-                <a:solidFill>
-                  <a:srgbClr val="424242"/>
-                </a:solidFill>
-                <a:latin typeface="Nunito"/>
-                <a:ea typeface="Nunito"/>
-              </a:rPr>
-              <a:t>현장 진료</a:t>
-            </a:r>
-            <a:endParaRPr b="0" lang="en-US" sz="2400" spc="-1" strike="noStrike">
-              <a:solidFill>
-                <a:srgbClr val="000000"/>
-              </a:solidFill>
-              <a:latin typeface="Arial"/>
-            </a:endParaRPr>
-          </a:p>
-          <a:p>
-            <a:pPr>
-              <a:lnSpc>
-                <a:spcPct val="115000"/>
-              </a:lnSpc>
-              <a:spcBef>
-                <a:spcPts val="1599"/>
-              </a:spcBef>
-            </a:pPr>
-            <a:endParaRPr b="0" lang="en-US" sz="2400" spc="-1" strike="noStrike">
-              <a:solidFill>
-                <a:srgbClr val="000000"/>
-              </a:solidFill>
-              <a:latin typeface="Arial"/>
-            </a:endParaRPr>
-          </a:p>
-          <a:p>
-            <a:pPr>
-              <a:lnSpc>
-                <a:spcPct val="115000"/>
-              </a:lnSpc>
-              <a:spcBef>
-                <a:spcPts val="1599"/>
-              </a:spcBef>
-            </a:pPr>
-            <a:endParaRPr b="0" lang="en-US" sz="2400" spc="-1" strike="noStrike">
-              <a:solidFill>
-                <a:srgbClr val="000000"/>
-              </a:solidFill>
-              <a:latin typeface="Arial"/>
-            </a:endParaRPr>
-          </a:p>
-          <a:p>
-            <a:pPr>
-              <a:lnSpc>
-                <a:spcPct val="115000"/>
-              </a:lnSpc>
-              <a:spcBef>
-                <a:spcPts val="1599"/>
-              </a:spcBef>
-              <a:spcAft>
-                <a:spcPts val="1599"/>
-              </a:spcAft>
-            </a:pPr>
-            <a:endParaRPr b="0" lang="en-US" sz="2400" spc="-1" strike="noStrike">
+                <a:latin typeface="Maven Pro"/>
+                <a:ea typeface="Maven Pro"/>
+              </a:rPr>
+              <a:t>needs</a:t>
+            </a:r>
+            <a:endParaRPr lang="en-US" sz="2800" b="0" strike="noStrike" spc="-1">
               <a:solidFill>
                 <a:srgbClr val="000000"/>
               </a:solidFill>
@@ -6853,18 +7512,18 @@
       </p:sp>
       <p:pic>
         <p:nvPicPr>
-          <p:cNvPr id="125" name="Google Shape;293;p15" descr=""/>
+          <p:cNvPr id="120" name="Google Shape;284;p14"/>
           <p:cNvPicPr/>
           <p:nvPr/>
         </p:nvPicPr>
         <p:blipFill>
-          <a:blip r:embed="rId1"/>
+          <a:blip r:embed="rId2"/>
           <a:stretch/>
         </p:blipFill>
         <p:spPr>
           <a:xfrm>
-            <a:off x="5458680" y="114120"/>
-            <a:ext cx="2980800" cy="4915080"/>
+            <a:off x="1565280" y="1598040"/>
+            <a:ext cx="6219720" cy="3240360"/>
           </a:xfrm>
           <a:prstGeom prst="rect">
             <a:avLst/>
@@ -6874,21 +7533,62 @@
           </a:ln>
         </p:spPr>
       </p:pic>
+      <p:pic>
+        <p:nvPicPr>
+          <p:cNvPr id="121" name="Google Shape;285;p14"/>
+          <p:cNvPicPr/>
+          <p:nvPr/>
+        </p:nvPicPr>
+        <p:blipFill>
+          <a:blip r:embed="rId3"/>
+          <a:stretch/>
+        </p:blipFill>
+        <p:spPr>
+          <a:xfrm>
+            <a:off x="840600" y="1551960"/>
+            <a:ext cx="7771680" cy="1101240"/>
+          </a:xfrm>
+          <a:prstGeom prst="rect">
+            <a:avLst/>
+          </a:prstGeom>
+          <a:ln>
+            <a:noFill/>
+          </a:ln>
+        </p:spPr>
+      </p:pic>
+      <p:pic>
+        <p:nvPicPr>
+          <p:cNvPr id="122" name="Google Shape;286;p14"/>
+          <p:cNvPicPr/>
+          <p:nvPr/>
+        </p:nvPicPr>
+        <p:blipFill>
+          <a:blip r:embed="rId4"/>
+          <a:stretch/>
+        </p:blipFill>
+        <p:spPr>
+          <a:xfrm>
+            <a:off x="840600" y="2653560"/>
+            <a:ext cx="7771680" cy="2184840"/>
+          </a:xfrm>
+          <a:prstGeom prst="rect">
+            <a:avLst/>
+          </a:prstGeom>
+          <a:ln>
+            <a:noFill/>
+          </a:ln>
+        </p:spPr>
+      </p:pic>
     </p:spTree>
   </p:cSld>
-  <mc:AlternateContent>
-    <mc:Choice Requires="p14">
-      <p:transition spd="slow" p14:dur="2000"/>
-    </mc:Choice>
-    <mc:Fallback>
-      <p:transition spd="slow"/>
-    </mc:Fallback>
-  </mc:AlternateContent>
+  <p:clrMapOvr>
+    <a:masterClrMapping/>
+  </p:clrMapOvr>
 </p:sld>
 </file>
 
-<file path=ppt/slides/slide4.xml><?xml version="1.0" encoding="utf-8"?>
-<p:sld xmlns:a="http://schemas.openxmlformats.org/drawingml/2006/main" xmlns:p="http://schemas.openxmlformats.org/presentationml/2006/main" xmlns:r="http://schemas.openxmlformats.org/officeDocument/2006/relationships" xmlns:p14="http://schemas.microsoft.com/office/powerpoint/2010/main" xmlns:p15="http://schemas.microsoft.com/office/powerpoint/2012/main" xmlns:mc="http://schemas.openxmlformats.org/markup-compatibility/2006">
+<file path=ppt/slides/slide3.xml><?xml version="1.0" encoding="utf-8"?>
+<p:sld xmlns:a="http://schemas.openxmlformats.org/drawingml/2006/main" xmlns:r="http://schemas.openxmlformats.org/officeDocument/2006/relationships" xmlns:p="http://schemas.openxmlformats.org/presentationml/2006/main">
   <p:cSld>
     <p:spTree>
       <p:nvGrpSpPr>
@@ -6906,7 +7606,7 @@
       </p:grpSpPr>
       <p:sp>
         <p:nvSpPr>
-          <p:cNvPr id="126" name="TextShape 1"/>
+          <p:cNvPr id="123" name="TextShape 1"/>
           <p:cNvSpPr txBox="1"/>
           <p:nvPr/>
         </p:nvSpPr>
@@ -6927,6 +7627,7 @@
           <a:bodyPr tIns="91440" bIns="91440">
             <a:noAutofit/>
           </a:bodyPr>
+          <a:lstStyle/>
           <a:p>
             <a:pPr>
               <a:lnSpc>
@@ -6934,34 +7635,34 @@
               </a:lnSpc>
             </a:pPr>
             <a:r>
-              <a:rPr b="1" lang="ko" sz="2800" spc="-1" strike="noStrike">
+              <a:rPr lang="ko" sz="2800" b="1" strike="noStrike" spc="-1">
                 <a:solidFill>
                   <a:srgbClr val="424242"/>
                 </a:solidFill>
                 <a:latin typeface="Maven Pro"/>
                 <a:ea typeface="Maven Pro"/>
               </a:rPr>
-              <a:t>수목 거래 현황</a:t>
-            </a:r>
-            <a:endParaRPr b="0" lang="en-US" sz="2800" spc="-1" strike="noStrike">
-              <a:solidFill>
-                <a:srgbClr val="000000"/>
-              </a:solidFill>
-              <a:latin typeface="Arial"/>
-            </a:endParaRPr>
-          </a:p>
-        </p:txBody>
-      </p:sp>
-      <p:sp>
-        <p:nvSpPr>
-          <p:cNvPr id="127" name="TextShape 2"/>
+              <a:t>수목 진료 현황</a:t>
+            </a:r>
+            <a:endParaRPr lang="en-US" sz="2800" b="0" strike="noStrike" spc="-1">
+              <a:solidFill>
+                <a:srgbClr val="000000"/>
+              </a:solidFill>
+              <a:latin typeface="Arial"/>
+            </a:endParaRPr>
+          </a:p>
+        </p:txBody>
+      </p:sp>
+      <p:sp>
+        <p:nvSpPr>
+          <p:cNvPr id="124" name="TextShape 2"/>
           <p:cNvSpPr txBox="1"/>
           <p:nvPr/>
         </p:nvSpPr>
         <p:spPr>
           <a:xfrm>
-            <a:off x="249480" y="1990080"/>
-            <a:ext cx="8084520" cy="2541240"/>
+            <a:off x="361800" y="1976040"/>
+            <a:ext cx="7030080" cy="2541240"/>
           </a:xfrm>
           <a:prstGeom prst="rect">
             <a:avLst/>
@@ -6975,6 +7676,7 @@
           <a:bodyPr tIns="91440" bIns="91440">
             <a:noAutofit/>
           </a:bodyPr>
+          <a:lstStyle/>
           <a:p>
             <a:pPr>
               <a:lnSpc>
@@ -6982,7 +7684,7 @@
               </a:lnSpc>
             </a:pPr>
             <a:r>
-              <a:rPr b="0" lang="en-US" sz="2100" spc="-1" strike="noStrike">
+              <a:rPr lang="en-US" sz="2400" b="0" strike="noStrike" spc="-1">
                 <a:solidFill>
                   <a:srgbClr val="424242"/>
                 </a:solidFill>
@@ -6992,16 +7694,76 @@
               <a:t>- </a:t>
             </a:r>
             <a:r>
-              <a:rPr b="0" lang="ko" sz="2100" spc="-1" strike="noStrike">
+              <a:rPr lang="ko" sz="2400" b="0" strike="noStrike" spc="-1">
                 <a:solidFill>
                   <a:srgbClr val="424242"/>
                 </a:solidFill>
                 <a:latin typeface="Nunito"/>
                 <a:ea typeface="Nunito"/>
               </a:rPr>
-              <a:t>중개 사이트와 조달청 간 가격 차이</a:t>
-            </a:r>
-            <a:endParaRPr b="0" lang="en-US" sz="2100" spc="-1" strike="noStrike">
+              <a:t>기존 </a:t>
+            </a:r>
+            <a:r>
+              <a:rPr lang="en-US" sz="2400" b="0" strike="noStrike" spc="-1">
+                <a:solidFill>
+                  <a:srgbClr val="424242"/>
+                </a:solidFill>
+                <a:latin typeface="Nunito"/>
+                <a:ea typeface="Nunito"/>
+              </a:rPr>
+              <a:t>: </a:t>
+            </a:r>
+            <a:r>
+              <a:rPr lang="ko" sz="2400" b="0" strike="noStrike" spc="-1">
+                <a:solidFill>
+                  <a:srgbClr val="424242"/>
+                </a:solidFill>
+                <a:latin typeface="Nunito"/>
+                <a:ea typeface="Nunito"/>
+              </a:rPr>
+              <a:t>전화</a:t>
+            </a:r>
+            <a:r>
+              <a:rPr lang="en-US" sz="2400" b="0" strike="noStrike" spc="-1">
+                <a:solidFill>
+                  <a:srgbClr val="424242"/>
+                </a:solidFill>
+                <a:latin typeface="Nunito"/>
+                <a:ea typeface="Nunito"/>
+              </a:rPr>
+              <a:t>, </a:t>
+            </a:r>
+            <a:r>
+              <a:rPr lang="ko" sz="2400" b="0" strike="noStrike" spc="-1">
+                <a:solidFill>
+                  <a:srgbClr val="424242"/>
+                </a:solidFill>
+                <a:latin typeface="Nunito"/>
+                <a:ea typeface="Nunito"/>
+              </a:rPr>
+              <a:t>이메일</a:t>
+            </a:r>
+            <a:r>
+              <a:rPr lang="en-US" sz="2400" b="0" strike="noStrike" spc="-1">
+                <a:solidFill>
+                  <a:srgbClr val="424242"/>
+                </a:solidFill>
+                <a:latin typeface="Nunito"/>
+                <a:ea typeface="Nunito"/>
+              </a:rPr>
+              <a:t>, </a:t>
+            </a:r>
+            <a:r>
+              <a:rPr lang="ko" sz="2400" b="0" strike="noStrike" spc="-1">
+                <a:solidFill>
+                  <a:srgbClr val="424242"/>
+                </a:solidFill>
+                <a:latin typeface="Nunito"/>
+                <a:ea typeface="Nunito"/>
+              </a:rPr>
+              <a:t>팩스 상담</a:t>
+            </a:r>
+            <a:endParaRPr lang="en-US" sz="2400" b="0" strike="noStrike" spc="-1">
               <a:solidFill>
                 <a:srgbClr val="000000"/>
               </a:solidFill>
@@ -7018,7 +7780,7 @@
               </a:spcBef>
             </a:pPr>
             <a:r>
-              <a:rPr b="0" lang="en-US" sz="2100" spc="-1" strike="noStrike">
+              <a:rPr lang="en-US" sz="2400" b="0" strike="noStrike" spc="-1">
                 <a:solidFill>
                   <a:srgbClr val="424242"/>
                 </a:solidFill>
@@ -7028,16 +7790,66 @@
               <a:t>- </a:t>
             </a:r>
             <a:r>
-              <a:rPr b="0" lang="ko" sz="2100" spc="-1" strike="noStrike">
+              <a:rPr lang="ko" sz="2400" b="0" strike="noStrike" spc="-1">
                 <a:solidFill>
                   <a:srgbClr val="424242"/>
                 </a:solidFill>
                 <a:latin typeface="Nunito"/>
                 <a:ea typeface="Nunito"/>
               </a:rPr>
-              <a:t>너무 많은 중간 도매상이 존재</a:t>
-            </a:r>
-            <a:endParaRPr b="0" lang="en-US" sz="2100" spc="-1" strike="noStrike">
+              <a:t>나무 의사</a:t>
+            </a:r>
+            <a:r>
+              <a:rPr lang="en-US" sz="2400" b="0" strike="noStrike" spc="-1">
+                <a:solidFill>
+                  <a:srgbClr val="424242"/>
+                </a:solidFill>
+                <a:latin typeface="Nunito"/>
+                <a:ea typeface="Nunito"/>
+              </a:rPr>
+              <a:t>, </a:t>
+            </a:r>
+            <a:r>
+              <a:rPr lang="ko" sz="2400" b="0" strike="noStrike" spc="-1">
+                <a:solidFill>
+                  <a:srgbClr val="424242"/>
+                </a:solidFill>
+                <a:latin typeface="Nunito"/>
+                <a:ea typeface="Nunito"/>
+              </a:rPr>
+              <a:t>나무 병원 제도</a:t>
+            </a:r>
+            <a:r>
+              <a:rPr lang="en-US" sz="2400" b="0" strike="noStrike" spc="-1">
+                <a:solidFill>
+                  <a:srgbClr val="424242"/>
+                </a:solidFill>
+                <a:latin typeface="Nunito"/>
+                <a:ea typeface="Nunito"/>
+              </a:rPr>
+              <a:t>(</a:t>
+            </a:r>
+            <a:r>
+              <a:rPr lang="ko" sz="2400" b="0" strike="noStrike" spc="-1">
+                <a:solidFill>
+                  <a:srgbClr val="424242"/>
+                </a:solidFill>
+                <a:latin typeface="Nunito"/>
+                <a:ea typeface="Nunito"/>
+              </a:rPr>
+              <a:t>신규</a:t>
+            </a:r>
+            <a:r>
+              <a:rPr lang="en-US" sz="2400" b="0" strike="noStrike" spc="-1">
+                <a:solidFill>
+                  <a:srgbClr val="424242"/>
+                </a:solidFill>
+                <a:latin typeface="Nunito"/>
+                <a:ea typeface="Nunito"/>
+              </a:rPr>
+              <a:t>)</a:t>
+            </a:r>
+            <a:endParaRPr lang="en-US" sz="2400" b="0" strike="noStrike" spc="-1">
               <a:solidFill>
                 <a:srgbClr val="000000"/>
               </a:solidFill>
@@ -7054,26 +7866,46 @@
               </a:spcBef>
             </a:pPr>
             <a:r>
-              <a:rPr b="0" lang="en-US" sz="2100" spc="-1" strike="noStrike">
+              <a:rPr lang="en-US" sz="2400" b="0" strike="noStrike" spc="-1">
                 <a:solidFill>
                   <a:srgbClr val="424242"/>
                 </a:solidFill>
                 <a:latin typeface="Nunito"/>
                 <a:ea typeface="Nunito"/>
               </a:rPr>
-              <a:t>- </a:t>
-            </a:r>
-            <a:r>
-              <a:rPr b="0" lang="ko" sz="2100" spc="-1" strike="noStrike">
+              <a:t>: </a:t>
+            </a:r>
+            <a:r>
+              <a:rPr lang="ko" sz="2400" b="0" strike="noStrike" spc="-1">
                 <a:solidFill>
                   <a:srgbClr val="424242"/>
                 </a:solidFill>
                 <a:latin typeface="Nunito"/>
                 <a:ea typeface="Nunito"/>
               </a:rPr>
-              <a:t>생산자는 낮은 가격으로 인한 덤핑 판매</a:t>
-            </a:r>
-            <a:endParaRPr b="0" lang="en-US" sz="2100" spc="-1" strike="noStrike">
+              <a:t>자격증</a:t>
+            </a:r>
+            <a:r>
+              <a:rPr lang="en-US" sz="2400" b="0" strike="noStrike" spc="-1">
+                <a:solidFill>
+                  <a:srgbClr val="424242"/>
+                </a:solidFill>
+                <a:latin typeface="Nunito"/>
+                <a:ea typeface="Nunito"/>
+              </a:rPr>
+              <a:t>, </a:t>
+            </a:r>
+            <a:r>
+              <a:rPr lang="ko" sz="2400" b="0" strike="noStrike" spc="-1">
+                <a:solidFill>
+                  <a:srgbClr val="424242"/>
+                </a:solidFill>
+                <a:latin typeface="Nunito"/>
+                <a:ea typeface="Nunito"/>
+              </a:rPr>
+              <a:t>현장 진료</a:t>
+            </a:r>
+            <a:endParaRPr lang="en-US" sz="2400" b="0" strike="noStrike" spc="-1">
               <a:solidFill>
                 <a:srgbClr val="000000"/>
               </a:solidFill>
@@ -7089,27 +7921,23 @@
                 <a:spcPts val="1599"/>
               </a:spcBef>
             </a:pPr>
-            <a:r>
-              <a:rPr b="0" lang="en-US" sz="2100" spc="-1" strike="noStrike">
-                <a:solidFill>
-                  <a:srgbClr val="424242"/>
-                </a:solidFill>
-                <a:latin typeface="Nunito"/>
-                <a:ea typeface="Nunito"/>
-              </a:rPr>
-              <a:t>- </a:t>
-            </a:r>
-            <a:r>
-              <a:rPr b="0" lang="ko" sz="2100" spc="-1" strike="noStrike">
-                <a:solidFill>
-                  <a:srgbClr val="424242"/>
-                </a:solidFill>
-                <a:latin typeface="Nunito"/>
-                <a:ea typeface="Nunito"/>
-              </a:rPr>
-              <a:t>결과적으로 품질 하락 및 하자발생률 상승</a:t>
-            </a:r>
-            <a:endParaRPr b="0" lang="en-US" sz="2100" spc="-1" strike="noStrike">
+            <a:endParaRPr lang="en-US" sz="2400" b="0" strike="noStrike" spc="-1">
+              <a:solidFill>
+                <a:srgbClr val="000000"/>
+              </a:solidFill>
+              <a:latin typeface="Arial"/>
+            </a:endParaRPr>
+          </a:p>
+          <a:p>
+            <a:pPr>
+              <a:lnSpc>
+                <a:spcPct val="115000"/>
+              </a:lnSpc>
+              <a:spcBef>
+                <a:spcPts val="1599"/>
+              </a:spcBef>
+            </a:pPr>
+            <a:endParaRPr lang="en-US" sz="2400" b="0" strike="noStrike" spc="-1">
               <a:solidFill>
                 <a:srgbClr val="000000"/>
               </a:solidFill>
@@ -7128,7 +7956,7 @@
                 <a:spcPts val="1599"/>
               </a:spcAft>
             </a:pPr>
-            <a:endParaRPr b="0" lang="en-US" sz="2100" spc="-1" strike="noStrike">
+            <a:endParaRPr lang="en-US" sz="2400" b="0" strike="noStrike" spc="-1">
               <a:solidFill>
                 <a:srgbClr val="000000"/>
               </a:solidFill>
@@ -7139,30 +7967,7 @@
       </p:sp>
       <p:pic>
         <p:nvPicPr>
-          <p:cNvPr id="128" name="Google Shape;300;p16" descr=""/>
-          <p:cNvPicPr/>
-          <p:nvPr/>
-        </p:nvPicPr>
-        <p:blipFill>
-          <a:blip r:embed="rId1"/>
-          <a:stretch/>
-        </p:blipFill>
-        <p:spPr>
-          <a:xfrm>
-            <a:off x="4354560" y="921600"/>
-            <a:ext cx="4756680" cy="306720"/>
-          </a:xfrm>
-          <a:prstGeom prst="rect">
-            <a:avLst/>
-          </a:prstGeom>
-          <a:ln>
-            <a:noFill/>
-          </a:ln>
-        </p:spPr>
-      </p:pic>
-      <p:pic>
-        <p:nvPicPr>
-          <p:cNvPr id="129" name="Google Shape;301;p16" descr=""/>
+          <p:cNvPr id="125" name="Google Shape;293;p15"/>
           <p:cNvPicPr/>
           <p:nvPr/>
         </p:nvPicPr>
@@ -7172,8 +7977,8 @@
         </p:blipFill>
         <p:spPr>
           <a:xfrm>
-            <a:off x="5482080" y="3070800"/>
-            <a:ext cx="3061080" cy="1818720"/>
+            <a:off x="5458680" y="114120"/>
+            <a:ext cx="2980800" cy="4915080"/>
           </a:xfrm>
           <a:prstGeom prst="rect">
             <a:avLst/>
@@ -7183,44 +7988,16 @@
           </a:ln>
         </p:spPr>
       </p:pic>
-      <p:pic>
-        <p:nvPicPr>
-          <p:cNvPr id="130" name="Google Shape;302;p16" descr=""/>
-          <p:cNvPicPr/>
-          <p:nvPr/>
-        </p:nvPicPr>
-        <p:blipFill>
-          <a:blip r:embed="rId3"/>
-          <a:stretch/>
-        </p:blipFill>
-        <p:spPr>
-          <a:xfrm>
-            <a:off x="5482080" y="1228680"/>
-            <a:ext cx="3061080" cy="1841400"/>
-          </a:xfrm>
-          <a:prstGeom prst="rect">
-            <a:avLst/>
-          </a:prstGeom>
-          <a:ln>
-            <a:noFill/>
-          </a:ln>
-        </p:spPr>
-      </p:pic>
     </p:spTree>
   </p:cSld>
-  <mc:AlternateContent>
-    <mc:Choice Requires="p14">
-      <p:transition spd="slow" p14:dur="2000"/>
-    </mc:Choice>
-    <mc:Fallback>
-      <p:transition spd="slow"/>
-    </mc:Fallback>
-  </mc:AlternateContent>
+  <p:clrMapOvr>
+    <a:masterClrMapping/>
+  </p:clrMapOvr>
 </p:sld>
 </file>
 
-<file path=ppt/slides/slide5.xml><?xml version="1.0" encoding="utf-8"?>
-<p:sld xmlns:a="http://schemas.openxmlformats.org/drawingml/2006/main" xmlns:p="http://schemas.openxmlformats.org/presentationml/2006/main" xmlns:r="http://schemas.openxmlformats.org/officeDocument/2006/relationships" xmlns:p14="http://schemas.microsoft.com/office/powerpoint/2010/main" xmlns:p15="http://schemas.microsoft.com/office/powerpoint/2012/main" xmlns:mc="http://schemas.openxmlformats.org/markup-compatibility/2006">
+<file path=ppt/slides/slide4.xml><?xml version="1.0" encoding="utf-8"?>
+<p:sld xmlns:a="http://schemas.openxmlformats.org/drawingml/2006/main" xmlns:r="http://schemas.openxmlformats.org/officeDocument/2006/relationships" xmlns:p="http://schemas.openxmlformats.org/presentationml/2006/main">
   <p:cSld>
     <p:spTree>
       <p:nvGrpSpPr>
@@ -7238,7 +8015,7 @@
       </p:grpSpPr>
       <p:sp>
         <p:nvSpPr>
-          <p:cNvPr id="131" name="TextShape 1"/>
+          <p:cNvPr id="126" name="TextShape 1"/>
           <p:cNvSpPr txBox="1"/>
           <p:nvPr/>
         </p:nvSpPr>
@@ -7259,6 +8036,7 @@
           <a:bodyPr tIns="91440" bIns="91440">
             <a:noAutofit/>
           </a:bodyPr>
+          <a:lstStyle/>
           <a:p>
             <a:pPr>
               <a:lnSpc>
@@ -7266,60 +8044,213 @@
               </a:lnSpc>
             </a:pPr>
             <a:r>
-              <a:rPr b="1" lang="ko" sz="2800" spc="-1" strike="noStrike">
+              <a:rPr lang="ko" sz="2800" b="1" strike="noStrike" spc="-1">
                 <a:solidFill>
                   <a:srgbClr val="424242"/>
                 </a:solidFill>
                 <a:latin typeface="Maven Pro"/>
                 <a:ea typeface="Maven Pro"/>
               </a:rPr>
-              <a:t>문제 </a:t>
-            </a:r>
-            <a:r>
-              <a:rPr b="1" lang="ko" sz="2800" spc="-1" strike="noStrike">
-                <a:solidFill>
-                  <a:srgbClr val="424242"/>
-                </a:solidFill>
-                <a:latin typeface="Maven Pro"/>
-                <a:ea typeface="Maven Pro"/>
-              </a:rPr>
-              <a:t>정의</a:t>
-            </a:r>
-            <a:endParaRPr b="0" lang="en-US" sz="2800" spc="-1" strike="noStrike">
-              <a:solidFill>
-                <a:srgbClr val="000000"/>
-              </a:solidFill>
-              <a:latin typeface="Arial"/>
-            </a:endParaRPr>
-          </a:p>
-        </p:txBody>
-      </p:sp>
-      <p:pic>
-        <p:nvPicPr>
-          <p:cNvPr id="132" name="Google Shape;308;p17" descr=""/>
-          <p:cNvPicPr/>
+              <a:t>수목 거래 현황</a:t>
+            </a:r>
+            <a:endParaRPr lang="en-US" sz="2800" b="0" strike="noStrike" spc="-1">
+              <a:solidFill>
+                <a:srgbClr val="000000"/>
+              </a:solidFill>
+              <a:latin typeface="Arial"/>
+            </a:endParaRPr>
+          </a:p>
+        </p:txBody>
+      </p:sp>
+      <p:sp>
+        <p:nvSpPr>
+          <p:cNvPr id="127" name="TextShape 2"/>
+          <p:cNvSpPr txBox="1"/>
           <p:nvPr/>
-        </p:nvPicPr>
-        <p:blipFill>
-          <a:blip r:embed="rId1"/>
-          <a:stretch/>
-        </p:blipFill>
-        <p:spPr>
-          <a:xfrm>
-            <a:off x="1153440" y="3531600"/>
-            <a:ext cx="2514240" cy="961560"/>
-          </a:xfrm>
-          <a:prstGeom prst="rect">
-            <a:avLst/>
-          </a:prstGeom>
+        </p:nvSpPr>
+        <p:spPr>
+          <a:xfrm>
+            <a:off x="249480" y="1990080"/>
+            <a:ext cx="8084520" cy="2541240"/>
+          </a:xfrm>
+          <a:prstGeom prst="rect">
+            <a:avLst/>
+          </a:prstGeom>
+          <a:noFill/>
           <a:ln>
             <a:noFill/>
           </a:ln>
         </p:spPr>
-      </p:pic>
+        <p:txBody>
+          <a:bodyPr tIns="91440" bIns="91440">
+            <a:noAutofit/>
+          </a:bodyPr>
+          <a:lstStyle/>
+          <a:p>
+            <a:pPr>
+              <a:lnSpc>
+                <a:spcPct val="115000"/>
+              </a:lnSpc>
+            </a:pPr>
+            <a:r>
+              <a:rPr lang="en-US" sz="2100" b="0" strike="noStrike" spc="-1">
+                <a:solidFill>
+                  <a:srgbClr val="424242"/>
+                </a:solidFill>
+                <a:latin typeface="Nunito"/>
+                <a:ea typeface="Nunito"/>
+              </a:rPr>
+              <a:t>- </a:t>
+            </a:r>
+            <a:r>
+              <a:rPr lang="ko" sz="2100" b="0" strike="noStrike" spc="-1">
+                <a:solidFill>
+                  <a:srgbClr val="424242"/>
+                </a:solidFill>
+                <a:latin typeface="Nunito"/>
+                <a:ea typeface="Nunito"/>
+              </a:rPr>
+              <a:t>중개 사이트와 조달청 간 가격 차이</a:t>
+            </a:r>
+            <a:endParaRPr lang="en-US" sz="2100" b="0" strike="noStrike" spc="-1">
+              <a:solidFill>
+                <a:srgbClr val="000000"/>
+              </a:solidFill>
+              <a:latin typeface="Arial"/>
+            </a:endParaRPr>
+          </a:p>
+          <a:p>
+            <a:pPr>
+              <a:lnSpc>
+                <a:spcPct val="115000"/>
+              </a:lnSpc>
+              <a:spcBef>
+                <a:spcPts val="1599"/>
+              </a:spcBef>
+            </a:pPr>
+            <a:r>
+              <a:rPr lang="en-US" sz="2100" b="0" strike="noStrike" spc="-1">
+                <a:solidFill>
+                  <a:srgbClr val="424242"/>
+                </a:solidFill>
+                <a:latin typeface="Nunito"/>
+                <a:ea typeface="Nunito"/>
+              </a:rPr>
+              <a:t>- </a:t>
+            </a:r>
+            <a:r>
+              <a:rPr lang="ko" sz="2100" b="0" strike="noStrike" spc="-1">
+                <a:solidFill>
+                  <a:srgbClr val="424242"/>
+                </a:solidFill>
+                <a:latin typeface="Nunito"/>
+                <a:ea typeface="Nunito"/>
+              </a:rPr>
+              <a:t>너무 많은 중간 도매상이 존재</a:t>
+            </a:r>
+            <a:endParaRPr lang="en-US" sz="2100" b="0" strike="noStrike" spc="-1">
+              <a:solidFill>
+                <a:srgbClr val="000000"/>
+              </a:solidFill>
+              <a:latin typeface="Arial"/>
+            </a:endParaRPr>
+          </a:p>
+          <a:p>
+            <a:pPr>
+              <a:lnSpc>
+                <a:spcPct val="115000"/>
+              </a:lnSpc>
+              <a:spcBef>
+                <a:spcPts val="1599"/>
+              </a:spcBef>
+            </a:pPr>
+            <a:r>
+              <a:rPr lang="en-US" sz="2100" b="0" strike="noStrike" spc="-1">
+                <a:solidFill>
+                  <a:srgbClr val="424242"/>
+                </a:solidFill>
+                <a:latin typeface="Nunito"/>
+                <a:ea typeface="Nunito"/>
+              </a:rPr>
+              <a:t>- </a:t>
+            </a:r>
+            <a:r>
+              <a:rPr lang="ko" sz="2100" b="0" strike="noStrike" spc="-1">
+                <a:solidFill>
+                  <a:srgbClr val="424242"/>
+                </a:solidFill>
+                <a:latin typeface="Nunito"/>
+                <a:ea typeface="Nunito"/>
+              </a:rPr>
+              <a:t>생산자는 낮은 가격으로 인한 덤핑 판매</a:t>
+            </a:r>
+            <a:endParaRPr lang="en-US" sz="2100" b="0" strike="noStrike" spc="-1">
+              <a:solidFill>
+                <a:srgbClr val="000000"/>
+              </a:solidFill>
+              <a:latin typeface="Arial"/>
+            </a:endParaRPr>
+          </a:p>
+          <a:p>
+            <a:pPr>
+              <a:lnSpc>
+                <a:spcPct val="115000"/>
+              </a:lnSpc>
+              <a:spcBef>
+                <a:spcPts val="1599"/>
+              </a:spcBef>
+            </a:pPr>
+            <a:r>
+              <a:rPr lang="en-US" sz="2100" b="0" strike="noStrike" spc="-1">
+                <a:solidFill>
+                  <a:srgbClr val="424242"/>
+                </a:solidFill>
+                <a:latin typeface="Nunito"/>
+                <a:ea typeface="Nunito"/>
+              </a:rPr>
+              <a:t>- </a:t>
+            </a:r>
+            <a:r>
+              <a:rPr lang="ko" sz="2100" b="0" strike="noStrike" spc="-1">
+                <a:solidFill>
+                  <a:srgbClr val="424242"/>
+                </a:solidFill>
+                <a:latin typeface="Nunito"/>
+                <a:ea typeface="Nunito"/>
+              </a:rPr>
+              <a:t>결과적으로 품질 하락 및 하자발생률 상승</a:t>
+            </a:r>
+            <a:endParaRPr lang="en-US" sz="2100" b="0" strike="noStrike" spc="-1">
+              <a:solidFill>
+                <a:srgbClr val="000000"/>
+              </a:solidFill>
+              <a:latin typeface="Arial"/>
+            </a:endParaRPr>
+          </a:p>
+          <a:p>
+            <a:pPr>
+              <a:lnSpc>
+                <a:spcPct val="115000"/>
+              </a:lnSpc>
+              <a:spcBef>
+                <a:spcPts val="1599"/>
+              </a:spcBef>
+              <a:spcAft>
+                <a:spcPts val="1599"/>
+              </a:spcAft>
+            </a:pPr>
+            <a:endParaRPr lang="en-US" sz="2100" b="0" strike="noStrike" spc="-1">
+              <a:solidFill>
+                <a:srgbClr val="000000"/>
+              </a:solidFill>
+              <a:latin typeface="Arial"/>
+            </a:endParaRPr>
+          </a:p>
+        </p:txBody>
+      </p:sp>
       <p:pic>
         <p:nvPicPr>
-          <p:cNvPr id="133" name="Google Shape;309;p17" descr=""/>
+          <p:cNvPr id="128" name="Google Shape;300;p16"/>
           <p:cNvPicPr/>
           <p:nvPr/>
         </p:nvPicPr>
@@ -7329,8 +8260,8 @@
         </p:blipFill>
         <p:spPr>
           <a:xfrm>
-            <a:off x="4180680" y="1107000"/>
-            <a:ext cx="2514240" cy="961560"/>
+            <a:off x="4354560" y="921600"/>
+            <a:ext cx="4756680" cy="306720"/>
           </a:xfrm>
           <a:prstGeom prst="rect">
             <a:avLst/>
@@ -7342,7 +8273,7 @@
       </p:pic>
       <p:pic>
         <p:nvPicPr>
-          <p:cNvPr id="134" name="Google Shape;310;p17" descr=""/>
+          <p:cNvPr id="129" name="Google Shape;301;p16"/>
           <p:cNvPicPr/>
           <p:nvPr/>
         </p:nvPicPr>
@@ -7352,8 +8283,8 @@
         </p:blipFill>
         <p:spPr>
           <a:xfrm>
-            <a:off x="5683680" y="2221560"/>
-            <a:ext cx="2514240" cy="961560"/>
+            <a:off x="5482080" y="3070800"/>
+            <a:ext cx="3061080" cy="1818720"/>
           </a:xfrm>
           <a:prstGeom prst="rect">
             <a:avLst/>
@@ -7365,7 +8296,7 @@
       </p:pic>
       <p:pic>
         <p:nvPicPr>
-          <p:cNvPr id="135" name="Google Shape;311;p17" descr=""/>
+          <p:cNvPr id="130" name="Google Shape;302;p16"/>
           <p:cNvPicPr/>
           <p:nvPr/>
         </p:nvPicPr>
@@ -7375,8 +8306,8 @@
         </p:blipFill>
         <p:spPr>
           <a:xfrm>
-            <a:off x="1804680" y="2367720"/>
-            <a:ext cx="2514240" cy="961560"/>
+            <a:off x="5482080" y="1228680"/>
+            <a:ext cx="3061080" cy="1841400"/>
           </a:xfrm>
           <a:prstGeom prst="rect">
             <a:avLst/>
@@ -7386,44 +8317,16 @@
           </a:ln>
         </p:spPr>
       </p:pic>
-      <p:pic>
-        <p:nvPicPr>
-          <p:cNvPr id="136" name="Google Shape;312;p17" descr=""/>
-          <p:cNvPicPr/>
-          <p:nvPr/>
-        </p:nvPicPr>
-        <p:blipFill>
-          <a:blip r:embed="rId5"/>
-          <a:stretch/>
-        </p:blipFill>
-        <p:spPr>
-          <a:xfrm>
-            <a:off x="4388400" y="3611160"/>
-            <a:ext cx="2514240" cy="961560"/>
-          </a:xfrm>
-          <a:prstGeom prst="rect">
-            <a:avLst/>
-          </a:prstGeom>
-          <a:ln>
-            <a:noFill/>
-          </a:ln>
-        </p:spPr>
-      </p:pic>
     </p:spTree>
   </p:cSld>
-  <mc:AlternateContent>
-    <mc:Choice Requires="p14">
-      <p:transition spd="slow" p14:dur="2000"/>
-    </mc:Choice>
-    <mc:Fallback>
-      <p:transition spd="slow"/>
-    </mc:Fallback>
-  </mc:AlternateContent>
+  <p:clrMapOvr>
+    <a:masterClrMapping/>
+  </p:clrMapOvr>
 </p:sld>
 </file>
 
-<file path=ppt/slides/slide6.xml><?xml version="1.0" encoding="utf-8"?>
-<p:sld xmlns:a="http://schemas.openxmlformats.org/drawingml/2006/main" xmlns:p="http://schemas.openxmlformats.org/presentationml/2006/main" xmlns:r="http://schemas.openxmlformats.org/officeDocument/2006/relationships" xmlns:p14="http://schemas.microsoft.com/office/powerpoint/2010/main" xmlns:p15="http://schemas.microsoft.com/office/powerpoint/2012/main" xmlns:mc="http://schemas.openxmlformats.org/markup-compatibility/2006">
+<file path=ppt/slides/slide5.xml><?xml version="1.0" encoding="utf-8"?>
+<p:sld xmlns:a="http://schemas.openxmlformats.org/drawingml/2006/main" xmlns:r="http://schemas.openxmlformats.org/officeDocument/2006/relationships" xmlns:p="http://schemas.openxmlformats.org/presentationml/2006/main">
   <p:cSld>
     <p:spTree>
       <p:nvGrpSpPr>
@@ -7441,7 +8344,7 @@
       </p:grpSpPr>
       <p:sp>
         <p:nvSpPr>
-          <p:cNvPr id="137" name="TextShape 1"/>
+          <p:cNvPr id="131" name="TextShape 1"/>
           <p:cNvSpPr txBox="1"/>
           <p:nvPr/>
         </p:nvSpPr>
@@ -7462,6 +8365,7 @@
           <a:bodyPr tIns="91440" bIns="91440">
             <a:noAutofit/>
           </a:bodyPr>
+          <a:lstStyle/>
           <a:p>
             <a:pPr>
               <a:lnSpc>
@@ -7469,16 +8373,16 @@
               </a:lnSpc>
             </a:pPr>
             <a:r>
-              <a:rPr b="1" lang="ko" sz="2800" spc="-1" strike="noStrike">
+              <a:rPr lang="ko" sz="2800" b="1" strike="noStrike" spc="-1">
                 <a:solidFill>
                   <a:srgbClr val="424242"/>
                 </a:solidFill>
                 <a:latin typeface="Maven Pro"/>
                 <a:ea typeface="Maven Pro"/>
               </a:rPr>
-              <a:t>해결 방법</a:t>
-            </a:r>
-            <a:endParaRPr b="0" lang="en-US" sz="2800" spc="-1" strike="noStrike">
+              <a:t>문제 정의</a:t>
+            </a:r>
+            <a:endParaRPr lang="en-US" sz="2800" b="0" strike="noStrike" spc="-1">
               <a:solidFill>
                 <a:srgbClr val="000000"/>
               </a:solidFill>
@@ -7489,30 +8393,7 @@
       </p:sp>
       <p:pic>
         <p:nvPicPr>
-          <p:cNvPr id="138" name="Google Shape;318;p18" descr=""/>
-          <p:cNvPicPr/>
-          <p:nvPr/>
-        </p:nvPicPr>
-        <p:blipFill>
-          <a:blip r:embed="rId1"/>
-          <a:stretch/>
-        </p:blipFill>
-        <p:spPr>
-          <a:xfrm>
-            <a:off x="1690200" y="1113120"/>
-            <a:ext cx="4516200" cy="4030200"/>
-          </a:xfrm>
-          <a:prstGeom prst="rect">
-            <a:avLst/>
-          </a:prstGeom>
-          <a:ln>
-            <a:noFill/>
-          </a:ln>
-        </p:spPr>
-      </p:pic>
-      <p:pic>
-        <p:nvPicPr>
-          <p:cNvPr id="139" name="Google Shape;319;p18" descr=""/>
+          <p:cNvPr id="132" name="Google Shape;308;p17"/>
           <p:cNvPicPr/>
           <p:nvPr/>
         </p:nvPicPr>
@@ -7522,8 +8403,8 @@
         </p:blipFill>
         <p:spPr>
           <a:xfrm>
-            <a:off x="6345360" y="1708560"/>
-            <a:ext cx="2271960" cy="2037240"/>
+            <a:off x="1153440" y="3531600"/>
+            <a:ext cx="2514240" cy="961560"/>
           </a:xfrm>
           <a:prstGeom prst="rect">
             <a:avLst/>
@@ -7535,7 +8416,7 @@
       </p:pic>
       <p:pic>
         <p:nvPicPr>
-          <p:cNvPr id="140" name="Google Shape;320;p18" descr=""/>
+          <p:cNvPr id="133" name="Google Shape;309;p17"/>
           <p:cNvPicPr/>
           <p:nvPr/>
         </p:nvPicPr>
@@ -7545,8 +8426,8 @@
         </p:blipFill>
         <p:spPr>
           <a:xfrm>
-            <a:off x="885600" y="3812400"/>
-            <a:ext cx="1760040" cy="1092240"/>
+            <a:off x="4180680" y="1107000"/>
+            <a:ext cx="2514240" cy="961560"/>
           </a:xfrm>
           <a:prstGeom prst="rect">
             <a:avLst/>
@@ -7556,21 +8437,85 @@
           </a:ln>
         </p:spPr>
       </p:pic>
+      <p:pic>
+        <p:nvPicPr>
+          <p:cNvPr id="134" name="Google Shape;310;p17"/>
+          <p:cNvPicPr/>
+          <p:nvPr/>
+        </p:nvPicPr>
+        <p:blipFill>
+          <a:blip r:embed="rId4"/>
+          <a:stretch/>
+        </p:blipFill>
+        <p:spPr>
+          <a:xfrm>
+            <a:off x="5683680" y="2221560"/>
+            <a:ext cx="2514240" cy="961560"/>
+          </a:xfrm>
+          <a:prstGeom prst="rect">
+            <a:avLst/>
+          </a:prstGeom>
+          <a:ln>
+            <a:noFill/>
+          </a:ln>
+        </p:spPr>
+      </p:pic>
+      <p:pic>
+        <p:nvPicPr>
+          <p:cNvPr id="135" name="Google Shape;311;p17"/>
+          <p:cNvPicPr/>
+          <p:nvPr/>
+        </p:nvPicPr>
+        <p:blipFill>
+          <a:blip r:embed="rId5"/>
+          <a:stretch/>
+        </p:blipFill>
+        <p:spPr>
+          <a:xfrm>
+            <a:off x="1804680" y="2367720"/>
+            <a:ext cx="2514240" cy="961560"/>
+          </a:xfrm>
+          <a:prstGeom prst="rect">
+            <a:avLst/>
+          </a:prstGeom>
+          <a:ln>
+            <a:noFill/>
+          </a:ln>
+        </p:spPr>
+      </p:pic>
+      <p:pic>
+        <p:nvPicPr>
+          <p:cNvPr id="136" name="Google Shape;312;p17"/>
+          <p:cNvPicPr/>
+          <p:nvPr/>
+        </p:nvPicPr>
+        <p:blipFill>
+          <a:blip r:embed="rId6"/>
+          <a:stretch/>
+        </p:blipFill>
+        <p:spPr>
+          <a:xfrm>
+            <a:off x="4388400" y="3611160"/>
+            <a:ext cx="2514240" cy="961560"/>
+          </a:xfrm>
+          <a:prstGeom prst="rect">
+            <a:avLst/>
+          </a:prstGeom>
+          <a:ln>
+            <a:noFill/>
+          </a:ln>
+        </p:spPr>
+      </p:pic>
     </p:spTree>
   </p:cSld>
-  <mc:AlternateContent>
-    <mc:Choice Requires="p14">
-      <p:transition spd="slow" p14:dur="2000"/>
-    </mc:Choice>
-    <mc:Fallback>
-      <p:transition spd="slow"/>
-    </mc:Fallback>
-  </mc:AlternateContent>
+  <p:clrMapOvr>
+    <a:masterClrMapping/>
+  </p:clrMapOvr>
 </p:sld>
 </file>
 
-<file path=ppt/slides/slide7.xml><?xml version="1.0" encoding="utf-8"?>
-<p:sld xmlns:a="http://schemas.openxmlformats.org/drawingml/2006/main" xmlns:p="http://schemas.openxmlformats.org/presentationml/2006/main" xmlns:r="http://schemas.openxmlformats.org/officeDocument/2006/relationships" xmlns:p14="http://schemas.microsoft.com/office/powerpoint/2010/main" xmlns:p15="http://schemas.microsoft.com/office/powerpoint/2012/main" xmlns:mc="http://schemas.openxmlformats.org/markup-compatibility/2006">
+<file path=ppt/slides/slide6.xml><?xml version="1.0" encoding="utf-8"?>
+<p:sld xmlns:a="http://schemas.openxmlformats.org/drawingml/2006/main" xmlns:r="http://schemas.openxmlformats.org/officeDocument/2006/relationships" xmlns:p="http://schemas.openxmlformats.org/presentationml/2006/main">
   <p:cSld>
     <p:spTree>
       <p:nvGrpSpPr>
@@ -7588,6 +8533,149 @@
       </p:grpSpPr>
       <p:sp>
         <p:nvSpPr>
+          <p:cNvPr id="137" name="TextShape 1"/>
+          <p:cNvSpPr txBox="1"/>
+          <p:nvPr/>
+        </p:nvSpPr>
+        <p:spPr>
+          <a:xfrm>
+            <a:off x="1303920" y="598680"/>
+            <a:ext cx="7030080" cy="999000"/>
+          </a:xfrm>
+          <a:prstGeom prst="rect">
+            <a:avLst/>
+          </a:prstGeom>
+          <a:noFill/>
+          <a:ln>
+            <a:noFill/>
+          </a:ln>
+        </p:spPr>
+        <p:txBody>
+          <a:bodyPr tIns="91440" bIns="91440">
+            <a:noAutofit/>
+          </a:bodyPr>
+          <a:lstStyle/>
+          <a:p>
+            <a:pPr>
+              <a:lnSpc>
+                <a:spcPct val="100000"/>
+              </a:lnSpc>
+            </a:pPr>
+            <a:r>
+              <a:rPr lang="ko" sz="2800" b="1" strike="noStrike" spc="-1">
+                <a:solidFill>
+                  <a:srgbClr val="424242"/>
+                </a:solidFill>
+                <a:latin typeface="Maven Pro"/>
+                <a:ea typeface="Maven Pro"/>
+              </a:rPr>
+              <a:t>해결 방법</a:t>
+            </a:r>
+            <a:endParaRPr lang="en-US" sz="2800" b="0" strike="noStrike" spc="-1">
+              <a:solidFill>
+                <a:srgbClr val="000000"/>
+              </a:solidFill>
+              <a:latin typeface="Arial"/>
+            </a:endParaRPr>
+          </a:p>
+        </p:txBody>
+      </p:sp>
+      <p:pic>
+        <p:nvPicPr>
+          <p:cNvPr id="138" name="Google Shape;318;p18"/>
+          <p:cNvPicPr/>
+          <p:nvPr/>
+        </p:nvPicPr>
+        <p:blipFill>
+          <a:blip r:embed="rId2"/>
+          <a:stretch/>
+        </p:blipFill>
+        <p:spPr>
+          <a:xfrm>
+            <a:off x="1690200" y="1113120"/>
+            <a:ext cx="4516200" cy="4030200"/>
+          </a:xfrm>
+          <a:prstGeom prst="rect">
+            <a:avLst/>
+          </a:prstGeom>
+          <a:ln>
+            <a:noFill/>
+          </a:ln>
+        </p:spPr>
+      </p:pic>
+      <p:pic>
+        <p:nvPicPr>
+          <p:cNvPr id="139" name="Google Shape;319;p18"/>
+          <p:cNvPicPr/>
+          <p:nvPr/>
+        </p:nvPicPr>
+        <p:blipFill>
+          <a:blip r:embed="rId3"/>
+          <a:stretch/>
+        </p:blipFill>
+        <p:spPr>
+          <a:xfrm>
+            <a:off x="6345360" y="1708560"/>
+            <a:ext cx="2271960" cy="2037240"/>
+          </a:xfrm>
+          <a:prstGeom prst="rect">
+            <a:avLst/>
+          </a:prstGeom>
+          <a:ln>
+            <a:noFill/>
+          </a:ln>
+        </p:spPr>
+      </p:pic>
+      <p:pic>
+        <p:nvPicPr>
+          <p:cNvPr id="140" name="Google Shape;320;p18"/>
+          <p:cNvPicPr/>
+          <p:nvPr/>
+        </p:nvPicPr>
+        <p:blipFill>
+          <a:blip r:embed="rId4"/>
+          <a:stretch/>
+        </p:blipFill>
+        <p:spPr>
+          <a:xfrm>
+            <a:off x="885600" y="3812400"/>
+            <a:ext cx="1760040" cy="1092240"/>
+          </a:xfrm>
+          <a:prstGeom prst="rect">
+            <a:avLst/>
+          </a:prstGeom>
+          <a:ln>
+            <a:noFill/>
+          </a:ln>
+        </p:spPr>
+      </p:pic>
+    </p:spTree>
+  </p:cSld>
+  <p:clrMapOvr>
+    <a:masterClrMapping/>
+  </p:clrMapOvr>
+</p:sld>
+</file>
+
+<file path=ppt/slides/slide7.xml><?xml version="1.0" encoding="utf-8"?>
+<p:sld xmlns:a="http://schemas.openxmlformats.org/drawingml/2006/main" xmlns:r="http://schemas.openxmlformats.org/officeDocument/2006/relationships" xmlns:p="http://schemas.openxmlformats.org/presentationml/2006/main">
+  <p:cSld>
+    <p:spTree>
+      <p:nvGrpSpPr>
+        <p:cNvPr id="1" name=""/>
+        <p:cNvGrpSpPr/>
+        <p:nvPr/>
+      </p:nvGrpSpPr>
+      <p:grpSpPr>
+        <a:xfrm>
+          <a:off x="0" y="0"/>
+          <a:ext cx="0" cy="0"/>
+          <a:chOff x="0" y="0"/>
+          <a:chExt cx="0" cy="0"/>
+        </a:xfrm>
+      </p:grpSpPr>
+      <p:sp>
+        <p:nvSpPr>
           <p:cNvPr id="141" name="CustomShape 1"/>
           <p:cNvSpPr/>
           <p:nvPr/>
@@ -7603,7 +8691,7 @@
             </a:avLst>
           </a:prstGeom>
           <a:solidFill>
-            <a:srgbClr val="d9ead3"/>
+            <a:srgbClr val="D9EAD3"/>
           </a:solidFill>
           <a:ln w="9360">
             <a:solidFill>
@@ -7613,15 +8701,22 @@
           </a:ln>
         </p:spPr>
         <p:style>
-          <a:lnRef idx="0"/>
-          <a:fillRef idx="0"/>
-          <a:effectRef idx="0"/>
+          <a:lnRef idx="0">
+            <a:scrgbClr r="0" g="0" b="0"/>
+          </a:lnRef>
+          <a:fillRef idx="0">
+            <a:scrgbClr r="0" g="0" b="0"/>
+          </a:fillRef>
+          <a:effectRef idx="0">
+            <a:scrgbClr r="0" g="0" b="0"/>
+          </a:effectRef>
           <a:fontRef idx="minor"/>
         </p:style>
         <p:txBody>
           <a:bodyPr tIns="91440" bIns="91440" anchor="ctr">
             <a:noAutofit/>
           </a:bodyPr>
+          <a:lstStyle/>
           <a:p>
             <a:pPr>
               <a:lnSpc>
@@ -7629,7 +8724,7 @@
               </a:lnSpc>
             </a:pPr>
             <a:r>
-              <a:rPr b="0" lang="ko" sz="1400" spc="-1" strike="noStrike">
+              <a:rPr lang="ko" sz="1400" b="0" strike="noStrike" spc="-1">
                 <a:solidFill>
                   <a:srgbClr val="000000"/>
                 </a:solidFill>
@@ -7638,7 +8733,7 @@
               </a:rPr>
               <a:t>블록체인</a:t>
             </a:r>
-            <a:endParaRPr b="0" lang="en-US" sz="1400" spc="-1" strike="noStrike">
+            <a:endParaRPr lang="en-US" sz="1400" b="0" strike="noStrike" spc="-1">
               <a:latin typeface="Arial"/>
             </a:endParaRPr>
           </a:p>
@@ -7648,7 +8743,7 @@
                 <a:spcPct val="100000"/>
               </a:lnSpc>
             </a:pPr>
-            <a:endParaRPr b="0" lang="en-US" sz="1400" spc="-1" strike="noStrike">
+            <a:endParaRPr lang="en-US" sz="1400" b="0" strike="noStrike" spc="-1">
               <a:latin typeface="Arial"/>
             </a:endParaRPr>
           </a:p>
@@ -7658,7 +8753,7 @@
                 <a:spcPct val="100000"/>
               </a:lnSpc>
             </a:pPr>
-            <a:endParaRPr b="0" lang="en-US" sz="1400" spc="-1" strike="noStrike">
+            <a:endParaRPr lang="en-US" sz="1400" b="0" strike="noStrike" spc="-1">
               <a:latin typeface="Arial"/>
             </a:endParaRPr>
           </a:p>
@@ -7668,7 +8763,7 @@
                 <a:spcPct val="100000"/>
               </a:lnSpc>
             </a:pPr>
-            <a:endParaRPr b="0" lang="en-US" sz="1400" spc="-1" strike="noStrike">
+            <a:endParaRPr lang="en-US" sz="1400" b="0" strike="noStrike" spc="-1">
               <a:latin typeface="Arial"/>
             </a:endParaRPr>
           </a:p>
@@ -7697,6 +8792,7 @@
           <a:bodyPr tIns="91440" bIns="91440">
             <a:noAutofit/>
           </a:bodyPr>
+          <a:lstStyle/>
           <a:p>
             <a:pPr>
               <a:lnSpc>
@@ -7704,7 +8800,7 @@
               </a:lnSpc>
             </a:pPr>
             <a:r>
-              <a:rPr b="1" lang="ko" sz="2800" spc="-1" strike="noStrike">
+              <a:rPr lang="ko" sz="2800" b="1" strike="noStrike" spc="-1">
                 <a:solidFill>
                   <a:srgbClr val="424242"/>
                 </a:solidFill>
@@ -7713,7 +8809,7 @@
               </a:rPr>
               <a:t>해결 방법</a:t>
             </a:r>
-            <a:endParaRPr b="0" lang="en-US" sz="2800" spc="-1" strike="noStrike">
+            <a:endParaRPr lang="en-US" sz="2800" b="0" strike="noStrike" spc="-1">
               <a:solidFill>
                 <a:srgbClr val="000000"/>
               </a:solidFill>
@@ -7749,15 +8845,22 @@
           </a:ln>
         </p:spPr>
         <p:style>
-          <a:lnRef idx="0"/>
-          <a:fillRef idx="0"/>
-          <a:effectRef idx="0"/>
+          <a:lnRef idx="0">
+            <a:scrgbClr r="0" g="0" b="0"/>
+          </a:lnRef>
+          <a:fillRef idx="0">
+            <a:scrgbClr r="0" g="0" b="0"/>
+          </a:fillRef>
+          <a:effectRef idx="0">
+            <a:scrgbClr r="0" g="0" b="0"/>
+          </a:effectRef>
           <a:fontRef idx="minor"/>
         </p:style>
         <p:txBody>
           <a:bodyPr tIns="91440" bIns="91440" anchor="ctr">
             <a:noAutofit/>
           </a:bodyPr>
+          <a:lstStyle/>
           <a:p>
             <a:pPr>
               <a:lnSpc>
@@ -7765,7 +8868,7 @@
               </a:lnSpc>
             </a:pPr>
             <a:r>
-              <a:rPr b="0" lang="ko" sz="1400" spc="-1" strike="noStrike">
+              <a:rPr lang="ko" sz="1400" b="0" strike="noStrike" spc="-1">
                 <a:solidFill>
                   <a:srgbClr val="000000"/>
                 </a:solidFill>
@@ -7774,7 +8877,7 @@
               </a:rPr>
               <a:t>새 나무 정보</a:t>
             </a:r>
-            <a:endParaRPr b="0" lang="en-US" sz="1400" spc="-1" strike="noStrike">
+            <a:endParaRPr lang="en-US" sz="1400" b="0" strike="noStrike" spc="-1">
               <a:latin typeface="Arial"/>
             </a:endParaRPr>
           </a:p>
@@ -7807,15 +8910,22 @@
           </a:ln>
         </p:spPr>
         <p:style>
-          <a:lnRef idx="0"/>
-          <a:fillRef idx="0"/>
-          <a:effectRef idx="0"/>
+          <a:lnRef idx="0">
+            <a:scrgbClr r="0" g="0" b="0"/>
+          </a:lnRef>
+          <a:fillRef idx="0">
+            <a:scrgbClr r="0" g="0" b="0"/>
+          </a:fillRef>
+          <a:effectRef idx="0">
+            <a:scrgbClr r="0" g="0" b="0"/>
+          </a:effectRef>
           <a:fontRef idx="minor"/>
         </p:style>
         <p:txBody>
           <a:bodyPr tIns="91440" bIns="91440" anchor="ctr">
             <a:noAutofit/>
           </a:bodyPr>
+          <a:lstStyle/>
           <a:p>
             <a:pPr>
               <a:lnSpc>
@@ -7823,7 +8933,7 @@
               </a:lnSpc>
             </a:pPr>
             <a:r>
-              <a:rPr b="0" lang="ko" sz="1400" spc="-1" strike="noStrike">
+              <a:rPr lang="ko" sz="1400" b="0" strike="noStrike" spc="-1">
                 <a:solidFill>
                   <a:srgbClr val="000000"/>
                 </a:solidFill>
@@ -7832,7 +8942,7 @@
               </a:rPr>
               <a:t>새 나무 정보</a:t>
             </a:r>
-            <a:endParaRPr b="0" lang="en-US" sz="1400" spc="-1" strike="noStrike">
+            <a:endParaRPr lang="en-US" sz="1400" b="0" strike="noStrike" spc="-1">
               <a:latin typeface="Arial"/>
             </a:endParaRPr>
           </a:p>
@@ -7865,15 +8975,22 @@
           </a:ln>
         </p:spPr>
         <p:style>
-          <a:lnRef idx="0"/>
-          <a:fillRef idx="0"/>
-          <a:effectRef idx="0"/>
+          <a:lnRef idx="0">
+            <a:scrgbClr r="0" g="0" b="0"/>
+          </a:lnRef>
+          <a:fillRef idx="0">
+            <a:scrgbClr r="0" g="0" b="0"/>
+          </a:fillRef>
+          <a:effectRef idx="0">
+            <a:scrgbClr r="0" g="0" b="0"/>
+          </a:effectRef>
           <a:fontRef idx="minor"/>
         </p:style>
         <p:txBody>
           <a:bodyPr tIns="91440" bIns="91440" anchor="ctr">
             <a:noAutofit/>
           </a:bodyPr>
+          <a:lstStyle/>
           <a:p>
             <a:pPr>
               <a:lnSpc>
@@ -7881,7 +8998,7 @@
               </a:lnSpc>
             </a:pPr>
             <a:r>
-              <a:rPr b="0" lang="ko" sz="1400" spc="-1" strike="noStrike">
+              <a:rPr lang="ko" sz="1400" b="0" strike="noStrike" spc="-1">
                 <a:solidFill>
                   <a:srgbClr val="000000"/>
                 </a:solidFill>
@@ -7890,7 +9007,7 @@
               </a:rPr>
               <a:t>새 나무 정보</a:t>
             </a:r>
-            <a:endParaRPr b="0" lang="en-US" sz="1400" spc="-1" strike="noStrike">
+            <a:endParaRPr lang="en-US" sz="1400" b="0" strike="noStrike" spc="-1">
               <a:latin typeface="Arial"/>
             </a:endParaRPr>
           </a:p>
@@ -7923,15 +9040,22 @@
           </a:ln>
         </p:spPr>
         <p:style>
-          <a:lnRef idx="0"/>
-          <a:fillRef idx="0"/>
-          <a:effectRef idx="0"/>
+          <a:lnRef idx="0">
+            <a:scrgbClr r="0" g="0" b="0"/>
+          </a:lnRef>
+          <a:fillRef idx="0">
+            <a:scrgbClr r="0" g="0" b="0"/>
+          </a:fillRef>
+          <a:effectRef idx="0">
+            <a:scrgbClr r="0" g="0" b="0"/>
+          </a:effectRef>
           <a:fontRef idx="minor"/>
         </p:style>
         <p:txBody>
           <a:bodyPr tIns="91440" bIns="91440" anchor="ctr">
             <a:noAutofit/>
           </a:bodyPr>
+          <a:lstStyle/>
           <a:p>
             <a:pPr>
               <a:lnSpc>
@@ -7939,7 +9063,7 @@
               </a:lnSpc>
             </a:pPr>
             <a:r>
-              <a:rPr b="0" lang="ko" sz="1400" spc="-1" strike="noStrike">
+              <a:rPr lang="ko" sz="1400" b="0" strike="noStrike" spc="-1">
                 <a:solidFill>
                   <a:srgbClr val="000000"/>
                 </a:solidFill>
@@ -7948,7 +9072,7 @@
               </a:rPr>
               <a:t>새 나무 정보</a:t>
             </a:r>
-            <a:endParaRPr b="0" lang="en-US" sz="1400" spc="-1" strike="noStrike">
+            <a:endParaRPr lang="en-US" sz="1400" b="0" strike="noStrike" spc="-1">
               <a:latin typeface="Arial"/>
             </a:endParaRPr>
           </a:p>
@@ -7981,15 +9105,22 @@
           </a:ln>
         </p:spPr>
         <p:style>
-          <a:lnRef idx="0"/>
-          <a:fillRef idx="0"/>
-          <a:effectRef idx="0"/>
+          <a:lnRef idx="0">
+            <a:scrgbClr r="0" g="0" b="0"/>
+          </a:lnRef>
+          <a:fillRef idx="0">
+            <a:scrgbClr r="0" g="0" b="0"/>
+          </a:fillRef>
+          <a:effectRef idx="0">
+            <a:scrgbClr r="0" g="0" b="0"/>
+          </a:effectRef>
           <a:fontRef idx="minor"/>
         </p:style>
         <p:txBody>
           <a:bodyPr tIns="91440" bIns="91440" anchor="ctr">
             <a:noAutofit/>
           </a:bodyPr>
+          <a:lstStyle/>
           <a:p>
             <a:pPr>
               <a:lnSpc>
@@ -7997,7 +9128,7 @@
               </a:lnSpc>
             </a:pPr>
             <a:r>
-              <a:rPr b="0" lang="ko" sz="1400" spc="-1" strike="noStrike">
+              <a:rPr lang="ko" sz="1400" b="0" strike="noStrike" spc="-1">
                 <a:solidFill>
                   <a:srgbClr val="000000"/>
                 </a:solidFill>
@@ -8006,7 +9137,7 @@
               </a:rPr>
               <a:t>새 나무 정보</a:t>
             </a:r>
-            <a:endParaRPr b="0" lang="en-US" sz="1400" spc="-1" strike="noStrike">
+            <a:endParaRPr lang="en-US" sz="1400" b="0" strike="noStrike" spc="-1">
               <a:latin typeface="Arial"/>
             </a:endParaRPr>
           </a:p>
@@ -8027,6 +9158,7 @@
             <a:avLst/>
             <a:gdLst/>
             <a:ahLst/>
+            <a:cxnLst/>
             <a:rect l="l" t="t" r="r" b="b"/>
             <a:pathLst>
               <a:path w="21600" h="21600">
@@ -8048,9 +9180,15 @@
           </a:ln>
         </p:spPr>
         <p:style>
-          <a:lnRef idx="0"/>
-          <a:fillRef idx="0"/>
-          <a:effectRef idx="0"/>
+          <a:lnRef idx="0">
+            <a:scrgbClr r="0" g="0" b="0"/>
+          </a:lnRef>
+          <a:fillRef idx="0">
+            <a:scrgbClr r="0" g="0" b="0"/>
+          </a:fillRef>
+          <a:effectRef idx="0">
+            <a:scrgbClr r="0" g="0" b="0"/>
+          </a:effectRef>
           <a:fontRef idx="minor"/>
         </p:style>
       </p:sp>
@@ -8069,6 +9207,7 @@
             <a:avLst/>
             <a:gdLst/>
             <a:ahLst/>
+            <a:cxnLst/>
             <a:rect l="l" t="t" r="r" b="b"/>
             <a:pathLst>
               <a:path w="21600" h="21600">
@@ -8090,9 +9229,15 @@
           </a:ln>
         </p:spPr>
         <p:style>
-          <a:lnRef idx="0"/>
-          <a:fillRef idx="0"/>
-          <a:effectRef idx="0"/>
+          <a:lnRef idx="0">
+            <a:scrgbClr r="0" g="0" b="0"/>
+          </a:lnRef>
+          <a:fillRef idx="0">
+            <a:scrgbClr r="0" g="0" b="0"/>
+          </a:fillRef>
+          <a:effectRef idx="0">
+            <a:scrgbClr r="0" g="0" b="0"/>
+          </a:effectRef>
           <a:fontRef idx="minor"/>
         </p:style>
       </p:sp>
@@ -8111,6 +9256,7 @@
             <a:avLst/>
             <a:gdLst/>
             <a:ahLst/>
+            <a:cxnLst/>
             <a:rect l="l" t="t" r="r" b="b"/>
             <a:pathLst>
               <a:path w="21600" h="21600">
@@ -8132,9 +9278,15 @@
           </a:ln>
         </p:spPr>
         <p:style>
-          <a:lnRef idx="0"/>
-          <a:fillRef idx="0"/>
-          <a:effectRef idx="0"/>
+          <a:lnRef idx="0">
+            <a:scrgbClr r="0" g="0" b="0"/>
+          </a:lnRef>
+          <a:fillRef idx="0">
+            <a:scrgbClr r="0" g="0" b="0"/>
+          </a:fillRef>
+          <a:effectRef idx="0">
+            <a:scrgbClr r="0" g="0" b="0"/>
+          </a:effectRef>
           <a:fontRef idx="minor"/>
         </p:style>
       </p:sp>
@@ -8153,6 +9305,7 @@
             <a:avLst/>
             <a:gdLst/>
             <a:ahLst/>
+            <a:cxnLst/>
             <a:rect l="l" t="t" r="r" b="b"/>
             <a:pathLst>
               <a:path w="21600" h="21600">
@@ -8174,9 +9327,15 @@
           </a:ln>
         </p:spPr>
         <p:style>
-          <a:lnRef idx="0"/>
-          <a:fillRef idx="0"/>
-          <a:effectRef idx="0"/>
+          <a:lnRef idx="0">
+            <a:scrgbClr r="0" g="0" b="0"/>
+          </a:lnRef>
+          <a:fillRef idx="0">
+            <a:scrgbClr r="0" g="0" b="0"/>
+          </a:fillRef>
+          <a:effectRef idx="0">
+            <a:scrgbClr r="0" g="0" b="0"/>
+          </a:effectRef>
           <a:fontRef idx="minor"/>
         </p:style>
       </p:sp>
@@ -8195,6 +9354,7 @@
             <a:avLst/>
             <a:gdLst/>
             <a:ahLst/>
+            <a:cxnLst/>
             <a:rect l="l" t="t" r="r" b="b"/>
             <a:pathLst>
               <a:path w="21600" h="21600">
@@ -8216,9 +9376,15 @@
           </a:ln>
         </p:spPr>
         <p:style>
-          <a:lnRef idx="0"/>
-          <a:fillRef idx="0"/>
-          <a:effectRef idx="0"/>
+          <a:lnRef idx="0">
+            <a:scrgbClr r="0" g="0" b="0"/>
+          </a:lnRef>
+          <a:fillRef idx="0">
+            <a:scrgbClr r="0" g="0" b="0"/>
+          </a:fillRef>
+          <a:effectRef idx="0">
+            <a:scrgbClr r="0" g="0" b="0"/>
+          </a:effectRef>
           <a:fontRef idx="minor"/>
         </p:style>
       </p:sp>
@@ -8239,7 +9405,7 @@
             </a:avLst>
           </a:prstGeom>
           <a:solidFill>
-            <a:srgbClr val="d9d2e9"/>
+            <a:srgbClr val="D9D2E9"/>
           </a:solidFill>
           <a:ln w="9360">
             <a:solidFill>
@@ -8249,15 +9415,22 @@
           </a:ln>
         </p:spPr>
         <p:style>
-          <a:lnRef idx="0"/>
-          <a:fillRef idx="0"/>
-          <a:effectRef idx="0"/>
+          <a:lnRef idx="0">
+            <a:scrgbClr r="0" g="0" b="0"/>
+          </a:lnRef>
+          <a:fillRef idx="0">
+            <a:scrgbClr r="0" g="0" b="0"/>
+          </a:fillRef>
+          <a:effectRef idx="0">
+            <a:scrgbClr r="0" g="0" b="0"/>
+          </a:effectRef>
           <a:fontRef idx="minor"/>
         </p:style>
         <p:txBody>
           <a:bodyPr tIns="91440" bIns="91440" anchor="ctr">
             <a:noAutofit/>
           </a:bodyPr>
+          <a:lstStyle/>
           <a:p>
             <a:pPr>
               <a:lnSpc>
@@ -8265,7 +9438,7 @@
               </a:lnSpc>
             </a:pPr>
             <a:r>
-              <a:rPr b="0" lang="ko" sz="1400" spc="-1" strike="noStrike">
+              <a:rPr lang="ko" sz="1400" b="0" strike="noStrike" spc="-1">
                 <a:solidFill>
                   <a:srgbClr val="000000"/>
                 </a:solidFill>
@@ -8274,7 +9447,7 @@
               </a:rPr>
               <a:t>나무 정보 변경 이벤트</a:t>
             </a:r>
-            <a:endParaRPr b="0" lang="en-US" sz="1400" spc="-1" strike="noStrike">
+            <a:endParaRPr lang="en-US" sz="1400" b="0" strike="noStrike" spc="-1">
               <a:latin typeface="Arial"/>
             </a:endParaRPr>
           </a:p>
@@ -8295,7 +9468,7 @@
             <a:avLst/>
           </a:prstGeom>
           <a:solidFill>
-            <a:srgbClr val="cfe2f3"/>
+            <a:srgbClr val="CFE2F3"/>
           </a:solidFill>
           <a:ln w="9360">
             <a:solidFill>
@@ -8305,15 +9478,22 @@
           </a:ln>
         </p:spPr>
         <p:style>
-          <a:lnRef idx="0"/>
-          <a:fillRef idx="0"/>
-          <a:effectRef idx="0"/>
+          <a:lnRef idx="0">
+            <a:scrgbClr r="0" g="0" b="0"/>
+          </a:lnRef>
+          <a:fillRef idx="0">
+            <a:scrgbClr r="0" g="0" b="0"/>
+          </a:fillRef>
+          <a:effectRef idx="0">
+            <a:scrgbClr r="0" g="0" b="0"/>
+          </a:effectRef>
           <a:fontRef idx="minor"/>
         </p:style>
         <p:txBody>
           <a:bodyPr tIns="91440" bIns="91440" anchor="ctr">
             <a:noAutofit/>
           </a:bodyPr>
+          <a:lstStyle/>
           <a:p>
             <a:pPr>
               <a:lnSpc>
@@ -8321,7 +9501,7 @@
               </a:lnSpc>
             </a:pPr>
             <a:r>
-              <a:rPr b="0" lang="ko" sz="1400" spc="-1" strike="noStrike">
+              <a:rPr lang="ko" sz="1400" b="0" strike="noStrike" spc="-1">
                 <a:solidFill>
                   <a:srgbClr val="000000"/>
                 </a:solidFill>
@@ -8331,7 +9511,7 @@
               <a:t>관계자 </a:t>
             </a:r>
             <a:r>
-              <a:rPr b="0" lang="en-US" sz="1400" spc="-1" strike="noStrike">
+              <a:rPr lang="en-US" sz="1400" b="0" strike="noStrike" spc="-1">
                 <a:solidFill>
                   <a:srgbClr val="000000"/>
                 </a:solidFill>
@@ -8340,7 +9520,7 @@
               </a:rPr>
               <a:t>1</a:t>
             </a:r>
-            <a:endParaRPr b="0" lang="en-US" sz="1400" spc="-1" strike="noStrike">
+            <a:endParaRPr lang="en-US" sz="1400" b="0" strike="noStrike" spc="-1">
               <a:latin typeface="Arial"/>
             </a:endParaRPr>
           </a:p>
@@ -8361,7 +9541,7 @@
             <a:avLst/>
           </a:prstGeom>
           <a:solidFill>
-            <a:srgbClr val="cfe2f3"/>
+            <a:srgbClr val="CFE2F3"/>
           </a:solidFill>
           <a:ln w="9360">
             <a:solidFill>
@@ -8371,15 +9551,22 @@
           </a:ln>
         </p:spPr>
         <p:style>
-          <a:lnRef idx="0"/>
-          <a:fillRef idx="0"/>
-          <a:effectRef idx="0"/>
+          <a:lnRef idx="0">
+            <a:scrgbClr r="0" g="0" b="0"/>
+          </a:lnRef>
+          <a:fillRef idx="0">
+            <a:scrgbClr r="0" g="0" b="0"/>
+          </a:fillRef>
+          <a:effectRef idx="0">
+            <a:scrgbClr r="0" g="0" b="0"/>
+          </a:effectRef>
           <a:fontRef idx="minor"/>
         </p:style>
         <p:txBody>
           <a:bodyPr tIns="91440" bIns="91440" anchor="ctr">
             <a:noAutofit/>
           </a:bodyPr>
+          <a:lstStyle/>
           <a:p>
             <a:pPr>
               <a:lnSpc>
@@ -8387,7 +9574,7 @@
               </a:lnSpc>
             </a:pPr>
             <a:r>
-              <a:rPr b="0" lang="ko" sz="1400" spc="-1" strike="noStrike">
+              <a:rPr lang="ko" sz="1400" b="0" strike="noStrike" spc="-1">
                 <a:solidFill>
                   <a:srgbClr val="000000"/>
                 </a:solidFill>
@@ -8397,7 +9584,7 @@
               <a:t>관계자 </a:t>
             </a:r>
             <a:r>
-              <a:rPr b="0" lang="en-US" sz="1400" spc="-1" strike="noStrike">
+              <a:rPr lang="en-US" sz="1400" b="0" strike="noStrike" spc="-1">
                 <a:solidFill>
                   <a:srgbClr val="000000"/>
                 </a:solidFill>
@@ -8406,7 +9593,7 @@
               </a:rPr>
               <a:t>2 </a:t>
             </a:r>
-            <a:endParaRPr b="0" lang="en-US" sz="1400" spc="-1" strike="noStrike">
+            <a:endParaRPr lang="en-US" sz="1400" b="0" strike="noStrike" spc="-1">
               <a:latin typeface="Arial"/>
             </a:endParaRPr>
           </a:p>
@@ -8427,7 +9614,7 @@
             <a:avLst/>
           </a:prstGeom>
           <a:solidFill>
-            <a:srgbClr val="cfe2f3"/>
+            <a:srgbClr val="CFE2F3"/>
           </a:solidFill>
           <a:ln w="9360">
             <a:solidFill>
@@ -8437,15 +9624,22 @@
           </a:ln>
         </p:spPr>
         <p:style>
-          <a:lnRef idx="0"/>
-          <a:fillRef idx="0"/>
-          <a:effectRef idx="0"/>
+          <a:lnRef idx="0">
+            <a:scrgbClr r="0" g="0" b="0"/>
+          </a:lnRef>
+          <a:fillRef idx="0">
+            <a:scrgbClr r="0" g="0" b="0"/>
+          </a:fillRef>
+          <a:effectRef idx="0">
+            <a:scrgbClr r="0" g="0" b="0"/>
+          </a:effectRef>
           <a:fontRef idx="minor"/>
         </p:style>
         <p:txBody>
           <a:bodyPr tIns="91440" bIns="91440" anchor="ctr">
             <a:noAutofit/>
           </a:bodyPr>
+          <a:lstStyle/>
           <a:p>
             <a:pPr>
               <a:lnSpc>
@@ -8453,7 +9647,7 @@
               </a:lnSpc>
             </a:pPr>
             <a:r>
-              <a:rPr b="0" lang="ko" sz="1400" spc="-1" strike="noStrike">
+              <a:rPr lang="ko" sz="1400" b="0" strike="noStrike" spc="-1">
                 <a:solidFill>
                   <a:srgbClr val="000000"/>
                 </a:solidFill>
@@ -8463,7 +9657,7 @@
               <a:t>관계자 </a:t>
             </a:r>
             <a:r>
-              <a:rPr b="0" lang="en-US" sz="1400" spc="-1" strike="noStrike">
+              <a:rPr lang="en-US" sz="1400" b="0" strike="noStrike" spc="-1">
                 <a:solidFill>
                   <a:srgbClr val="000000"/>
                 </a:solidFill>
@@ -8472,7 +9666,7 @@
               </a:rPr>
               <a:t>N</a:t>
             </a:r>
-            <a:endParaRPr b="0" lang="en-US" sz="1400" spc="-1" strike="noStrike">
+            <a:endParaRPr lang="en-US" sz="1400" b="0" strike="noStrike" spc="-1">
               <a:latin typeface="Arial"/>
             </a:endParaRPr>
           </a:p>
@@ -8498,15 +9692,22 @@
           </a:ln>
         </p:spPr>
         <p:style>
-          <a:lnRef idx="0"/>
-          <a:fillRef idx="0"/>
-          <a:effectRef idx="0"/>
+          <a:lnRef idx="0">
+            <a:scrgbClr r="0" g="0" b="0"/>
+          </a:lnRef>
+          <a:fillRef idx="0">
+            <a:scrgbClr r="0" g="0" b="0"/>
+          </a:fillRef>
+          <a:effectRef idx="0">
+            <a:scrgbClr r="0" g="0" b="0"/>
+          </a:effectRef>
           <a:fontRef idx="minor"/>
         </p:style>
         <p:txBody>
           <a:bodyPr tIns="91440" bIns="91440">
             <a:noAutofit/>
           </a:bodyPr>
+          <a:lstStyle/>
           <a:p>
             <a:pPr>
               <a:lnSpc>
@@ -8514,7 +9715,7 @@
               </a:lnSpc>
             </a:pPr>
             <a:r>
-              <a:rPr b="0" lang="en-US" sz="1400" spc="-1" strike="noStrike">
+              <a:rPr lang="en-US" sz="1400" b="0" strike="noStrike" spc="-1">
                 <a:solidFill>
                   <a:srgbClr val="000000"/>
                 </a:solidFill>
@@ -8523,7 +9724,7 @@
               </a:rPr>
               <a:t>, , ,</a:t>
             </a:r>
-            <a:endParaRPr b="0" lang="en-US" sz="1400" spc="-1" strike="noStrike">
+            <a:endParaRPr lang="en-US" sz="1400" b="0" strike="noStrike" spc="-1">
               <a:latin typeface="Arial"/>
             </a:endParaRPr>
           </a:p>
@@ -8544,6 +9745,7 @@
             <a:avLst/>
             <a:gdLst/>
             <a:ahLst/>
+            <a:cxnLst/>
             <a:rect l="l" t="t" r="r" b="b"/>
             <a:pathLst>
               <a:path w="21600" h="21600">
@@ -8562,13 +9764,19 @@
               <a:schemeClr val="dk2"/>
             </a:solidFill>
             <a:round/>
-            <a:tailEnd len="med" type="triangle" w="med"/>
+            <a:tailEnd type="triangle" w="med" len="med"/>
           </a:ln>
         </p:spPr>
         <p:style>
-          <a:lnRef idx="0"/>
-          <a:fillRef idx="0"/>
-          <a:effectRef idx="0"/>
+          <a:lnRef idx="0">
+            <a:scrgbClr r="0" g="0" b="0"/>
+          </a:lnRef>
+          <a:fillRef idx="0">
+            <a:scrgbClr r="0" g="0" b="0"/>
+          </a:fillRef>
+          <a:effectRef idx="0">
+            <a:scrgbClr r="0" g="0" b="0"/>
+          </a:effectRef>
           <a:fontRef idx="minor"/>
         </p:style>
       </p:sp>
@@ -8587,6 +9795,7 @@
             <a:avLst/>
             <a:gdLst/>
             <a:ahLst/>
+            <a:cxnLst/>
             <a:rect l="l" t="t" r="r" b="b"/>
             <a:pathLst>
               <a:path w="21600" h="21600">
@@ -8605,13 +9814,19 @@
               <a:schemeClr val="dk2"/>
             </a:solidFill>
             <a:round/>
-            <a:tailEnd len="med" type="triangle" w="med"/>
+            <a:tailEnd type="triangle" w="med" len="med"/>
           </a:ln>
         </p:spPr>
         <p:style>
-          <a:lnRef idx="0"/>
-          <a:fillRef idx="0"/>
-          <a:effectRef idx="0"/>
+          <a:lnRef idx="0">
+            <a:scrgbClr r="0" g="0" b="0"/>
+          </a:lnRef>
+          <a:fillRef idx="0">
+            <a:scrgbClr r="0" g="0" b="0"/>
+          </a:fillRef>
+          <a:effectRef idx="0">
+            <a:scrgbClr r="0" g="0" b="0"/>
+          </a:effectRef>
           <a:fontRef idx="minor"/>
         </p:style>
       </p:sp>
@@ -8630,6 +9845,7 @@
             <a:avLst/>
             <a:gdLst/>
             <a:ahLst/>
+            <a:cxnLst/>
             <a:rect l="l" t="t" r="r" b="b"/>
             <a:pathLst>
               <a:path w="21600" h="21600">
@@ -8648,13 +9864,19 @@
               <a:schemeClr val="dk2"/>
             </a:solidFill>
             <a:round/>
-            <a:tailEnd len="med" type="triangle" w="med"/>
+            <a:tailEnd type="triangle" w="med" len="med"/>
           </a:ln>
         </p:spPr>
         <p:style>
-          <a:lnRef idx="0"/>
-          <a:fillRef idx="0"/>
-          <a:effectRef idx="0"/>
+          <a:lnRef idx="0">
+            <a:scrgbClr r="0" g="0" b="0"/>
+          </a:lnRef>
+          <a:fillRef idx="0">
+            <a:scrgbClr r="0" g="0" b="0"/>
+          </a:fillRef>
+          <a:effectRef idx="0">
+            <a:scrgbClr r="0" g="0" b="0"/>
+          </a:effectRef>
           <a:fontRef idx="minor"/>
         </p:style>
       </p:sp>
@@ -8673,6 +9895,7 @@
             <a:avLst/>
             <a:gdLst/>
             <a:ahLst/>
+            <a:cxnLst/>
             <a:rect l="l" t="t" r="r" b="b"/>
             <a:pathLst>
               <a:path w="21600" h="21600">
@@ -8691,13 +9914,19 @@
               <a:schemeClr val="dk2"/>
             </a:solidFill>
             <a:round/>
-            <a:tailEnd len="med" type="triangle" w="med"/>
+            <a:tailEnd type="triangle" w="med" len="med"/>
           </a:ln>
         </p:spPr>
         <p:style>
-          <a:lnRef idx="0"/>
-          <a:fillRef idx="0"/>
-          <a:effectRef idx="0"/>
+          <a:lnRef idx="0">
+            <a:scrgbClr r="0" g="0" b="0"/>
+          </a:lnRef>
+          <a:fillRef idx="0">
+            <a:scrgbClr r="0" g="0" b="0"/>
+          </a:fillRef>
+          <a:effectRef idx="0">
+            <a:scrgbClr r="0" g="0" b="0"/>
+          </a:effectRef>
           <a:fontRef idx="minor"/>
         </p:style>
       </p:sp>
@@ -8718,7 +9947,7 @@
             </a:avLst>
           </a:prstGeom>
           <a:solidFill>
-            <a:srgbClr val="d9d2e9"/>
+            <a:srgbClr val="D9D2E9"/>
           </a:solidFill>
           <a:ln w="9360">
             <a:solidFill>
@@ -8728,15 +9957,22 @@
           </a:ln>
         </p:spPr>
         <p:style>
-          <a:lnRef idx="0"/>
-          <a:fillRef idx="0"/>
-          <a:effectRef idx="0"/>
+          <a:lnRef idx="0">
+            <a:scrgbClr r="0" g="0" b="0"/>
+          </a:lnRef>
+          <a:fillRef idx="0">
+            <a:scrgbClr r="0" g="0" b="0"/>
+          </a:fillRef>
+          <a:effectRef idx="0">
+            <a:scrgbClr r="0" g="0" b="0"/>
+          </a:effectRef>
           <a:fontRef idx="minor"/>
         </p:style>
         <p:txBody>
           <a:bodyPr tIns="91440" bIns="91440" anchor="ctr">
             <a:noAutofit/>
           </a:bodyPr>
+          <a:lstStyle/>
           <a:p>
             <a:pPr>
               <a:lnSpc>
@@ -8744,7 +9980,7 @@
               </a:lnSpc>
             </a:pPr>
             <a:r>
-              <a:rPr b="0" lang="ko" sz="1400" spc="-1" strike="noStrike">
+              <a:rPr lang="ko" sz="1400" b="0" strike="noStrike" spc="-1">
                 <a:solidFill>
                   <a:srgbClr val="000000"/>
                 </a:solidFill>
@@ -8753,7 +9989,7 @@
               </a:rPr>
               <a:t>모든 사용자</a:t>
             </a:r>
-            <a:endParaRPr b="0" lang="en-US" sz="1400" spc="-1" strike="noStrike">
+            <a:endParaRPr lang="en-US" sz="1400" b="0" strike="noStrike" spc="-1">
               <a:latin typeface="Arial"/>
             </a:endParaRPr>
           </a:p>
@@ -8774,6 +10010,7 @@
             <a:avLst/>
             <a:gdLst/>
             <a:ahLst/>
+            <a:cxnLst/>
             <a:rect l="l" t="t" r="r" b="b"/>
             <a:pathLst>
               <a:path w="21600" h="21600">
@@ -8792,13 +10029,19 @@
               <a:schemeClr val="dk2"/>
             </a:solidFill>
             <a:round/>
-            <a:tailEnd len="med" type="triangle" w="med"/>
+            <a:tailEnd type="triangle" w="med" len="med"/>
           </a:ln>
         </p:spPr>
         <p:style>
-          <a:lnRef idx="0"/>
-          <a:fillRef idx="0"/>
-          <a:effectRef idx="0"/>
+          <a:lnRef idx="0">
+            <a:scrgbClr r="0" g="0" b="0"/>
+          </a:lnRef>
+          <a:fillRef idx="0">
+            <a:scrgbClr r="0" g="0" b="0"/>
+          </a:fillRef>
+          <a:effectRef idx="0">
+            <a:scrgbClr r="0" g="0" b="0"/>
+          </a:effectRef>
           <a:fontRef idx="minor"/>
         </p:style>
       </p:sp>
@@ -8822,15 +10065,22 @@
           </a:ln>
         </p:spPr>
         <p:style>
-          <a:lnRef idx="0"/>
-          <a:fillRef idx="0"/>
-          <a:effectRef idx="0"/>
+          <a:lnRef idx="0">
+            <a:scrgbClr r="0" g="0" b="0"/>
+          </a:lnRef>
+          <a:fillRef idx="0">
+            <a:scrgbClr r="0" g="0" b="0"/>
+          </a:fillRef>
+          <a:effectRef idx="0">
+            <a:scrgbClr r="0" g="0" b="0"/>
+          </a:effectRef>
           <a:fontRef idx="minor"/>
         </p:style>
         <p:txBody>
           <a:bodyPr tIns="91440" bIns="91440">
             <a:noAutofit/>
           </a:bodyPr>
+          <a:lstStyle/>
           <a:p>
             <a:pPr>
               <a:lnSpc>
@@ -8838,7 +10088,7 @@
               </a:lnSpc>
             </a:pPr>
             <a:r>
-              <a:rPr b="0" lang="ko" sz="1400" spc="-1" strike="noStrike">
+              <a:rPr lang="ko" sz="1400" b="0" strike="noStrike" spc="-1">
                 <a:solidFill>
                   <a:srgbClr val="000000"/>
                 </a:solidFill>
@@ -8847,7 +10097,7 @@
               </a:rPr>
               <a:t>언제든지 조회</a:t>
             </a:r>
-            <a:endParaRPr b="0" lang="en-US" sz="1400" spc="-1" strike="noStrike">
+            <a:endParaRPr lang="en-US" sz="1400" b="0" strike="noStrike" spc="-1">
               <a:latin typeface="Arial"/>
             </a:endParaRPr>
           </a:p>
@@ -8870,7 +10120,7 @@
             </a:avLst>
           </a:prstGeom>
           <a:solidFill>
-            <a:srgbClr val="d9d2e9"/>
+            <a:srgbClr val="D9D2E9"/>
           </a:solidFill>
           <a:ln w="9360">
             <a:solidFill>
@@ -8880,15 +10130,22 @@
           </a:ln>
         </p:spPr>
         <p:style>
-          <a:lnRef idx="0"/>
-          <a:fillRef idx="0"/>
-          <a:effectRef idx="0"/>
+          <a:lnRef idx="0">
+            <a:scrgbClr r="0" g="0" b="0"/>
+          </a:lnRef>
+          <a:fillRef idx="0">
+            <a:scrgbClr r="0" g="0" b="0"/>
+          </a:fillRef>
+          <a:effectRef idx="0">
+            <a:scrgbClr r="0" g="0" b="0"/>
+          </a:effectRef>
           <a:fontRef idx="minor"/>
         </p:style>
         <p:txBody>
           <a:bodyPr tIns="91440" bIns="91440" anchor="ctr">
             <a:noAutofit/>
           </a:bodyPr>
+          <a:lstStyle/>
           <a:p>
             <a:pPr>
               <a:lnSpc>
@@ -8896,7 +10153,7 @@
               </a:lnSpc>
             </a:pPr>
             <a:r>
-              <a:rPr b="0" lang="ko" sz="1400" spc="-1" strike="noStrike">
+              <a:rPr lang="ko" sz="1400" b="0" strike="noStrike" spc="-1">
                 <a:solidFill>
                   <a:srgbClr val="000000"/>
                 </a:solidFill>
@@ -8905,7 +10162,7 @@
               </a:rPr>
               <a:t>거래</a:t>
             </a:r>
-            <a:endParaRPr b="0" lang="en-US" sz="1400" spc="-1" strike="noStrike">
+            <a:endParaRPr lang="en-US" sz="1400" b="0" strike="noStrike" spc="-1">
               <a:latin typeface="Arial"/>
             </a:endParaRPr>
           </a:p>
@@ -8928,7 +10185,7 @@
             </a:avLst>
           </a:prstGeom>
           <a:solidFill>
-            <a:srgbClr val="d9d2e9"/>
+            <a:srgbClr val="D9D2E9"/>
           </a:solidFill>
           <a:ln w="9360">
             <a:solidFill>
@@ -8938,15 +10195,22 @@
           </a:ln>
         </p:spPr>
         <p:style>
-          <a:lnRef idx="0"/>
-          <a:fillRef idx="0"/>
-          <a:effectRef idx="0"/>
+          <a:lnRef idx="0">
+            <a:scrgbClr r="0" g="0" b="0"/>
+          </a:lnRef>
+          <a:fillRef idx="0">
+            <a:scrgbClr r="0" g="0" b="0"/>
+          </a:fillRef>
+          <a:effectRef idx="0">
+            <a:scrgbClr r="0" g="0" b="0"/>
+          </a:effectRef>
           <a:fontRef idx="minor"/>
         </p:style>
         <p:txBody>
           <a:bodyPr tIns="91440" bIns="91440" anchor="ctr">
             <a:noAutofit/>
           </a:bodyPr>
+          <a:lstStyle/>
           <a:p>
             <a:pPr>
               <a:lnSpc>
@@ -8954,7 +10218,7 @@
               </a:lnSpc>
             </a:pPr>
             <a:r>
-              <a:rPr b="0" lang="ko" sz="1400" spc="-1" strike="noStrike">
+              <a:rPr lang="ko" sz="1400" b="0" strike="noStrike" spc="-1">
                 <a:solidFill>
                   <a:srgbClr val="000000"/>
                 </a:solidFill>
@@ -8963,7 +10227,7 @@
               </a:rPr>
               <a:t>진료</a:t>
             </a:r>
-            <a:endParaRPr b="0" lang="en-US" sz="1400" spc="-1" strike="noStrike">
+            <a:endParaRPr lang="en-US" sz="1400" b="0" strike="noStrike" spc="-1">
               <a:latin typeface="Arial"/>
             </a:endParaRPr>
           </a:p>
@@ -8976,7 +10240,7 @@
           <p:nvPr/>
         </p:nvSpPr>
         <p:spPr>
-          <a:xfrm flipH="1" rot="10800000">
+          <a:xfrm rot="10800000" flipH="1">
             <a:off x="2008440" y="2220480"/>
             <a:ext cx="1468440" cy="524880"/>
           </a:xfrm>
@@ -8984,6 +10248,7 @@
             <a:avLst/>
             <a:gdLst/>
             <a:ahLst/>
+            <a:cxnLst/>
             <a:rect l="l" t="t" r="r" b="b"/>
             <a:pathLst>
               <a:path w="21600" h="21600">
@@ -9002,13 +10267,19 @@
               <a:schemeClr val="dk2"/>
             </a:solidFill>
             <a:round/>
-            <a:tailEnd len="med" type="triangle" w="med"/>
+            <a:tailEnd type="triangle" w="med" len="med"/>
           </a:ln>
         </p:spPr>
         <p:style>
-          <a:lnRef idx="0"/>
-          <a:fillRef idx="0"/>
-          <a:effectRef idx="0"/>
+          <a:lnRef idx="0">
+            <a:scrgbClr r="0" g="0" b="0"/>
+          </a:lnRef>
+          <a:fillRef idx="0">
+            <a:scrgbClr r="0" g="0" b="0"/>
+          </a:fillRef>
+          <a:effectRef idx="0">
+            <a:scrgbClr r="0" g="0" b="0"/>
+          </a:effectRef>
           <a:fontRef idx="minor"/>
         </p:style>
       </p:sp>
@@ -9027,6 +10298,7 @@
             <a:avLst/>
             <a:gdLst/>
             <a:ahLst/>
+            <a:cxnLst/>
             <a:rect l="l" t="t" r="r" b="b"/>
             <a:pathLst>
               <a:path w="21600" h="21600">
@@ -9045,13 +10317,19 @@
               <a:schemeClr val="dk2"/>
             </a:solidFill>
             <a:round/>
-            <a:tailEnd len="med" type="triangle" w="med"/>
+            <a:tailEnd type="triangle" w="med" len="med"/>
           </a:ln>
         </p:spPr>
         <p:style>
-          <a:lnRef idx="0"/>
-          <a:fillRef idx="0"/>
-          <a:effectRef idx="0"/>
+          <a:lnRef idx="0">
+            <a:scrgbClr r="0" g="0" b="0"/>
+          </a:lnRef>
+          <a:fillRef idx="0">
+            <a:scrgbClr r="0" g="0" b="0"/>
+          </a:fillRef>
+          <a:effectRef idx="0">
+            <a:scrgbClr r="0" g="0" b="0"/>
+          </a:effectRef>
           <a:fontRef idx="minor"/>
         </p:style>
       </p:sp>
@@ -9070,6 +10348,7 @@
             <a:avLst/>
             <a:gdLst/>
             <a:ahLst/>
+            <a:cxnLst/>
             <a:rect l="l" t="t" r="r" b="b"/>
             <a:pathLst>
               <a:path w="21600" h="21600">
@@ -9088,13 +10367,19 @@
               <a:schemeClr val="dk2"/>
             </a:solidFill>
             <a:round/>
-            <a:tailEnd len="med" type="triangle" w="med"/>
+            <a:tailEnd type="triangle" w="med" len="med"/>
           </a:ln>
         </p:spPr>
         <p:style>
-          <a:lnRef idx="0"/>
-          <a:fillRef idx="0"/>
-          <a:effectRef idx="0"/>
+          <a:lnRef idx="0">
+            <a:scrgbClr r="0" g="0" b="0"/>
+          </a:lnRef>
+          <a:fillRef idx="0">
+            <a:scrgbClr r="0" g="0" b="0"/>
+          </a:fillRef>
+          <a:effectRef idx="0">
+            <a:scrgbClr r="0" g="0" b="0"/>
+          </a:effectRef>
           <a:fontRef idx="minor"/>
         </p:style>
       </p:sp>
@@ -9105,7 +10390,7 @@
           <p:nvPr/>
         </p:nvSpPr>
         <p:spPr>
-          <a:xfrm flipH="1" rot="10800000">
+          <a:xfrm rot="10800000" flipH="1">
             <a:off x="4627800" y="2960640"/>
             <a:ext cx="1869840" cy="117360"/>
           </a:xfrm>
@@ -9113,6 +10398,7 @@
             <a:avLst/>
             <a:gdLst/>
             <a:ahLst/>
+            <a:cxnLst/>
             <a:rect l="l" t="t" r="r" b="b"/>
             <a:pathLst>
               <a:path w="21600" h="21600">
@@ -9131,13 +10417,19 @@
               <a:schemeClr val="dk2"/>
             </a:solidFill>
             <a:round/>
-            <a:tailEnd len="med" type="triangle" w="med"/>
+            <a:tailEnd type="triangle" w="med" len="med"/>
           </a:ln>
         </p:spPr>
         <p:style>
-          <a:lnRef idx="0"/>
-          <a:fillRef idx="0"/>
-          <a:effectRef idx="0"/>
+          <a:lnRef idx="0">
+            <a:scrgbClr r="0" g="0" b="0"/>
+          </a:lnRef>
+          <a:fillRef idx="0">
+            <a:scrgbClr r="0" g="0" b="0"/>
+          </a:fillRef>
+          <a:effectRef idx="0">
+            <a:scrgbClr r="0" g="0" b="0"/>
+          </a:effectRef>
           <a:fontRef idx="minor"/>
         </p:style>
       </p:sp>
@@ -9161,15 +10453,22 @@
           </a:ln>
         </p:spPr>
         <p:style>
-          <a:lnRef idx="0"/>
-          <a:fillRef idx="0"/>
-          <a:effectRef idx="0"/>
+          <a:lnRef idx="0">
+            <a:scrgbClr r="0" g="0" b="0"/>
+          </a:lnRef>
+          <a:fillRef idx="0">
+            <a:scrgbClr r="0" g="0" b="0"/>
+          </a:fillRef>
+          <a:effectRef idx="0">
+            <a:scrgbClr r="0" g="0" b="0"/>
+          </a:effectRef>
           <a:fontRef idx="minor"/>
         </p:style>
         <p:txBody>
           <a:bodyPr tIns="91440" bIns="91440">
             <a:noAutofit/>
           </a:bodyPr>
+          <a:lstStyle/>
           <a:p>
             <a:pPr>
               <a:lnSpc>
@@ -9177,7 +10476,7 @@
               </a:lnSpc>
             </a:pPr>
             <a:r>
-              <a:rPr b="0" lang="ko" sz="1400" spc="-1" strike="noStrike">
+              <a:rPr lang="ko" sz="1400" b="0" strike="noStrike" spc="-1">
                 <a:solidFill>
                   <a:srgbClr val="000000"/>
                 </a:solidFill>
@@ -9186,7 +10485,7 @@
               </a:rPr>
               <a:t>조건 명시</a:t>
             </a:r>
-            <a:endParaRPr b="0" lang="en-US" sz="1400" spc="-1" strike="noStrike">
+            <a:endParaRPr lang="en-US" sz="1400" b="0" strike="noStrike" spc="-1">
               <a:latin typeface="Arial"/>
             </a:endParaRPr>
           </a:p>
@@ -9212,15 +10511,22 @@
           </a:ln>
         </p:spPr>
         <p:style>
-          <a:lnRef idx="0"/>
-          <a:fillRef idx="0"/>
-          <a:effectRef idx="0"/>
+          <a:lnRef idx="0">
+            <a:scrgbClr r="0" g="0" b="0"/>
+          </a:lnRef>
+          <a:fillRef idx="0">
+            <a:scrgbClr r="0" g="0" b="0"/>
+          </a:fillRef>
+          <a:effectRef idx="0">
+            <a:scrgbClr r="0" g="0" b="0"/>
+          </a:effectRef>
           <a:fontRef idx="minor"/>
         </p:style>
         <p:txBody>
           <a:bodyPr tIns="91440" bIns="91440">
             <a:noAutofit/>
           </a:bodyPr>
+          <a:lstStyle/>
           <a:p>
             <a:pPr>
               <a:lnSpc>
@@ -9228,7 +10534,7 @@
               </a:lnSpc>
             </a:pPr>
             <a:r>
-              <a:rPr b="0" lang="ko" sz="1400" spc="-1" strike="noStrike">
+              <a:rPr lang="ko" sz="1400" b="0" strike="noStrike" spc="-1">
                 <a:solidFill>
                   <a:srgbClr val="000000"/>
                 </a:solidFill>
@@ -9237,7 +10543,7 @@
               </a:rPr>
               <a:t>자동 처리</a:t>
             </a:r>
-            <a:endParaRPr b="0" lang="en-US" sz="1400" spc="-1" strike="noStrike">
+            <a:endParaRPr lang="en-US" sz="1400" b="0" strike="noStrike" spc="-1">
               <a:latin typeface="Arial"/>
             </a:endParaRPr>
           </a:p>
@@ -9245,19 +10551,14 @@
       </p:sp>
     </p:spTree>
   </p:cSld>
-  <mc:AlternateContent>
-    <mc:Choice Requires="p14">
-      <p:transition spd="slow" p14:dur="2000"/>
-    </mc:Choice>
-    <mc:Fallback>
-      <p:transition spd="slow"/>
-    </mc:Fallback>
-  </mc:AlternateContent>
+  <p:clrMapOvr>
+    <a:masterClrMapping/>
+  </p:clrMapOvr>
 </p:sld>
 </file>
 
 <file path=ppt/slides/slide8.xml><?xml version="1.0" encoding="utf-8"?>
-<p:sld xmlns:a="http://schemas.openxmlformats.org/drawingml/2006/main" xmlns:p="http://schemas.openxmlformats.org/presentationml/2006/main" xmlns:r="http://schemas.openxmlformats.org/officeDocument/2006/relationships" xmlns:p14="http://schemas.microsoft.com/office/powerpoint/2010/main" xmlns:p15="http://schemas.microsoft.com/office/powerpoint/2012/main" xmlns:mc="http://schemas.openxmlformats.org/markup-compatibility/2006">
+<p:sld xmlns:a="http://schemas.openxmlformats.org/drawingml/2006/main" xmlns:r="http://schemas.openxmlformats.org/officeDocument/2006/relationships" xmlns:p="http://schemas.openxmlformats.org/presentationml/2006/main">
   <p:cSld>
     <p:spTree>
       <p:nvGrpSpPr>
@@ -9296,6 +10597,7 @@
           <a:bodyPr tIns="91440" bIns="91440">
             <a:noAutofit/>
           </a:bodyPr>
+          <a:lstStyle/>
           <a:p>
             <a:pPr>
               <a:lnSpc>
@@ -9303,7 +10605,7 @@
               </a:lnSpc>
             </a:pPr>
             <a:r>
-              <a:rPr b="1" lang="ko" sz="2800" spc="-1" strike="noStrike">
+              <a:rPr lang="ko" sz="2800" b="1" strike="noStrike" spc="-1">
                 <a:solidFill>
                   <a:srgbClr val="424242"/>
                 </a:solidFill>
@@ -9312,7 +10614,7 @@
               </a:rPr>
               <a:t>설문조사</a:t>
             </a:r>
-            <a:endParaRPr b="0" lang="en-US" sz="2800" spc="-1" strike="noStrike">
+            <a:endParaRPr lang="en-US" sz="2800" b="0" strike="noStrike" spc="-1">
               <a:solidFill>
                 <a:srgbClr val="000000"/>
               </a:solidFill>
@@ -9344,6 +10646,7 @@
           <a:bodyPr tIns="91440" bIns="91440">
             <a:noAutofit/>
           </a:bodyPr>
+          <a:lstStyle/>
           <a:p>
             <a:pPr>
               <a:lnSpc>
@@ -9351,7 +10654,7 @@
               </a:lnSpc>
             </a:pPr>
             <a:r>
-              <a:rPr b="0" lang="ko" sz="1300" spc="-1" strike="noStrike">
+              <a:rPr lang="ko" sz="1300" b="0" strike="noStrike" spc="-1">
                 <a:solidFill>
                   <a:srgbClr val="424242"/>
                 </a:solidFill>
@@ -9360,7 +10663,7 @@
               </a:rPr>
               <a:t>마음에 든 부분 </a:t>
             </a:r>
-            <a:endParaRPr b="0" lang="en-US" sz="1300" spc="-1" strike="noStrike">
+            <a:endParaRPr lang="en-US" sz="1300" b="0" strike="noStrike" spc="-1">
               <a:solidFill>
                 <a:srgbClr val="000000"/>
               </a:solidFill>
@@ -9382,19 +10685,19 @@
               <a:buAutoNum type="arabicPeriod"/>
             </a:pPr>
             <a:r>
-              <a:rPr b="0" lang="ko" sz="1050" spc="-1" strike="noStrike">
+              <a:rPr lang="ko" sz="1050" b="0" strike="noStrike" spc="-1">
                 <a:solidFill>
                   <a:srgbClr val="000000"/>
                 </a:solidFill>
                 <a:highlight>
-                  <a:srgbClr val="f8f9fa"/>
+                  <a:srgbClr val="F8F9FA"/>
                 </a:highlight>
                 <a:latin typeface="Arial"/>
                 <a:ea typeface="Arial"/>
               </a:rPr>
               <a:t>사용자가 적고 제한되있지만 사용할 소비자층이 확실히 존재함</a:t>
             </a:r>
-            <a:endParaRPr b="0" lang="en-US" sz="1050" spc="-1" strike="noStrike">
+            <a:endParaRPr lang="en-US" sz="1050" b="0" strike="noStrike" spc="-1">
               <a:solidFill>
                 <a:srgbClr val="000000"/>
               </a:solidFill>
@@ -9416,19 +10719,19 @@
               <a:buAutoNum type="arabicPeriod"/>
             </a:pPr>
             <a:r>
-              <a:rPr b="0" lang="ko" sz="1050" spc="-1" strike="noStrike">
+              <a:rPr lang="ko" sz="1050" b="0" strike="noStrike" spc="-1">
                 <a:solidFill>
                   <a:srgbClr val="000000"/>
                 </a:solidFill>
                 <a:highlight>
-                  <a:srgbClr val="f8f9fa"/>
+                  <a:srgbClr val="F8F9FA"/>
                 </a:highlight>
                 <a:latin typeface="Arial"/>
                 <a:ea typeface="Arial"/>
               </a:rPr>
               <a:t>매칭이 소수로 이루어져 혼란을 피할 수 있는것</a:t>
             </a:r>
-            <a:endParaRPr b="0" lang="en-US" sz="1050" spc="-1" strike="noStrike">
+            <a:endParaRPr lang="en-US" sz="1050" b="0" strike="noStrike" spc="-1">
               <a:solidFill>
                 <a:srgbClr val="000000"/>
               </a:solidFill>
@@ -9450,12 +10753,12 @@
               <a:buAutoNum type="arabicPeriod"/>
             </a:pPr>
             <a:r>
-              <a:rPr b="0" lang="ko" sz="1050" spc="-1" strike="noStrike">
+              <a:rPr lang="ko" sz="1050" b="0" strike="noStrike" spc="-1">
                 <a:solidFill>
                   <a:srgbClr val="000000"/>
                 </a:solidFill>
                 <a:highlight>
-                  <a:srgbClr val="f8f9fa"/>
+                  <a:srgbClr val="F8F9FA"/>
                 </a:highlight>
                 <a:latin typeface="Arial"/>
                 <a:ea typeface="Arial"/>
@@ -9463,12 +10766,12 @@
               <a:t>나무의 병력 등을 기록</a:t>
             </a:r>
             <a:r>
-              <a:rPr b="0" lang="en-US" sz="1050" spc="-1" strike="noStrike">
+              <a:rPr lang="en-US" sz="1050" b="0" strike="noStrike" spc="-1">
                 <a:solidFill>
                   <a:srgbClr val="000000"/>
                 </a:solidFill>
                 <a:highlight>
-                  <a:srgbClr val="f8f9fa"/>
+                  <a:srgbClr val="F8F9FA"/>
                 </a:highlight>
                 <a:latin typeface="Arial"/>
                 <a:ea typeface="Arial"/>
@@ -9476,19 +10779,19 @@
               <a:t>, </a:t>
             </a:r>
             <a:r>
-              <a:rPr b="0" lang="ko" sz="1050" spc="-1" strike="noStrike">
+              <a:rPr lang="ko" sz="1050" b="0" strike="noStrike" spc="-1">
                 <a:solidFill>
                   <a:srgbClr val="000000"/>
                 </a:solidFill>
                 <a:highlight>
-                  <a:srgbClr val="f8f9fa"/>
+                  <a:srgbClr val="F8F9FA"/>
                 </a:highlight>
                 <a:latin typeface="Arial"/>
                 <a:ea typeface="Arial"/>
               </a:rPr>
               <a:t>관리할 수 있는 점</a:t>
             </a:r>
-            <a:endParaRPr b="0" lang="en-US" sz="1050" spc="-1" strike="noStrike">
+            <a:endParaRPr lang="en-US" sz="1050" b="0" strike="noStrike" spc="-1">
               <a:solidFill>
                 <a:srgbClr val="000000"/>
               </a:solidFill>
@@ -9510,19 +10813,19 @@
               <a:buAutoNum type="arabicPeriod"/>
             </a:pPr>
             <a:r>
-              <a:rPr b="0" lang="ko" sz="1050" spc="-1" strike="noStrike">
+              <a:rPr lang="ko" sz="1050" b="0" strike="noStrike" spc="-1">
                 <a:solidFill>
                   <a:srgbClr val="000000"/>
                 </a:solidFill>
                 <a:highlight>
-                  <a:srgbClr val="f8f9fa"/>
+                  <a:srgbClr val="F8F9FA"/>
                 </a:highlight>
                 <a:latin typeface="Arial"/>
                 <a:ea typeface="Arial"/>
               </a:rPr>
               <a:t>나무 종류에 따라 다른 나무의사가 매칭되는 점이 좋다</a:t>
             </a:r>
-            <a:endParaRPr b="0" lang="en-US" sz="1050" spc="-1" strike="noStrike">
+            <a:endParaRPr lang="en-US" sz="1050" b="0" strike="noStrike" spc="-1">
               <a:solidFill>
                 <a:srgbClr val="000000"/>
               </a:solidFill>
@@ -9544,19 +10847,19 @@
               <a:buAutoNum type="arabicPeriod"/>
             </a:pPr>
             <a:r>
-              <a:rPr b="0" lang="ko" sz="1050" spc="-1" strike="noStrike">
+              <a:rPr lang="ko" sz="1050" b="0" strike="noStrike" spc="-1">
                 <a:solidFill>
                   <a:srgbClr val="000000"/>
                 </a:solidFill>
                 <a:highlight>
-                  <a:srgbClr val="f8f9fa"/>
+                  <a:srgbClr val="F8F9FA"/>
                 </a:highlight>
                 <a:latin typeface="Arial"/>
                 <a:ea typeface="Arial"/>
               </a:rPr>
               <a:t>단체나 사업자가 아닌 개인단위로도 간편하고 여러 접근성으로 사용가능한 부분</a:t>
             </a:r>
-            <a:endParaRPr b="0" lang="en-US" sz="1050" spc="-1" strike="noStrike">
+            <a:endParaRPr lang="en-US" sz="1050" b="0" strike="noStrike" spc="-1">
               <a:solidFill>
                 <a:srgbClr val="000000"/>
               </a:solidFill>
@@ -9572,7 +10875,7 @@
                 <a:spcPts val="1001"/>
               </a:spcBef>
             </a:pPr>
-            <a:endParaRPr b="0" lang="en-US" sz="1050" spc="-1" strike="noStrike">
+            <a:endParaRPr lang="en-US" sz="1050" b="0" strike="noStrike" spc="-1">
               <a:solidFill>
                 <a:srgbClr val="000000"/>
               </a:solidFill>
@@ -9591,7 +10894,7 @@
                 <a:spcPts val="1599"/>
               </a:spcAft>
             </a:pPr>
-            <a:endParaRPr b="0" lang="en-US" sz="1050" spc="-1" strike="noStrike">
+            <a:endParaRPr lang="en-US" sz="1050" b="0" strike="noStrike" spc="-1">
               <a:solidFill>
                 <a:srgbClr val="000000"/>
               </a:solidFill>
@@ -9602,19 +10905,14 @@
       </p:sp>
     </p:spTree>
   </p:cSld>
-  <mc:AlternateContent>
-    <mc:Choice Requires="p14">
-      <p:transition spd="slow" p14:dur="2000"/>
-    </mc:Choice>
-    <mc:Fallback>
-      <p:transition spd="slow"/>
-    </mc:Fallback>
-  </mc:AlternateContent>
+  <p:clrMapOvr>
+    <a:masterClrMapping/>
+  </p:clrMapOvr>
 </p:sld>
 </file>
 
 <file path=ppt/slides/slide9.xml><?xml version="1.0" encoding="utf-8"?>
-<p:sld xmlns:a="http://schemas.openxmlformats.org/drawingml/2006/main" xmlns:p="http://schemas.openxmlformats.org/presentationml/2006/main" xmlns:r="http://schemas.openxmlformats.org/officeDocument/2006/relationships" xmlns:p14="http://schemas.microsoft.com/office/powerpoint/2010/main" xmlns:p15="http://schemas.microsoft.com/office/powerpoint/2012/main" xmlns:mc="http://schemas.openxmlformats.org/markup-compatibility/2006">
+<p:sld xmlns:a="http://schemas.openxmlformats.org/drawingml/2006/main" xmlns:r="http://schemas.openxmlformats.org/officeDocument/2006/relationships" xmlns:p="http://schemas.openxmlformats.org/presentationml/2006/main">
   <p:cSld>
     <p:spTree>
       <p:nvGrpSpPr>
@@ -9653,6 +10951,7 @@
           <a:bodyPr tIns="91440" bIns="91440">
             <a:noAutofit/>
           </a:bodyPr>
+          <a:lstStyle/>
           <a:p>
             <a:pPr>
               <a:lnSpc>
@@ -9660,7 +10959,7 @@
               </a:lnSpc>
             </a:pPr>
             <a:r>
-              <a:rPr b="1" lang="ko" sz="2800" spc="-1" strike="noStrike">
+              <a:rPr lang="ko" sz="2800" b="1" strike="noStrike" spc="-1">
                 <a:solidFill>
                   <a:srgbClr val="424242"/>
                 </a:solidFill>
@@ -9669,7 +10968,7 @@
               </a:rPr>
               <a:t>설문조사</a:t>
             </a:r>
-            <a:endParaRPr b="0" lang="en-US" sz="2800" spc="-1" strike="noStrike">
+            <a:endParaRPr lang="en-US" sz="2800" b="0" strike="noStrike" spc="-1">
               <a:solidFill>
                 <a:srgbClr val="000000"/>
               </a:solidFill>
@@ -9701,6 +11000,7 @@
           <a:bodyPr tIns="91440" bIns="91440">
             <a:noAutofit/>
           </a:bodyPr>
+          <a:lstStyle/>
           <a:p>
             <a:pPr>
               <a:lnSpc>
@@ -9708,7 +11008,7 @@
               </a:lnSpc>
             </a:pPr>
             <a:r>
-              <a:rPr b="0" lang="ko" sz="1300" spc="-1" strike="noStrike">
+              <a:rPr lang="ko" sz="1300" b="0" strike="noStrike" spc="-1">
                 <a:solidFill>
                   <a:srgbClr val="000000"/>
                 </a:solidFill>
@@ -9717,7 +11017,7 @@
               </a:rPr>
               <a:t>시스템에서 개선이 필요하거나 필요 없다고 생각되는 부분</a:t>
             </a:r>
-            <a:endParaRPr b="0" lang="en-US" sz="1300" spc="-1" strike="noStrike">
+            <a:endParaRPr lang="en-US" sz="1300" b="0" strike="noStrike" spc="-1">
               <a:solidFill>
                 <a:srgbClr val="000000"/>
               </a:solidFill>
@@ -9739,12 +11039,12 @@
               <a:buAutoNum type="arabicPeriod"/>
             </a:pPr>
             <a:r>
-              <a:rPr b="0" lang="ko" sz="1100" spc="-1" strike="noStrike">
+              <a:rPr lang="ko" sz="1100" b="0" strike="noStrike" spc="-1">
                 <a:solidFill>
                   <a:srgbClr val="202124"/>
                 </a:solidFill>
                 <a:highlight>
-                  <a:srgbClr val="f8f9fa"/>
+                  <a:srgbClr val="F8F9FA"/>
                 </a:highlight>
                 <a:latin typeface="Arial"/>
                 <a:ea typeface="Arial"/>
@@ -9752,12 +11052,12 @@
               <a:t>진료서 작성에서 나무 증상 선택 목록</a:t>
             </a:r>
             <a:r>
-              <a:rPr b="0" lang="en-US" sz="1100" spc="-1" strike="noStrike">
+              <a:rPr lang="en-US" sz="1100" b="0" strike="noStrike" spc="-1">
                 <a:solidFill>
                   <a:srgbClr val="202124"/>
                 </a:solidFill>
                 <a:highlight>
-                  <a:srgbClr val="f8f9fa"/>
+                  <a:srgbClr val="F8F9FA"/>
                 </a:highlight>
                 <a:latin typeface="Arial"/>
                 <a:ea typeface="Arial"/>
@@ -9765,12 +11065,12 @@
               <a:t>(</a:t>
             </a:r>
             <a:r>
-              <a:rPr b="0" lang="ko" sz="1100" spc="-1" strike="noStrike">
+              <a:rPr lang="ko" sz="1100" b="0" strike="noStrike" spc="-1">
                 <a:solidFill>
                   <a:srgbClr val="202124"/>
                 </a:solidFill>
                 <a:highlight>
-                  <a:srgbClr val="f8f9fa"/>
+                  <a:srgbClr val="F8F9FA"/>
                 </a:highlight>
                 <a:latin typeface="Arial"/>
                 <a:ea typeface="Arial"/>
@@ -9778,19 +11078,19 @@
               <a:t>보다 빠른 진료를 위해서</a:t>
             </a:r>
             <a:r>
-              <a:rPr b="0" lang="en-US" sz="1100" spc="-1" strike="noStrike">
+              <a:rPr lang="en-US" sz="1100" b="0" strike="noStrike" spc="-1">
                 <a:solidFill>
                   <a:srgbClr val="202124"/>
                 </a:solidFill>
                 <a:highlight>
-                  <a:srgbClr val="f8f9fa"/>
+                  <a:srgbClr val="F8F9FA"/>
                 </a:highlight>
                 <a:latin typeface="Arial"/>
                 <a:ea typeface="Arial"/>
               </a:rPr>
               <a:t>)</a:t>
             </a:r>
-            <a:endParaRPr b="0" lang="en-US" sz="1100" spc="-1" strike="noStrike">
+            <a:endParaRPr lang="en-US" sz="1100" b="0" strike="noStrike" spc="-1">
               <a:solidFill>
                 <a:srgbClr val="000000"/>
               </a:solidFill>
@@ -9812,12 +11112,12 @@
               <a:buAutoNum type="arabicPeriod"/>
             </a:pPr>
             <a:r>
-              <a:rPr b="0" lang="ko" sz="1100" spc="-1" strike="noStrike">
+              <a:rPr lang="ko" sz="1100" b="0" strike="noStrike" spc="-1">
                 <a:solidFill>
                   <a:srgbClr val="202124"/>
                 </a:solidFill>
                 <a:highlight>
-                  <a:srgbClr val="f8f9fa"/>
+                  <a:srgbClr val="F8F9FA"/>
                 </a:highlight>
                 <a:latin typeface="Arial"/>
                 <a:ea typeface="Arial"/>
@@ -9825,12 +11125,12 @@
               <a:t>나무거래 창의 명칭을 나무 분양으로 변경</a:t>
             </a:r>
             <a:r>
-              <a:rPr b="0" lang="en-US" sz="1100" spc="-1" strike="noStrike">
+              <a:rPr lang="en-US" sz="1100" b="0" strike="noStrike" spc="-1">
                 <a:solidFill>
                   <a:srgbClr val="202124"/>
                 </a:solidFill>
                 <a:highlight>
-                  <a:srgbClr val="f8f9fa"/>
+                  <a:srgbClr val="F8F9FA"/>
                 </a:highlight>
                 <a:latin typeface="Arial"/>
                 <a:ea typeface="Arial"/>
@@ -9838,12 +11138,12 @@
               <a:t>(</a:t>
             </a:r>
             <a:r>
-              <a:rPr b="0" lang="ko" sz="1100" spc="-1" strike="noStrike">
+              <a:rPr lang="ko" sz="1100" b="0" strike="noStrike" spc="-1">
                 <a:solidFill>
                   <a:srgbClr val="202124"/>
                 </a:solidFill>
                 <a:highlight>
-                  <a:srgbClr val="f8f9fa"/>
+                  <a:srgbClr val="F8F9FA"/>
                 </a:highlight>
                 <a:latin typeface="Arial"/>
                 <a:ea typeface="Arial"/>
@@ -9851,19 +11151,19 @@
               <a:t>불편해 하는 사람이 존재 할것</a:t>
             </a:r>
             <a:r>
-              <a:rPr b="0" lang="en-US" sz="1100" spc="-1" strike="noStrike">
+              <a:rPr lang="en-US" sz="1100" b="0" strike="noStrike" spc="-1">
                 <a:solidFill>
                   <a:srgbClr val="202124"/>
                 </a:solidFill>
                 <a:highlight>
-                  <a:srgbClr val="f8f9fa"/>
+                  <a:srgbClr val="F8F9FA"/>
                 </a:highlight>
                 <a:latin typeface="Arial"/>
                 <a:ea typeface="Arial"/>
               </a:rPr>
               <a:t>)</a:t>
             </a:r>
-            <a:endParaRPr b="0" lang="en-US" sz="1100" spc="-1" strike="noStrike">
+            <a:endParaRPr lang="en-US" sz="1100" b="0" strike="noStrike" spc="-1">
               <a:solidFill>
                 <a:srgbClr val="000000"/>
               </a:solidFill>
@@ -9885,12 +11185,12 @@
               <a:buAutoNum type="arabicPeriod"/>
             </a:pPr>
             <a:r>
-              <a:rPr b="0" lang="ko" sz="1100" spc="-1" strike="noStrike">
+              <a:rPr lang="ko" sz="1100" b="0" strike="noStrike" spc="-1">
                 <a:solidFill>
                   <a:srgbClr val="202124"/>
                 </a:solidFill>
                 <a:highlight>
-                  <a:srgbClr val="f8f9fa"/>
+                  <a:srgbClr val="F8F9FA"/>
                 </a:highlight>
                 <a:latin typeface="Arial"/>
                 <a:ea typeface="Arial"/>
@@ -9898,19 +11198,19 @@
               <a:t>검색 조건이나 입력항목의 다양화가 필요해보인다</a:t>
             </a:r>
             <a:r>
-              <a:rPr b="0" lang="en-US" sz="1100" spc="-1" strike="noStrike">
+              <a:rPr lang="en-US" sz="1100" b="0" strike="noStrike" spc="-1">
                 <a:solidFill>
                   <a:srgbClr val="202124"/>
                 </a:solidFill>
                 <a:highlight>
-                  <a:srgbClr val="f8f9fa"/>
+                  <a:srgbClr val="F8F9FA"/>
                 </a:highlight>
                 <a:latin typeface="Arial"/>
                 <a:ea typeface="Arial"/>
               </a:rPr>
               <a:t>.</a:t>
             </a:r>
-            <a:endParaRPr b="0" lang="en-US" sz="1100" spc="-1" strike="noStrike">
+            <a:endParaRPr lang="en-US" sz="1100" b="0" strike="noStrike" spc="-1">
               <a:solidFill>
                 <a:srgbClr val="000000"/>
               </a:solidFill>
@@ -9935,19 +11235,19 @@
               <a:buAutoNum type="arabicPeriod"/>
             </a:pPr>
             <a:r>
-              <a:rPr b="0" lang="ko" sz="1050" spc="-1" strike="noStrike">
+              <a:rPr lang="ko" sz="1050" b="0" strike="noStrike" spc="-1">
                 <a:solidFill>
                   <a:srgbClr val="202124"/>
                 </a:solidFill>
                 <a:highlight>
-                  <a:srgbClr val="f8f9fa"/>
+                  <a:srgbClr val="F8F9FA"/>
                 </a:highlight>
                 <a:latin typeface="Arial"/>
                 <a:ea typeface="Arial"/>
               </a:rPr>
               <a:t>본인이 자주 신청하는 나무나 의사정보를 저장해 즐겨찿기 기능이 있으면 좋겠다고 생각한다</a:t>
             </a:r>
-            <a:endParaRPr b="0" lang="en-US" sz="1050" spc="-1" strike="noStrike">
+            <a:endParaRPr lang="en-US" sz="1050" b="0" strike="noStrike" spc="-1">
               <a:solidFill>
                 <a:srgbClr val="000000"/>
               </a:solidFill>
@@ -9958,14 +11258,9 @@
       </p:sp>
     </p:spTree>
   </p:cSld>
-  <mc:AlternateContent>
-    <mc:Choice Requires="p14">
-      <p:transition spd="slow" p14:dur="2000"/>
-    </mc:Choice>
-    <mc:Fallback>
-      <p:transition spd="slow"/>
-    </mc:Fallback>
-  </mc:AlternateContent>
+  <p:clrMapOvr>
+    <a:masterClrMapping/>
+  </p:clrMapOvr>
 </p:sld>
 </file>
 
@@ -9983,31 +11278,31 @@
         <a:srgbClr val="424242"/>
       </a:dk2>
       <a:lt2>
-        <a:srgbClr val="8dd8d3"/>
+        <a:srgbClr val="8DD8D3"/>
       </a:lt2>
       <a:accent1>
-        <a:srgbClr val="0b6374"/>
+        <a:srgbClr val="0B6374"/>
       </a:accent1>
       <a:accent2>
-        <a:srgbClr val="fd5b58"/>
+        <a:srgbClr val="FD5B58"/>
       </a:accent2>
       <a:accent3>
         <a:srgbClr val="599191"/>
       </a:accent3>
       <a:accent4>
-        <a:srgbClr val="d7e6a3"/>
+        <a:srgbClr val="D7E6A3"/>
       </a:accent4>
       <a:accent5>
-        <a:srgbClr val="27278b"/>
+        <a:srgbClr val="27278B"/>
       </a:accent5>
       <a:accent6>
-        <a:srgbClr val="d558ab"/>
+        <a:srgbClr val="D558AB"/>
       </a:accent6>
       <a:hlink>
-        <a:srgbClr val="27278b"/>
+        <a:srgbClr val="27278B"/>
       </a:hlink>
       <a:folHlink>
-        <a:srgbClr val="27278b"/>
+        <a:srgbClr val="27278B"/>
       </a:folHlink>
     </a:clrScheme>
     <a:fontScheme name="Office">
@@ -10192,6 +11487,8 @@
       </a:bgFillStyleLst>
     </a:fmtScheme>
   </a:themeElements>
+  <a:objectDefaults/>
+  <a:extraClrSchemeLst/>
 </a:theme>
 </file>
 
@@ -10209,31 +11506,31 @@
         <a:srgbClr val="424242"/>
       </a:dk2>
       <a:lt2>
-        <a:srgbClr val="8dd8d3"/>
+        <a:srgbClr val="8DD8D3"/>
       </a:lt2>
       <a:accent1>
-        <a:srgbClr val="0b6374"/>
+        <a:srgbClr val="0B6374"/>
       </a:accent1>
       <a:accent2>
-        <a:srgbClr val="fd5b58"/>
+        <a:srgbClr val="FD5B58"/>
       </a:accent2>
       <a:accent3>
         <a:srgbClr val="599191"/>
       </a:accent3>
       <a:accent4>
-        <a:srgbClr val="d7e6a3"/>
+        <a:srgbClr val="D7E6A3"/>
       </a:accent4>
       <a:accent5>
-        <a:srgbClr val="27278b"/>
+        <a:srgbClr val="27278B"/>
       </a:accent5>
       <a:accent6>
-        <a:srgbClr val="d558ab"/>
+        <a:srgbClr val="D558AB"/>
       </a:accent6>
       <a:hlink>
-        <a:srgbClr val="27278b"/>
+        <a:srgbClr val="27278B"/>
       </a:hlink>
       <a:folHlink>
-        <a:srgbClr val="27278b"/>
+        <a:srgbClr val="27278B"/>
       </a:folHlink>
     </a:clrScheme>
     <a:fontScheme name="Office">
@@ -10418,5 +11715,7 @@
       </a:bgFillStyleLst>
     </a:fmtScheme>
   </a:themeElements>
+  <a:objectDefaults/>
+  <a:extraClrSchemeLst/>
 </a:theme>
 </file>